--- a/miao/LC1-two-sum(时间复杂度简介).pptx
+++ b/miao/LC1-two-sum(时间复杂度简介).pptx
@@ -5,7 +5,7 @@
     <p:sldMasterId id="2147483648" r:id="rId1"/>
   </p:sldMasterIdLst>
   <p:notesMasterIdLst>
-    <p:notesMasterId r:id="rId16"/>
+    <p:notesMasterId r:id="rId17"/>
   </p:notesMasterIdLst>
   <p:sldIdLst>
     <p:sldId id="256" r:id="rId2"/>
@@ -21,7 +21,8 @@
     <p:sldId id="266" r:id="rId12"/>
     <p:sldId id="267" r:id="rId13"/>
     <p:sldId id="268" r:id="rId14"/>
-    <p:sldId id="269" r:id="rId15"/>
+    <p:sldId id="270" r:id="rId15"/>
+    <p:sldId id="269" r:id="rId16"/>
   </p:sldIdLst>
   <p:sldSz cx="12192000" cy="6858000"/>
   <p:notesSz cx="6858000" cy="9144000"/>
@@ -210,7 +211,7 @@
           <a:p>
             <a:fld id="{92102D14-9D92-4083-B1FA-946E7240644B}" type="datetimeFigureOut">
               <a:rPr lang="zh-CN" altLang="en-US" smtClean="0"/>
-              <a:t>2021/10/18</a:t>
+              <a:t>2021/10/19</a:t>
             </a:fld>
             <a:endParaRPr lang="zh-CN" altLang="en-US"/>
           </a:p>
@@ -708,7 +709,7 @@
           <a:p>
             <a:fld id="{F554FFFA-7CE9-4B63-B3C9-FCEC754BCF45}" type="datetimeFigureOut">
               <a:rPr lang="zh-CN" altLang="en-US" smtClean="0"/>
-              <a:t>2021/10/18</a:t>
+              <a:t>2021/10/19</a:t>
             </a:fld>
             <a:endParaRPr lang="zh-CN" altLang="en-US"/>
           </a:p>
@@ -906,7 +907,7 @@
           <a:p>
             <a:fld id="{F554FFFA-7CE9-4B63-B3C9-FCEC754BCF45}" type="datetimeFigureOut">
               <a:rPr lang="zh-CN" altLang="en-US" smtClean="0"/>
-              <a:t>2021/10/18</a:t>
+              <a:t>2021/10/19</a:t>
             </a:fld>
             <a:endParaRPr lang="zh-CN" altLang="en-US"/>
           </a:p>
@@ -1114,7 +1115,7 @@
           <a:p>
             <a:fld id="{F554FFFA-7CE9-4B63-B3C9-FCEC754BCF45}" type="datetimeFigureOut">
               <a:rPr lang="zh-CN" altLang="en-US" smtClean="0"/>
-              <a:t>2021/10/18</a:t>
+              <a:t>2021/10/19</a:t>
             </a:fld>
             <a:endParaRPr lang="zh-CN" altLang="en-US"/>
           </a:p>
@@ -1312,7 +1313,7 @@
           <a:p>
             <a:fld id="{F554FFFA-7CE9-4B63-B3C9-FCEC754BCF45}" type="datetimeFigureOut">
               <a:rPr lang="zh-CN" altLang="en-US" smtClean="0"/>
-              <a:t>2021/10/18</a:t>
+              <a:t>2021/10/19</a:t>
             </a:fld>
             <a:endParaRPr lang="zh-CN" altLang="en-US"/>
           </a:p>
@@ -1587,7 +1588,7 @@
           <a:p>
             <a:fld id="{F554FFFA-7CE9-4B63-B3C9-FCEC754BCF45}" type="datetimeFigureOut">
               <a:rPr lang="zh-CN" altLang="en-US" smtClean="0"/>
-              <a:t>2021/10/18</a:t>
+              <a:t>2021/10/19</a:t>
             </a:fld>
             <a:endParaRPr lang="zh-CN" altLang="en-US"/>
           </a:p>
@@ -1852,7 +1853,7 @@
           <a:p>
             <a:fld id="{F554FFFA-7CE9-4B63-B3C9-FCEC754BCF45}" type="datetimeFigureOut">
               <a:rPr lang="zh-CN" altLang="en-US" smtClean="0"/>
-              <a:t>2021/10/18</a:t>
+              <a:t>2021/10/19</a:t>
             </a:fld>
             <a:endParaRPr lang="zh-CN" altLang="en-US"/>
           </a:p>
@@ -2264,7 +2265,7 @@
           <a:p>
             <a:fld id="{F554FFFA-7CE9-4B63-B3C9-FCEC754BCF45}" type="datetimeFigureOut">
               <a:rPr lang="zh-CN" altLang="en-US" smtClean="0"/>
-              <a:t>2021/10/18</a:t>
+              <a:t>2021/10/19</a:t>
             </a:fld>
             <a:endParaRPr lang="zh-CN" altLang="en-US"/>
           </a:p>
@@ -2405,7 +2406,7 @@
           <a:p>
             <a:fld id="{F554FFFA-7CE9-4B63-B3C9-FCEC754BCF45}" type="datetimeFigureOut">
               <a:rPr lang="zh-CN" altLang="en-US" smtClean="0"/>
-              <a:t>2021/10/18</a:t>
+              <a:t>2021/10/19</a:t>
             </a:fld>
             <a:endParaRPr lang="zh-CN" altLang="en-US"/>
           </a:p>
@@ -2518,7 +2519,7 @@
           <a:p>
             <a:fld id="{F554FFFA-7CE9-4B63-B3C9-FCEC754BCF45}" type="datetimeFigureOut">
               <a:rPr lang="zh-CN" altLang="en-US" smtClean="0"/>
-              <a:t>2021/10/18</a:t>
+              <a:t>2021/10/19</a:t>
             </a:fld>
             <a:endParaRPr lang="zh-CN" altLang="en-US"/>
           </a:p>
@@ -2829,7 +2830,7 @@
           <a:p>
             <a:fld id="{F554FFFA-7CE9-4B63-B3C9-FCEC754BCF45}" type="datetimeFigureOut">
               <a:rPr lang="zh-CN" altLang="en-US" smtClean="0"/>
-              <a:t>2021/10/18</a:t>
+              <a:t>2021/10/19</a:t>
             </a:fld>
             <a:endParaRPr lang="zh-CN" altLang="en-US"/>
           </a:p>
@@ -3117,7 +3118,7 @@
           <a:p>
             <a:fld id="{F554FFFA-7CE9-4B63-B3C9-FCEC754BCF45}" type="datetimeFigureOut">
               <a:rPr lang="zh-CN" altLang="en-US" smtClean="0"/>
-              <a:t>2021/10/18</a:t>
+              <a:t>2021/10/19</a:t>
             </a:fld>
             <a:endParaRPr lang="zh-CN" altLang="en-US"/>
           </a:p>
@@ -3358,7 +3359,7 @@
           <a:p>
             <a:fld id="{F554FFFA-7CE9-4B63-B3C9-FCEC754BCF45}" type="datetimeFigureOut">
               <a:rPr lang="zh-CN" altLang="en-US" smtClean="0"/>
-              <a:t>2021/10/18</a:t>
+              <a:t>2021/10/19</a:t>
             </a:fld>
             <a:endParaRPr lang="zh-CN" altLang="en-US"/>
           </a:p>
@@ -6360,6 +6361,473 @@
           </a:p>
         </p:txBody>
       </p:sp>
+      <p:sp>
+        <p:nvSpPr>
+          <p:cNvPr id="3" name="文本框 2">
+            <a:extLst>
+              <a:ext uri="{FF2B5EF4-FFF2-40B4-BE49-F238E27FC236}">
+                <a16:creationId xmlns:a16="http://schemas.microsoft.com/office/drawing/2014/main" id="{E03A27BA-2C2B-4A6F-8B39-01CE6D9F9043}"/>
+              </a:ext>
+            </a:extLst>
+          </p:cNvPr>
+          <p:cNvSpPr txBox="1"/>
+          <p:nvPr/>
+        </p:nvSpPr>
+        <p:spPr>
+          <a:xfrm>
+            <a:off x="1664208" y="1847314"/>
+            <a:ext cx="8019288" cy="338554"/>
+          </a:xfrm>
+          <a:prstGeom prst="rect">
+            <a:avLst/>
+          </a:prstGeom>
+          <a:noFill/>
+        </p:spPr>
+        <p:txBody>
+          <a:bodyPr wrap="square" rtlCol="0">
+            <a:spAutoFit/>
+          </a:bodyPr>
+          <a:lstStyle/>
+          <a:p>
+            <a:r>
+              <a:rPr lang="zh-CN" altLang="en-US" sz="1600" dirty="0">
+                <a:latin typeface="Consolas" panose="020B0609020204030204" pitchFamily="49" charset="0"/>
+              </a:rPr>
+              <a:t>题目要求在</a:t>
+            </a:r>
+            <a:r>
+              <a:rPr lang="en-US" altLang="zh-CN" sz="1600" dirty="0" err="1">
+                <a:latin typeface="Consolas" panose="020B0609020204030204" pitchFamily="49" charset="0"/>
+              </a:rPr>
+              <a:t>nums</a:t>
+            </a:r>
+            <a:r>
+              <a:rPr lang="zh-CN" altLang="en-US" sz="1600" dirty="0">
+                <a:latin typeface="Consolas" panose="020B0609020204030204" pitchFamily="49" charset="0"/>
+              </a:rPr>
+              <a:t>中找到两个下标 </a:t>
+            </a:r>
+            <a:r>
+              <a:rPr lang="en-US" altLang="zh-CN" sz="1600" dirty="0" err="1">
+                <a:latin typeface="Consolas" panose="020B0609020204030204" pitchFamily="49" charset="0"/>
+              </a:rPr>
+              <a:t>i</a:t>
+            </a:r>
+            <a:r>
+              <a:rPr lang="en-US" altLang="zh-CN" sz="1600" dirty="0">
+                <a:latin typeface="Consolas" panose="020B0609020204030204" pitchFamily="49" charset="0"/>
+              </a:rPr>
+              <a:t>, j </a:t>
+            </a:r>
+            <a:r>
+              <a:rPr lang="zh-CN" altLang="en-US" sz="1600" dirty="0">
+                <a:latin typeface="Consolas" panose="020B0609020204030204" pitchFamily="49" charset="0"/>
+              </a:rPr>
+              <a:t>使得 </a:t>
+            </a:r>
+            <a:r>
+              <a:rPr lang="en-US" altLang="zh-CN" sz="1600" dirty="0" err="1">
+                <a:latin typeface="Consolas" panose="020B0609020204030204" pitchFamily="49" charset="0"/>
+              </a:rPr>
+              <a:t>nums</a:t>
+            </a:r>
+            <a:r>
+              <a:rPr lang="en-US" altLang="zh-CN" sz="1600" dirty="0">
+                <a:latin typeface="Consolas" panose="020B0609020204030204" pitchFamily="49" charset="0"/>
+              </a:rPr>
+              <a:t>[</a:t>
+            </a:r>
+            <a:r>
+              <a:rPr lang="en-US" altLang="zh-CN" sz="1600" dirty="0" err="1">
+                <a:latin typeface="Consolas" panose="020B0609020204030204" pitchFamily="49" charset="0"/>
+              </a:rPr>
+              <a:t>i</a:t>
+            </a:r>
+            <a:r>
+              <a:rPr lang="en-US" altLang="zh-CN" sz="1600" dirty="0">
+                <a:latin typeface="Consolas" panose="020B0609020204030204" pitchFamily="49" charset="0"/>
+              </a:rPr>
+              <a:t>] + </a:t>
+            </a:r>
+            <a:r>
+              <a:rPr lang="en-US" altLang="zh-CN" sz="1600" dirty="0" err="1">
+                <a:latin typeface="Consolas" panose="020B0609020204030204" pitchFamily="49" charset="0"/>
+              </a:rPr>
+              <a:t>nums</a:t>
+            </a:r>
+            <a:r>
+              <a:rPr lang="en-US" altLang="zh-CN" sz="1600" dirty="0">
+                <a:latin typeface="Consolas" panose="020B0609020204030204" pitchFamily="49" charset="0"/>
+              </a:rPr>
+              <a:t>[j] = target</a:t>
+            </a:r>
+            <a:endParaRPr lang="zh-CN" altLang="en-US" sz="1600" dirty="0">
+              <a:latin typeface="Consolas" panose="020B0609020204030204" pitchFamily="49" charset="0"/>
+            </a:endParaRPr>
+          </a:p>
+        </p:txBody>
+      </p:sp>
+      <p:sp>
+        <p:nvSpPr>
+          <p:cNvPr id="5" name="文本框 4">
+            <a:extLst>
+              <a:ext uri="{FF2B5EF4-FFF2-40B4-BE49-F238E27FC236}">
+                <a16:creationId xmlns:a16="http://schemas.microsoft.com/office/drawing/2014/main" id="{80A151C9-62AA-462B-96ED-6BBEE19F8CCD}"/>
+              </a:ext>
+            </a:extLst>
+          </p:cNvPr>
+          <p:cNvSpPr txBox="1"/>
+          <p:nvPr/>
+        </p:nvSpPr>
+        <p:spPr>
+          <a:xfrm>
+            <a:off x="1664208" y="2323028"/>
+            <a:ext cx="7927848" cy="830997"/>
+          </a:xfrm>
+          <a:prstGeom prst="rect">
+            <a:avLst/>
+          </a:prstGeom>
+          <a:noFill/>
+        </p:spPr>
+        <p:txBody>
+          <a:bodyPr wrap="square" rtlCol="0">
+            <a:spAutoFit/>
+          </a:bodyPr>
+          <a:lstStyle/>
+          <a:p>
+            <a:r>
+              <a:rPr lang="zh-CN" altLang="en-US" sz="1600" dirty="0">
+                <a:latin typeface="Consolas" panose="020B0609020204030204" pitchFamily="49" charset="0"/>
+              </a:rPr>
+              <a:t>为了方便表示，不妨令 </a:t>
+            </a:r>
+            <a:r>
+              <a:rPr lang="en-US" altLang="zh-CN" sz="1600" dirty="0">
+                <a:latin typeface="Consolas" panose="020B0609020204030204" pitchFamily="49" charset="0"/>
+              </a:rPr>
+              <a:t>a = </a:t>
+            </a:r>
+            <a:r>
+              <a:rPr lang="en-US" altLang="zh-CN" sz="1600" dirty="0" err="1">
+                <a:latin typeface="Consolas" panose="020B0609020204030204" pitchFamily="49" charset="0"/>
+              </a:rPr>
+              <a:t>nums</a:t>
+            </a:r>
+            <a:r>
+              <a:rPr lang="en-US" altLang="zh-CN" sz="1600" dirty="0">
+                <a:latin typeface="Consolas" panose="020B0609020204030204" pitchFamily="49" charset="0"/>
+              </a:rPr>
+              <a:t>[</a:t>
+            </a:r>
+            <a:r>
+              <a:rPr lang="en-US" altLang="zh-CN" sz="1600" dirty="0" err="1">
+                <a:latin typeface="Consolas" panose="020B0609020204030204" pitchFamily="49" charset="0"/>
+              </a:rPr>
+              <a:t>i</a:t>
+            </a:r>
+            <a:r>
+              <a:rPr lang="en-US" altLang="zh-CN" sz="1600" dirty="0">
+                <a:latin typeface="Consolas" panose="020B0609020204030204" pitchFamily="49" charset="0"/>
+              </a:rPr>
+              <a:t>]</a:t>
+            </a:r>
+            <a:r>
+              <a:rPr lang="zh-CN" altLang="en-US" sz="1600" dirty="0">
+                <a:latin typeface="Consolas" panose="020B0609020204030204" pitchFamily="49" charset="0"/>
+              </a:rPr>
+              <a:t>，</a:t>
+            </a:r>
+            <a:r>
+              <a:rPr lang="en-US" altLang="zh-CN" sz="1600" dirty="0">
+                <a:latin typeface="Consolas" panose="020B0609020204030204" pitchFamily="49" charset="0"/>
+              </a:rPr>
+              <a:t>b = </a:t>
+            </a:r>
+            <a:r>
+              <a:rPr lang="en-US" altLang="zh-CN" sz="1600" dirty="0" err="1">
+                <a:latin typeface="Consolas" panose="020B0609020204030204" pitchFamily="49" charset="0"/>
+              </a:rPr>
+              <a:t>nums</a:t>
+            </a:r>
+            <a:r>
+              <a:rPr lang="en-US" altLang="zh-CN" sz="1600" dirty="0">
+                <a:latin typeface="Consolas" panose="020B0609020204030204" pitchFamily="49" charset="0"/>
+              </a:rPr>
+              <a:t>[j]</a:t>
+            </a:r>
+            <a:r>
+              <a:rPr lang="zh-CN" altLang="en-US" sz="1600" dirty="0">
+                <a:latin typeface="Consolas" panose="020B0609020204030204" pitchFamily="49" charset="0"/>
+              </a:rPr>
+              <a:t>，同时我们设 </a:t>
+            </a:r>
+            <a:r>
+              <a:rPr lang="en-US" altLang="zh-CN" sz="1600" dirty="0">
+                <a:latin typeface="Consolas" panose="020B0609020204030204" pitchFamily="49" charset="0"/>
+              </a:rPr>
+              <a:t>a </a:t>
+            </a:r>
+            <a:r>
+              <a:rPr lang="zh-CN" altLang="en-US" sz="1600" dirty="0">
+                <a:latin typeface="Consolas" panose="020B0609020204030204" pitchFamily="49" charset="0"/>
+              </a:rPr>
+              <a:t>为两者之中的较大值</a:t>
+            </a:r>
+            <a:r>
+              <a:rPr lang="en-US" altLang="zh-CN" sz="1600" dirty="0">
+                <a:latin typeface="Consolas" panose="020B0609020204030204" pitchFamily="49" charset="0"/>
+              </a:rPr>
+              <a:t>(a = </a:t>
+            </a:r>
+            <a:r>
+              <a:rPr lang="en-US" altLang="zh-CN" sz="1600" dirty="0" err="1">
+                <a:latin typeface="Consolas" panose="020B0609020204030204" pitchFamily="49" charset="0"/>
+              </a:rPr>
+              <a:t>Math.max</a:t>
+            </a:r>
+            <a:r>
+              <a:rPr lang="en-US" altLang="zh-CN" sz="1600" dirty="0">
+                <a:latin typeface="Consolas" panose="020B0609020204030204" pitchFamily="49" charset="0"/>
+              </a:rPr>
+              <a:t>(a, b))</a:t>
+            </a:r>
+          </a:p>
+          <a:p>
+            <a:r>
+              <a:rPr lang="zh-CN" altLang="en-US" sz="1600" dirty="0">
+                <a:latin typeface="Consolas" panose="020B0609020204030204" pitchFamily="49" charset="0"/>
+              </a:rPr>
+              <a:t>那么一定有下列关系成立：</a:t>
+            </a:r>
+          </a:p>
+        </p:txBody>
+      </p:sp>
+      <p:sp>
+        <p:nvSpPr>
+          <p:cNvPr id="7" name="文本框 6">
+            <a:extLst>
+              <a:ext uri="{FF2B5EF4-FFF2-40B4-BE49-F238E27FC236}">
+                <a16:creationId xmlns:a16="http://schemas.microsoft.com/office/drawing/2014/main" id="{89EFD179-2755-4C5E-899D-1C11C5465FDC}"/>
+              </a:ext>
+            </a:extLst>
+          </p:cNvPr>
+          <p:cNvSpPr txBox="1"/>
+          <p:nvPr/>
+        </p:nvSpPr>
+        <p:spPr>
+          <a:xfrm>
+            <a:off x="1664208" y="3257219"/>
+            <a:ext cx="7927848" cy="584775"/>
+          </a:xfrm>
+          <a:prstGeom prst="rect">
+            <a:avLst/>
+          </a:prstGeom>
+          <a:noFill/>
+        </p:spPr>
+        <p:txBody>
+          <a:bodyPr wrap="square" rtlCol="0">
+            <a:spAutoFit/>
+          </a:bodyPr>
+          <a:lstStyle/>
+          <a:p>
+            <a:pPr marL="342900" indent="-342900">
+              <a:buAutoNum type="arabicParenR"/>
+            </a:pPr>
+            <a:r>
+              <a:rPr lang="en-US" altLang="zh-CN" sz="1600" dirty="0">
+                <a:latin typeface="Consolas" panose="020B0609020204030204" pitchFamily="49" charset="0"/>
+              </a:rPr>
+              <a:t>a + b = target</a:t>
+            </a:r>
+          </a:p>
+          <a:p>
+            <a:pPr marL="342900" indent="-342900">
+              <a:buAutoNum type="arabicParenR"/>
+            </a:pPr>
+            <a:r>
+              <a:rPr lang="en-US" altLang="zh-CN" sz="1600" dirty="0">
+                <a:latin typeface="Consolas" panose="020B0609020204030204" pitchFamily="49" charset="0"/>
+              </a:rPr>
+              <a:t>a &gt;= b</a:t>
+            </a:r>
+          </a:p>
+        </p:txBody>
+      </p:sp>
+      <p:sp>
+        <p:nvSpPr>
+          <p:cNvPr id="9" name="文本框 8">
+            <a:extLst>
+              <a:ext uri="{FF2B5EF4-FFF2-40B4-BE49-F238E27FC236}">
+                <a16:creationId xmlns:a16="http://schemas.microsoft.com/office/drawing/2014/main" id="{8B66B164-3B40-42D2-80EA-8AC331CD69A5}"/>
+              </a:ext>
+            </a:extLst>
+          </p:cNvPr>
+          <p:cNvSpPr txBox="1"/>
+          <p:nvPr/>
+        </p:nvSpPr>
+        <p:spPr>
+          <a:xfrm>
+            <a:off x="1664208" y="3949982"/>
+            <a:ext cx="7927848" cy="338554"/>
+          </a:xfrm>
+          <a:prstGeom prst="rect">
+            <a:avLst/>
+          </a:prstGeom>
+          <a:noFill/>
+        </p:spPr>
+        <p:txBody>
+          <a:bodyPr wrap="square" rtlCol="0">
+            <a:spAutoFit/>
+          </a:bodyPr>
+          <a:lstStyle/>
+          <a:p>
+            <a:r>
+              <a:rPr lang="zh-CN" altLang="en-US" sz="1600" dirty="0">
+                <a:latin typeface="Consolas" panose="020B0609020204030204" pitchFamily="49" charset="0"/>
+              </a:rPr>
+              <a:t>问题就可以转为为在数组中找到一大一小的两个数，使得这两个数之和为</a:t>
+            </a:r>
+            <a:r>
+              <a:rPr lang="en-US" altLang="zh-CN" sz="1600" dirty="0">
+                <a:latin typeface="Consolas" panose="020B0609020204030204" pitchFamily="49" charset="0"/>
+              </a:rPr>
+              <a:t>target</a:t>
+            </a:r>
+          </a:p>
+        </p:txBody>
+      </p:sp>
+      <p:sp>
+        <p:nvSpPr>
+          <p:cNvPr id="11" name="文本框 10">
+            <a:extLst>
+              <a:ext uri="{FF2B5EF4-FFF2-40B4-BE49-F238E27FC236}">
+                <a16:creationId xmlns:a16="http://schemas.microsoft.com/office/drawing/2014/main" id="{AC552C8F-7DB1-45A5-BA9F-81A4CA5D3CCA}"/>
+              </a:ext>
+            </a:extLst>
+          </p:cNvPr>
+          <p:cNvSpPr txBox="1"/>
+          <p:nvPr/>
+        </p:nvSpPr>
+        <p:spPr>
+          <a:xfrm>
+            <a:off x="1664208" y="4396524"/>
+            <a:ext cx="7927848" cy="338554"/>
+          </a:xfrm>
+          <a:prstGeom prst="rect">
+            <a:avLst/>
+          </a:prstGeom>
+          <a:noFill/>
+        </p:spPr>
+        <p:txBody>
+          <a:bodyPr wrap="square" rtlCol="0">
+            <a:spAutoFit/>
+          </a:bodyPr>
+          <a:lstStyle/>
+          <a:p>
+            <a:r>
+              <a:rPr lang="zh-CN" altLang="en-US" sz="1600" dirty="0">
+                <a:latin typeface="Consolas" panose="020B0609020204030204" pitchFamily="49" charset="0"/>
+              </a:rPr>
+              <a:t>问题是找到具有明确大小关系的两个数，为了方便处理，可以？</a:t>
+            </a:r>
+            <a:endParaRPr lang="en-US" altLang="zh-CN" sz="1600" dirty="0">
+              <a:latin typeface="Consolas" panose="020B0609020204030204" pitchFamily="49" charset="0"/>
+            </a:endParaRPr>
+          </a:p>
+        </p:txBody>
+      </p:sp>
+      <p:sp>
+        <p:nvSpPr>
+          <p:cNvPr id="13" name="文本框 12">
+            <a:extLst>
+              <a:ext uri="{FF2B5EF4-FFF2-40B4-BE49-F238E27FC236}">
+                <a16:creationId xmlns:a16="http://schemas.microsoft.com/office/drawing/2014/main" id="{D1714A35-A9A5-4301-9B61-B4B0EABB2E8D}"/>
+              </a:ext>
+            </a:extLst>
+          </p:cNvPr>
+          <p:cNvSpPr txBox="1"/>
+          <p:nvPr/>
+        </p:nvSpPr>
+        <p:spPr>
+          <a:xfrm>
+            <a:off x="1664208" y="4900540"/>
+            <a:ext cx="7927848" cy="338554"/>
+          </a:xfrm>
+          <a:prstGeom prst="rect">
+            <a:avLst/>
+          </a:prstGeom>
+          <a:noFill/>
+        </p:spPr>
+        <p:txBody>
+          <a:bodyPr wrap="square" rtlCol="0">
+            <a:spAutoFit/>
+          </a:bodyPr>
+          <a:lstStyle/>
+          <a:p>
+            <a:r>
+              <a:rPr lang="zh-CN" altLang="en-US" sz="1600" dirty="0">
+                <a:latin typeface="Consolas" panose="020B0609020204030204" pitchFamily="49" charset="0"/>
+              </a:rPr>
+              <a:t>为便于分辨大小关系，可以对数组做 </a:t>
+            </a:r>
+            <a:r>
+              <a:rPr lang="en-US" altLang="zh-CN" sz="1600" dirty="0">
+                <a:latin typeface="Consolas" panose="020B0609020204030204" pitchFamily="49" charset="0"/>
+              </a:rPr>
+              <a:t>sort/</a:t>
+            </a:r>
+            <a:r>
+              <a:rPr lang="zh-CN" altLang="en-US" sz="1600" dirty="0">
+                <a:latin typeface="Consolas" panose="020B0609020204030204" pitchFamily="49" charset="0"/>
+              </a:rPr>
+              <a:t>排序 处理</a:t>
+            </a:r>
+            <a:endParaRPr lang="en-US" altLang="zh-CN" sz="1600" dirty="0">
+              <a:latin typeface="Consolas" panose="020B0609020204030204" pitchFamily="49" charset="0"/>
+            </a:endParaRPr>
+          </a:p>
+        </p:txBody>
+      </p:sp>
+      <p:sp>
+        <p:nvSpPr>
+          <p:cNvPr id="15" name="文本框 14">
+            <a:extLst>
+              <a:ext uri="{FF2B5EF4-FFF2-40B4-BE49-F238E27FC236}">
+                <a16:creationId xmlns:a16="http://schemas.microsoft.com/office/drawing/2014/main" id="{FEFBA2BE-6F69-4AE2-AA30-5445BFA018CF}"/>
+              </a:ext>
+            </a:extLst>
+          </p:cNvPr>
+          <p:cNvSpPr txBox="1"/>
+          <p:nvPr/>
+        </p:nvSpPr>
+        <p:spPr>
+          <a:xfrm>
+            <a:off x="1664208" y="5404556"/>
+            <a:ext cx="7927848" cy="338554"/>
+          </a:xfrm>
+          <a:prstGeom prst="rect">
+            <a:avLst/>
+          </a:prstGeom>
+          <a:noFill/>
+        </p:spPr>
+        <p:txBody>
+          <a:bodyPr wrap="square" rtlCol="0">
+            <a:spAutoFit/>
+          </a:bodyPr>
+          <a:lstStyle/>
+          <a:p>
+            <a:r>
+              <a:rPr lang="zh-CN" altLang="en-US" sz="1600" dirty="0">
+                <a:latin typeface="Consolas" panose="020B0609020204030204" pitchFamily="49" charset="0"/>
+              </a:rPr>
+              <a:t>接下来我们结合一个例子继续进行分析</a:t>
+            </a:r>
+            <a:endParaRPr lang="en-US" altLang="zh-CN" sz="1600" dirty="0">
+              <a:latin typeface="Consolas" panose="020B0609020204030204" pitchFamily="49" charset="0"/>
+            </a:endParaRPr>
+          </a:p>
+        </p:txBody>
+      </p:sp>
     </p:spTree>
     <p:extLst>
       <p:ext uri="{BB962C8B-B14F-4D97-AF65-F5344CB8AC3E}">
@@ -6506,6 +6974,1862 @@
 </file>
 
 <file path=ppt/slides/slide14.xml><?xml version="1.0" encoding="utf-8"?>
+<p:sld xmlns:a="http://schemas.openxmlformats.org/drawingml/2006/main" xmlns:r="http://schemas.openxmlformats.org/officeDocument/2006/relationships" xmlns:p="http://schemas.openxmlformats.org/presentationml/2006/main">
+  <p:cSld>
+    <p:spTree>
+      <p:nvGrpSpPr>
+        <p:cNvPr id="1" name=""/>
+        <p:cNvGrpSpPr/>
+        <p:nvPr/>
+      </p:nvGrpSpPr>
+      <p:grpSpPr>
+        <a:xfrm>
+          <a:off x="0" y="0"/>
+          <a:ext cx="0" cy="0"/>
+          <a:chOff x="0" y="0"/>
+          <a:chExt cx="0" cy="0"/>
+        </a:xfrm>
+      </p:grpSpPr>
+      <p:sp>
+        <p:nvSpPr>
+          <p:cNvPr id="3" name="文本框 2">
+            <a:extLst>
+              <a:ext uri="{FF2B5EF4-FFF2-40B4-BE49-F238E27FC236}">
+                <a16:creationId xmlns:a16="http://schemas.microsoft.com/office/drawing/2014/main" id="{59B38DCA-17E1-4FC7-A21E-655C3AB9EAB1}"/>
+              </a:ext>
+            </a:extLst>
+          </p:cNvPr>
+          <p:cNvSpPr txBox="1"/>
+          <p:nvPr/>
+        </p:nvSpPr>
+        <p:spPr>
+          <a:xfrm>
+            <a:off x="1010412" y="768096"/>
+            <a:ext cx="4764024" cy="461665"/>
+          </a:xfrm>
+          <a:prstGeom prst="rect">
+            <a:avLst/>
+          </a:prstGeom>
+          <a:noFill/>
+        </p:spPr>
+        <p:txBody>
+          <a:bodyPr wrap="square" rtlCol="0">
+            <a:spAutoFit/>
+          </a:bodyPr>
+          <a:lstStyle/>
+          <a:p>
+            <a:r>
+              <a:rPr lang="en-US" altLang="zh-CN" sz="2400" b="1" dirty="0"/>
+              <a:t>LeetCode-1</a:t>
+            </a:r>
+            <a:r>
+              <a:rPr lang="zh-CN" altLang="en-US" sz="2400" b="1" dirty="0"/>
+              <a:t>：</a:t>
+            </a:r>
+            <a:r>
+              <a:rPr lang="en-US" altLang="zh-CN" sz="2400" b="1" dirty="0"/>
+              <a:t>two-sum/</a:t>
+            </a:r>
+            <a:r>
+              <a:rPr lang="zh-CN" altLang="en-US" sz="2400" b="1" dirty="0"/>
+              <a:t>两数之和</a:t>
+            </a:r>
+          </a:p>
+        </p:txBody>
+      </p:sp>
+      <p:sp>
+        <p:nvSpPr>
+          <p:cNvPr id="5" name="文本框 4">
+            <a:extLst>
+              <a:ext uri="{FF2B5EF4-FFF2-40B4-BE49-F238E27FC236}">
+                <a16:creationId xmlns:a16="http://schemas.microsoft.com/office/drawing/2014/main" id="{9C0BD45B-4F61-4196-9C1F-85E32AAECC79}"/>
+              </a:ext>
+            </a:extLst>
+          </p:cNvPr>
+          <p:cNvSpPr txBox="1"/>
+          <p:nvPr/>
+        </p:nvSpPr>
+        <p:spPr>
+          <a:xfrm>
+            <a:off x="1810512" y="1428419"/>
+            <a:ext cx="7927848" cy="584775"/>
+          </a:xfrm>
+          <a:prstGeom prst="rect">
+            <a:avLst/>
+          </a:prstGeom>
+          <a:noFill/>
+        </p:spPr>
+        <p:txBody>
+          <a:bodyPr wrap="square" rtlCol="0">
+            <a:spAutoFit/>
+          </a:bodyPr>
+          <a:lstStyle/>
+          <a:p>
+            <a:pPr marL="342900" indent="-342900">
+              <a:buAutoNum type="arabicParenR"/>
+            </a:pPr>
+            <a:r>
+              <a:rPr lang="en-US" altLang="zh-CN" sz="1600" dirty="0">
+                <a:latin typeface="Consolas" panose="020B0609020204030204" pitchFamily="49" charset="0"/>
+              </a:rPr>
+              <a:t>a + b = target</a:t>
+            </a:r>
+          </a:p>
+          <a:p>
+            <a:pPr marL="342900" indent="-342900">
+              <a:buAutoNum type="arabicParenR"/>
+            </a:pPr>
+            <a:r>
+              <a:rPr lang="en-US" altLang="zh-CN" sz="1600" dirty="0">
+                <a:latin typeface="Consolas" panose="020B0609020204030204" pitchFamily="49" charset="0"/>
+              </a:rPr>
+              <a:t>a &gt;= b</a:t>
+            </a:r>
+          </a:p>
+        </p:txBody>
+      </p:sp>
+      <p:sp>
+        <p:nvSpPr>
+          <p:cNvPr id="7" name="文本框 6">
+            <a:extLst>
+              <a:ext uri="{FF2B5EF4-FFF2-40B4-BE49-F238E27FC236}">
+                <a16:creationId xmlns:a16="http://schemas.microsoft.com/office/drawing/2014/main" id="{B39E170B-40A5-4443-8EB7-E524FD6AB6CF}"/>
+              </a:ext>
+            </a:extLst>
+          </p:cNvPr>
+          <p:cNvSpPr txBox="1"/>
+          <p:nvPr/>
+        </p:nvSpPr>
+        <p:spPr>
+          <a:xfrm>
+            <a:off x="1810512" y="2211852"/>
+            <a:ext cx="4089774" cy="338554"/>
+          </a:xfrm>
+          <a:prstGeom prst="rect">
+            <a:avLst/>
+          </a:prstGeom>
+          <a:noFill/>
+        </p:spPr>
+        <p:txBody>
+          <a:bodyPr wrap="square" rtlCol="0">
+            <a:spAutoFit/>
+          </a:bodyPr>
+          <a:lstStyle/>
+          <a:p>
+            <a:r>
+              <a:rPr lang="en-US" altLang="zh-CN" sz="1600" dirty="0" err="1">
+                <a:latin typeface="Consolas" panose="020B0609020204030204" pitchFamily="49" charset="0"/>
+              </a:rPr>
+              <a:t>nums</a:t>
+            </a:r>
+            <a:r>
+              <a:rPr lang="en-US" altLang="zh-CN" sz="1600" dirty="0">
+                <a:latin typeface="Consolas" panose="020B0609020204030204" pitchFamily="49" charset="0"/>
+              </a:rPr>
+              <a:t> = [2, 3, 3, 5, 7], target = 6</a:t>
+            </a:r>
+          </a:p>
+        </p:txBody>
+      </p:sp>
+      <p:sp>
+        <p:nvSpPr>
+          <p:cNvPr id="9" name="文本框 8">
+            <a:extLst>
+              <a:ext uri="{FF2B5EF4-FFF2-40B4-BE49-F238E27FC236}">
+                <a16:creationId xmlns:a16="http://schemas.microsoft.com/office/drawing/2014/main" id="{E3F921A9-99B9-4A5C-9825-0EF7CDDD03F7}"/>
+              </a:ext>
+            </a:extLst>
+          </p:cNvPr>
+          <p:cNvSpPr txBox="1"/>
+          <p:nvPr/>
+        </p:nvSpPr>
+        <p:spPr>
+          <a:xfrm>
+            <a:off x="1810512" y="2550406"/>
+            <a:ext cx="3963924" cy="338554"/>
+          </a:xfrm>
+          <a:prstGeom prst="rect">
+            <a:avLst/>
+          </a:prstGeom>
+          <a:noFill/>
+        </p:spPr>
+        <p:txBody>
+          <a:bodyPr wrap="square" rtlCol="0">
+            <a:spAutoFit/>
+          </a:bodyPr>
+          <a:lstStyle/>
+          <a:p>
+            <a:r>
+              <a:rPr lang="en-US" altLang="zh-CN" sz="1600" dirty="0">
+                <a:latin typeface="Consolas" panose="020B0609020204030204" pitchFamily="49" charset="0"/>
+              </a:rPr>
+              <a:t>        </a:t>
+            </a:r>
+            <a:r>
+              <a:rPr lang="en-US" altLang="zh-CN" sz="1600" dirty="0" err="1">
+                <a:latin typeface="Consolas" panose="020B0609020204030204" pitchFamily="49" charset="0"/>
+              </a:rPr>
+              <a:t>i</a:t>
+            </a:r>
+            <a:r>
+              <a:rPr lang="en-US" altLang="zh-CN" sz="1600" dirty="0">
+                <a:latin typeface="Consolas" panose="020B0609020204030204" pitchFamily="49" charset="0"/>
+              </a:rPr>
+              <a:t>	    </a:t>
+            </a:r>
+            <a:r>
+              <a:rPr lang="en-US" altLang="zh-CN" sz="1600" dirty="0">
+                <a:solidFill>
+                  <a:schemeClr val="accent1"/>
+                </a:solidFill>
+                <a:latin typeface="Consolas" panose="020B0609020204030204" pitchFamily="49" charset="0"/>
+              </a:rPr>
+              <a:t>j</a:t>
+            </a:r>
+          </a:p>
+        </p:txBody>
+      </p:sp>
+      <p:sp>
+        <p:nvSpPr>
+          <p:cNvPr id="11" name="文本框 10">
+            <a:extLst>
+              <a:ext uri="{FF2B5EF4-FFF2-40B4-BE49-F238E27FC236}">
+                <a16:creationId xmlns:a16="http://schemas.microsoft.com/office/drawing/2014/main" id="{53C5FCF7-C46E-499E-B0A6-CF9D1D89F9A0}"/>
+              </a:ext>
+            </a:extLst>
+          </p:cNvPr>
+          <p:cNvSpPr txBox="1"/>
+          <p:nvPr/>
+        </p:nvSpPr>
+        <p:spPr>
+          <a:xfrm>
+            <a:off x="1810512" y="2576703"/>
+            <a:ext cx="3963924" cy="338554"/>
+          </a:xfrm>
+          <a:prstGeom prst="rect">
+            <a:avLst/>
+          </a:prstGeom>
+          <a:noFill/>
+        </p:spPr>
+        <p:txBody>
+          <a:bodyPr wrap="square" rtlCol="0">
+            <a:spAutoFit/>
+          </a:bodyPr>
+          <a:lstStyle/>
+          <a:p>
+            <a:r>
+              <a:rPr lang="en-US" altLang="zh-CN" sz="1600" dirty="0">
+                <a:latin typeface="Consolas" panose="020B0609020204030204" pitchFamily="49" charset="0"/>
+              </a:rPr>
+              <a:t>        </a:t>
+            </a:r>
+            <a:r>
+              <a:rPr lang="en-US" altLang="zh-CN" sz="1600" dirty="0" err="1">
+                <a:latin typeface="Consolas" panose="020B0609020204030204" pitchFamily="49" charset="0"/>
+              </a:rPr>
+              <a:t>i</a:t>
+            </a:r>
+            <a:r>
+              <a:rPr lang="en-US" altLang="zh-CN" sz="1600" dirty="0">
+                <a:latin typeface="Consolas" panose="020B0609020204030204" pitchFamily="49" charset="0"/>
+              </a:rPr>
+              <a:t>     </a:t>
+            </a:r>
+            <a:r>
+              <a:rPr lang="en-US" altLang="zh-CN" sz="1600" dirty="0">
+                <a:solidFill>
+                  <a:schemeClr val="accent1"/>
+                </a:solidFill>
+                <a:latin typeface="Consolas" panose="020B0609020204030204" pitchFamily="49" charset="0"/>
+              </a:rPr>
+              <a:t>j</a:t>
+            </a:r>
+          </a:p>
+        </p:txBody>
+      </p:sp>
+      <p:sp>
+        <p:nvSpPr>
+          <p:cNvPr id="13" name="文本框 12">
+            <a:extLst>
+              <a:ext uri="{FF2B5EF4-FFF2-40B4-BE49-F238E27FC236}">
+                <a16:creationId xmlns:a16="http://schemas.microsoft.com/office/drawing/2014/main" id="{CA3E0CF3-8893-4F51-92BA-F2CBCB3616BF}"/>
+              </a:ext>
+            </a:extLst>
+          </p:cNvPr>
+          <p:cNvSpPr txBox="1"/>
+          <p:nvPr/>
+        </p:nvSpPr>
+        <p:spPr>
+          <a:xfrm>
+            <a:off x="1810512" y="2572314"/>
+            <a:ext cx="4089774" cy="338554"/>
+          </a:xfrm>
+          <a:prstGeom prst="rect">
+            <a:avLst/>
+          </a:prstGeom>
+          <a:noFill/>
+        </p:spPr>
+        <p:txBody>
+          <a:bodyPr wrap="square" rtlCol="0">
+            <a:spAutoFit/>
+          </a:bodyPr>
+          <a:lstStyle/>
+          <a:p>
+            <a:r>
+              <a:rPr lang="en-US" altLang="zh-CN" sz="1600" dirty="0">
+                <a:latin typeface="Consolas" panose="020B0609020204030204" pitchFamily="49" charset="0"/>
+              </a:rPr>
+              <a:t>           </a:t>
+            </a:r>
+            <a:r>
+              <a:rPr lang="en-US" altLang="zh-CN" sz="1600" dirty="0" err="1">
+                <a:latin typeface="Consolas" panose="020B0609020204030204" pitchFamily="49" charset="0"/>
+              </a:rPr>
+              <a:t>i</a:t>
+            </a:r>
+            <a:r>
+              <a:rPr lang="en-US" altLang="zh-CN" sz="1600" dirty="0">
+                <a:latin typeface="Consolas" panose="020B0609020204030204" pitchFamily="49" charset="0"/>
+              </a:rPr>
+              <a:t>  </a:t>
+            </a:r>
+            <a:r>
+              <a:rPr lang="en-US" altLang="zh-CN" sz="1600" dirty="0">
+                <a:solidFill>
+                  <a:schemeClr val="accent1"/>
+                </a:solidFill>
+                <a:latin typeface="Consolas" panose="020B0609020204030204" pitchFamily="49" charset="0"/>
+              </a:rPr>
+              <a:t>j</a:t>
+            </a:r>
+          </a:p>
+        </p:txBody>
+      </p:sp>
+      <p:sp>
+        <p:nvSpPr>
+          <p:cNvPr id="14" name="文本框 13">
+            <a:extLst>
+              <a:ext uri="{FF2B5EF4-FFF2-40B4-BE49-F238E27FC236}">
+                <a16:creationId xmlns:a16="http://schemas.microsoft.com/office/drawing/2014/main" id="{5F9883E5-4D0C-4563-A46F-1A0FE5FFE547}"/>
+              </a:ext>
+            </a:extLst>
+          </p:cNvPr>
+          <p:cNvSpPr txBox="1"/>
+          <p:nvPr/>
+        </p:nvSpPr>
+        <p:spPr>
+          <a:xfrm>
+            <a:off x="6096000" y="3075675"/>
+            <a:ext cx="6055574" cy="338554"/>
+          </a:xfrm>
+          <a:prstGeom prst="rect">
+            <a:avLst/>
+          </a:prstGeom>
+          <a:noFill/>
+        </p:spPr>
+        <p:txBody>
+          <a:bodyPr wrap="square" rtlCol="0">
+            <a:spAutoFit/>
+          </a:bodyPr>
+          <a:lstStyle/>
+          <a:p>
+            <a:r>
+              <a:rPr lang="en-US" altLang="zh-CN" sz="1600" dirty="0">
+                <a:latin typeface="Consolas" panose="020B0609020204030204" pitchFamily="49" charset="0"/>
+              </a:rPr>
+              <a:t>while (</a:t>
+            </a:r>
+            <a:r>
+              <a:rPr lang="en-US" altLang="zh-CN" sz="1600" dirty="0" err="1">
+                <a:latin typeface="Consolas" panose="020B0609020204030204" pitchFamily="49" charset="0"/>
+              </a:rPr>
+              <a:t>i</a:t>
+            </a:r>
+            <a:r>
+              <a:rPr lang="en-US" altLang="zh-CN" sz="1600" dirty="0">
+                <a:latin typeface="Consolas" panose="020B0609020204030204" pitchFamily="49" charset="0"/>
+              </a:rPr>
+              <a:t> &lt; j &amp;&amp; </a:t>
+            </a:r>
+            <a:r>
+              <a:rPr lang="en-US" altLang="zh-CN" sz="1600" dirty="0" err="1">
+                <a:latin typeface="Consolas" panose="020B0609020204030204" pitchFamily="49" charset="0"/>
+              </a:rPr>
+              <a:t>nums</a:t>
+            </a:r>
+            <a:r>
+              <a:rPr lang="en-US" altLang="zh-CN" sz="1600" dirty="0">
+                <a:latin typeface="Consolas" panose="020B0609020204030204" pitchFamily="49" charset="0"/>
+              </a:rPr>
+              <a:t>[</a:t>
+            </a:r>
+            <a:r>
+              <a:rPr lang="en-US" altLang="zh-CN" sz="1600" dirty="0" err="1">
+                <a:latin typeface="Consolas" panose="020B0609020204030204" pitchFamily="49" charset="0"/>
+              </a:rPr>
+              <a:t>i</a:t>
+            </a:r>
+            <a:r>
+              <a:rPr lang="en-US" altLang="zh-CN" sz="1600" dirty="0">
+                <a:latin typeface="Consolas" panose="020B0609020204030204" pitchFamily="49" charset="0"/>
+              </a:rPr>
+              <a:t>] + </a:t>
+            </a:r>
+            <a:r>
+              <a:rPr lang="en-US" altLang="zh-CN" sz="1600" dirty="0" err="1">
+                <a:latin typeface="Consolas" panose="020B0609020204030204" pitchFamily="49" charset="0"/>
+              </a:rPr>
+              <a:t>nums</a:t>
+            </a:r>
+            <a:r>
+              <a:rPr lang="en-US" altLang="zh-CN" sz="1600" dirty="0">
+                <a:latin typeface="Consolas" panose="020B0609020204030204" pitchFamily="49" charset="0"/>
+              </a:rPr>
+              <a:t>[j] &gt; target) j--;</a:t>
+            </a:r>
+            <a:endParaRPr lang="zh-CN" altLang="en-US" sz="1600" dirty="0">
+              <a:latin typeface="Consolas" panose="020B0609020204030204" pitchFamily="49" charset="0"/>
+            </a:endParaRPr>
+          </a:p>
+        </p:txBody>
+      </p:sp>
+      <p:sp>
+        <p:nvSpPr>
+          <p:cNvPr id="15" name="文本框 14">
+            <a:extLst>
+              <a:ext uri="{FF2B5EF4-FFF2-40B4-BE49-F238E27FC236}">
+                <a16:creationId xmlns:a16="http://schemas.microsoft.com/office/drawing/2014/main" id="{4C5A205E-D63B-4084-BB5B-C7C14084F86F}"/>
+              </a:ext>
+            </a:extLst>
+          </p:cNvPr>
+          <p:cNvSpPr txBox="1"/>
+          <p:nvPr/>
+        </p:nvSpPr>
+        <p:spPr>
+          <a:xfrm>
+            <a:off x="6096000" y="3554586"/>
+            <a:ext cx="5637196" cy="338554"/>
+          </a:xfrm>
+          <a:prstGeom prst="rect">
+            <a:avLst/>
+          </a:prstGeom>
+          <a:noFill/>
+        </p:spPr>
+        <p:txBody>
+          <a:bodyPr wrap="square" rtlCol="0">
+            <a:spAutoFit/>
+          </a:bodyPr>
+          <a:lstStyle/>
+          <a:p>
+            <a:r>
+              <a:rPr lang="en-US" altLang="zh-CN" sz="1600" dirty="0">
+                <a:latin typeface="Consolas" panose="020B0609020204030204" pitchFamily="49" charset="0"/>
+              </a:rPr>
+              <a:t>if (</a:t>
+            </a:r>
+            <a:r>
+              <a:rPr lang="en-US" altLang="zh-CN" sz="1600" dirty="0" err="1">
+                <a:latin typeface="Consolas" panose="020B0609020204030204" pitchFamily="49" charset="0"/>
+              </a:rPr>
+              <a:t>nums</a:t>
+            </a:r>
+            <a:r>
+              <a:rPr lang="en-US" altLang="zh-CN" sz="1600" dirty="0">
+                <a:latin typeface="Consolas" panose="020B0609020204030204" pitchFamily="49" charset="0"/>
+              </a:rPr>
+              <a:t>[</a:t>
+            </a:r>
+            <a:r>
+              <a:rPr lang="en-US" altLang="zh-CN" sz="1600" dirty="0" err="1">
+                <a:latin typeface="Consolas" panose="020B0609020204030204" pitchFamily="49" charset="0"/>
+              </a:rPr>
+              <a:t>i</a:t>
+            </a:r>
+            <a:r>
+              <a:rPr lang="en-US" altLang="zh-CN" sz="1600" dirty="0">
+                <a:latin typeface="Consolas" panose="020B0609020204030204" pitchFamily="49" charset="0"/>
+              </a:rPr>
+              <a:t>] + </a:t>
+            </a:r>
+            <a:r>
+              <a:rPr lang="en-US" altLang="zh-CN" sz="1600" dirty="0" err="1">
+                <a:latin typeface="Consolas" panose="020B0609020204030204" pitchFamily="49" charset="0"/>
+              </a:rPr>
+              <a:t>nums</a:t>
+            </a:r>
+            <a:r>
+              <a:rPr lang="en-US" altLang="zh-CN" sz="1600" dirty="0">
+                <a:latin typeface="Consolas" panose="020B0609020204030204" pitchFamily="49" charset="0"/>
+              </a:rPr>
+              <a:t>[j] == target) return [</a:t>
+            </a:r>
+            <a:r>
+              <a:rPr lang="en-US" altLang="zh-CN" sz="1600" dirty="0" err="1">
+                <a:latin typeface="Consolas" panose="020B0609020204030204" pitchFamily="49" charset="0"/>
+              </a:rPr>
+              <a:t>i</a:t>
+            </a:r>
+            <a:r>
+              <a:rPr lang="en-US" altLang="zh-CN" sz="1600" dirty="0">
+                <a:latin typeface="Consolas" panose="020B0609020204030204" pitchFamily="49" charset="0"/>
+              </a:rPr>
+              <a:t>, j];</a:t>
+            </a:r>
+            <a:endParaRPr lang="zh-CN" altLang="en-US" sz="1600" dirty="0">
+              <a:latin typeface="Consolas" panose="020B0609020204030204" pitchFamily="49" charset="0"/>
+            </a:endParaRPr>
+          </a:p>
+        </p:txBody>
+      </p:sp>
+      <p:sp>
+        <p:nvSpPr>
+          <p:cNvPr id="16" name="文本框 15">
+            <a:extLst>
+              <a:ext uri="{FF2B5EF4-FFF2-40B4-BE49-F238E27FC236}">
+                <a16:creationId xmlns:a16="http://schemas.microsoft.com/office/drawing/2014/main" id="{55420DFC-C110-475B-A087-E3FE9A0DECDA}"/>
+              </a:ext>
+            </a:extLst>
+          </p:cNvPr>
+          <p:cNvSpPr txBox="1"/>
+          <p:nvPr/>
+        </p:nvSpPr>
+        <p:spPr>
+          <a:xfrm>
+            <a:off x="1810512" y="4372052"/>
+            <a:ext cx="7256486" cy="1569660"/>
+          </a:xfrm>
+          <a:prstGeom prst="rect">
+            <a:avLst/>
+          </a:prstGeom>
+          <a:noFill/>
+        </p:spPr>
+        <p:txBody>
+          <a:bodyPr wrap="square" rtlCol="0">
+            <a:spAutoFit/>
+          </a:bodyPr>
+          <a:lstStyle/>
+          <a:p>
+            <a:r>
+              <a:rPr lang="en-US" altLang="zh-CN" sz="1600" dirty="0">
+                <a:latin typeface="Consolas" panose="020B0609020204030204" pitchFamily="49" charset="0"/>
+              </a:rPr>
+              <a:t>for (let </a:t>
+            </a:r>
+            <a:r>
+              <a:rPr lang="en-US" altLang="zh-CN" sz="1600" dirty="0" err="1">
+                <a:latin typeface="Consolas" panose="020B0609020204030204" pitchFamily="49" charset="0"/>
+              </a:rPr>
+              <a:t>i</a:t>
+            </a:r>
+            <a:r>
+              <a:rPr lang="en-US" altLang="zh-CN" sz="1600" dirty="0">
+                <a:latin typeface="Consolas" panose="020B0609020204030204" pitchFamily="49" charset="0"/>
+              </a:rPr>
+              <a:t> = 0, j = </a:t>
+            </a:r>
+            <a:r>
+              <a:rPr lang="en-US" altLang="zh-CN" sz="1600" dirty="0" err="1">
+                <a:latin typeface="Consolas" panose="020B0609020204030204" pitchFamily="49" charset="0"/>
+              </a:rPr>
+              <a:t>nums.length</a:t>
+            </a:r>
+            <a:r>
+              <a:rPr lang="en-US" altLang="zh-CN" sz="1600" dirty="0">
+                <a:latin typeface="Consolas" panose="020B0609020204030204" pitchFamily="49" charset="0"/>
+              </a:rPr>
+              <a:t> - 1; </a:t>
+            </a:r>
+            <a:r>
+              <a:rPr lang="en-US" altLang="zh-CN" sz="1600" dirty="0" err="1">
+                <a:latin typeface="Consolas" panose="020B0609020204030204" pitchFamily="49" charset="0"/>
+              </a:rPr>
+              <a:t>i</a:t>
+            </a:r>
+            <a:r>
+              <a:rPr lang="en-US" altLang="zh-CN" sz="1600" dirty="0">
+                <a:latin typeface="Consolas" panose="020B0609020204030204" pitchFamily="49" charset="0"/>
+              </a:rPr>
+              <a:t> &lt; j; </a:t>
+            </a:r>
+            <a:r>
+              <a:rPr lang="en-US" altLang="zh-CN" sz="1600" dirty="0" err="1">
+                <a:latin typeface="Consolas" panose="020B0609020204030204" pitchFamily="49" charset="0"/>
+              </a:rPr>
+              <a:t>i</a:t>
+            </a:r>
+            <a:r>
+              <a:rPr lang="en-US" altLang="zh-CN" sz="1600" dirty="0">
+                <a:latin typeface="Consolas" panose="020B0609020204030204" pitchFamily="49" charset="0"/>
+              </a:rPr>
+              <a:t>++) {</a:t>
+            </a:r>
+          </a:p>
+          <a:p>
+            <a:r>
+              <a:rPr lang="en-US" altLang="zh-CN" sz="1600" dirty="0">
+                <a:latin typeface="Consolas" panose="020B0609020204030204" pitchFamily="49" charset="0"/>
+              </a:rPr>
+              <a:t>    while (</a:t>
+            </a:r>
+            <a:r>
+              <a:rPr lang="en-US" altLang="zh-CN" sz="1600" dirty="0" err="1">
+                <a:latin typeface="Consolas" panose="020B0609020204030204" pitchFamily="49" charset="0"/>
+              </a:rPr>
+              <a:t>i</a:t>
+            </a:r>
+            <a:r>
+              <a:rPr lang="en-US" altLang="zh-CN" sz="1600" dirty="0">
+                <a:latin typeface="Consolas" panose="020B0609020204030204" pitchFamily="49" charset="0"/>
+              </a:rPr>
+              <a:t> &lt; j &amp;&amp; </a:t>
+            </a:r>
+            <a:r>
+              <a:rPr lang="en-US" altLang="zh-CN" sz="1600" dirty="0" err="1">
+                <a:latin typeface="Consolas" panose="020B0609020204030204" pitchFamily="49" charset="0"/>
+              </a:rPr>
+              <a:t>nums</a:t>
+            </a:r>
+            <a:r>
+              <a:rPr lang="en-US" altLang="zh-CN" sz="1600" dirty="0">
+                <a:latin typeface="Consolas" panose="020B0609020204030204" pitchFamily="49" charset="0"/>
+              </a:rPr>
+              <a:t>[</a:t>
+            </a:r>
+            <a:r>
+              <a:rPr lang="en-US" altLang="zh-CN" sz="1600" dirty="0" err="1">
+                <a:latin typeface="Consolas" panose="020B0609020204030204" pitchFamily="49" charset="0"/>
+              </a:rPr>
+              <a:t>i</a:t>
+            </a:r>
+            <a:r>
+              <a:rPr lang="en-US" altLang="zh-CN" sz="1600" dirty="0">
+                <a:latin typeface="Consolas" panose="020B0609020204030204" pitchFamily="49" charset="0"/>
+              </a:rPr>
+              <a:t>] + </a:t>
+            </a:r>
+            <a:r>
+              <a:rPr lang="en-US" altLang="zh-CN" sz="1600" dirty="0" err="1">
+                <a:latin typeface="Consolas" panose="020B0609020204030204" pitchFamily="49" charset="0"/>
+              </a:rPr>
+              <a:t>nums</a:t>
+            </a:r>
+            <a:r>
+              <a:rPr lang="en-US" altLang="zh-CN" sz="1600" dirty="0">
+                <a:latin typeface="Consolas" panose="020B0609020204030204" pitchFamily="49" charset="0"/>
+              </a:rPr>
+              <a:t>[j] == target) j--;</a:t>
+            </a:r>
+          </a:p>
+          <a:p>
+            <a:r>
+              <a:rPr lang="en-US" altLang="zh-CN" sz="1600" dirty="0">
+                <a:latin typeface="Consolas" panose="020B0609020204030204" pitchFamily="49" charset="0"/>
+              </a:rPr>
+              <a:t>    if (</a:t>
+            </a:r>
+            <a:r>
+              <a:rPr lang="en-US" altLang="zh-CN" sz="1600" dirty="0" err="1">
+                <a:latin typeface="Consolas" panose="020B0609020204030204" pitchFamily="49" charset="0"/>
+              </a:rPr>
+              <a:t>i</a:t>
+            </a:r>
+            <a:r>
+              <a:rPr lang="en-US" altLang="zh-CN" sz="1600" dirty="0">
+                <a:latin typeface="Consolas" panose="020B0609020204030204" pitchFamily="49" charset="0"/>
+              </a:rPr>
+              <a:t> &lt; j &amp;&amp; </a:t>
+            </a:r>
+            <a:r>
+              <a:rPr lang="en-US" altLang="zh-CN" sz="1600" dirty="0" err="1">
+                <a:latin typeface="Consolas" panose="020B0609020204030204" pitchFamily="49" charset="0"/>
+              </a:rPr>
+              <a:t>nums</a:t>
+            </a:r>
+            <a:r>
+              <a:rPr lang="en-US" altLang="zh-CN" sz="1600" dirty="0">
+                <a:latin typeface="Consolas" panose="020B0609020204030204" pitchFamily="49" charset="0"/>
+              </a:rPr>
+              <a:t>[</a:t>
+            </a:r>
+            <a:r>
+              <a:rPr lang="en-US" altLang="zh-CN" sz="1600" dirty="0" err="1">
+                <a:latin typeface="Consolas" panose="020B0609020204030204" pitchFamily="49" charset="0"/>
+              </a:rPr>
+              <a:t>i</a:t>
+            </a:r>
+            <a:r>
+              <a:rPr lang="en-US" altLang="zh-CN" sz="1600" dirty="0">
+                <a:latin typeface="Consolas" panose="020B0609020204030204" pitchFamily="49" charset="0"/>
+              </a:rPr>
+              <a:t>] + </a:t>
+            </a:r>
+            <a:r>
+              <a:rPr lang="en-US" altLang="zh-CN" sz="1600" dirty="0" err="1">
+                <a:latin typeface="Consolas" panose="020B0609020204030204" pitchFamily="49" charset="0"/>
+              </a:rPr>
+              <a:t>nums</a:t>
+            </a:r>
+            <a:r>
+              <a:rPr lang="en-US" altLang="zh-CN" sz="1600" dirty="0">
+                <a:latin typeface="Consolas" panose="020B0609020204030204" pitchFamily="49" charset="0"/>
+              </a:rPr>
+              <a:t>[j] == target) {</a:t>
+            </a:r>
+          </a:p>
+          <a:p>
+            <a:r>
+              <a:rPr lang="en-US" altLang="zh-CN" sz="1600" dirty="0">
+                <a:latin typeface="Consolas" panose="020B0609020204030204" pitchFamily="49" charset="0"/>
+              </a:rPr>
+              <a:t>        return [</a:t>
+            </a:r>
+            <a:r>
+              <a:rPr lang="en-US" altLang="zh-CN" sz="1600" dirty="0" err="1">
+                <a:latin typeface="Consolas" panose="020B0609020204030204" pitchFamily="49" charset="0"/>
+              </a:rPr>
+              <a:t>i</a:t>
+            </a:r>
+            <a:r>
+              <a:rPr lang="en-US" altLang="zh-CN" sz="1600" dirty="0">
+                <a:latin typeface="Consolas" panose="020B0609020204030204" pitchFamily="49" charset="0"/>
+              </a:rPr>
+              <a:t>, j];</a:t>
+            </a:r>
+          </a:p>
+          <a:p>
+            <a:r>
+              <a:rPr lang="en-US" altLang="zh-CN" sz="1600" dirty="0">
+                <a:latin typeface="Consolas" panose="020B0609020204030204" pitchFamily="49" charset="0"/>
+              </a:rPr>
+              <a:t>    }</a:t>
+            </a:r>
+          </a:p>
+          <a:p>
+            <a:r>
+              <a:rPr lang="en-US" altLang="zh-CN" sz="1600" dirty="0">
+                <a:latin typeface="Consolas" panose="020B0609020204030204" pitchFamily="49" charset="0"/>
+              </a:rPr>
+              <a:t>}</a:t>
+            </a:r>
+            <a:endParaRPr lang="zh-CN" altLang="en-US" sz="1600" dirty="0">
+              <a:latin typeface="Consolas" panose="020B0609020204030204" pitchFamily="49" charset="0"/>
+            </a:endParaRPr>
+          </a:p>
+        </p:txBody>
+      </p:sp>
+      <p:sp>
+        <p:nvSpPr>
+          <p:cNvPr id="17" name="文本框 16">
+            <a:extLst>
+              <a:ext uri="{FF2B5EF4-FFF2-40B4-BE49-F238E27FC236}">
+                <a16:creationId xmlns:a16="http://schemas.microsoft.com/office/drawing/2014/main" id="{E6675CFD-C071-4CEE-8ADE-D5C7F1008928}"/>
+              </a:ext>
+            </a:extLst>
+          </p:cNvPr>
+          <p:cNvSpPr txBox="1"/>
+          <p:nvPr/>
+        </p:nvSpPr>
+        <p:spPr>
+          <a:xfrm>
+            <a:off x="6096000" y="2554161"/>
+            <a:ext cx="4089774" cy="338554"/>
+          </a:xfrm>
+          <a:prstGeom prst="rect">
+            <a:avLst/>
+          </a:prstGeom>
+          <a:noFill/>
+        </p:spPr>
+        <p:txBody>
+          <a:bodyPr wrap="square" rtlCol="0">
+            <a:spAutoFit/>
+          </a:bodyPr>
+          <a:lstStyle/>
+          <a:p>
+            <a:r>
+              <a:rPr lang="en-US" altLang="zh-CN" sz="1600" dirty="0" err="1">
+                <a:latin typeface="Consolas" panose="020B0609020204030204" pitchFamily="49" charset="0"/>
+              </a:rPr>
+              <a:t>nums</a:t>
+            </a:r>
+            <a:r>
+              <a:rPr lang="en-US" altLang="zh-CN" sz="1600" dirty="0">
+                <a:latin typeface="Consolas" panose="020B0609020204030204" pitchFamily="49" charset="0"/>
+              </a:rPr>
+              <a:t>[</a:t>
+            </a:r>
+            <a:r>
+              <a:rPr lang="en-US" altLang="zh-CN" sz="1600" dirty="0" err="1">
+                <a:latin typeface="Consolas" panose="020B0609020204030204" pitchFamily="49" charset="0"/>
+              </a:rPr>
+              <a:t>i</a:t>
+            </a:r>
+            <a:r>
+              <a:rPr lang="en-US" altLang="zh-CN" sz="1600" dirty="0">
+                <a:latin typeface="Consolas" panose="020B0609020204030204" pitchFamily="49" charset="0"/>
+              </a:rPr>
+              <a:t>] + </a:t>
+            </a:r>
+            <a:r>
+              <a:rPr lang="en-US" altLang="zh-CN" sz="1600" dirty="0" err="1">
+                <a:latin typeface="Consolas" panose="020B0609020204030204" pitchFamily="49" charset="0"/>
+              </a:rPr>
+              <a:t>nums</a:t>
+            </a:r>
+            <a:r>
+              <a:rPr lang="en-US" altLang="zh-CN" sz="1600" dirty="0">
+                <a:latin typeface="Consolas" panose="020B0609020204030204" pitchFamily="49" charset="0"/>
+              </a:rPr>
+              <a:t>[j] &lt;= target</a:t>
+            </a:r>
+          </a:p>
+        </p:txBody>
+      </p:sp>
+    </p:spTree>
+    <p:extLst>
+      <p:ext uri="{BB962C8B-B14F-4D97-AF65-F5344CB8AC3E}">
+        <p14:creationId xmlns:p14="http://schemas.microsoft.com/office/powerpoint/2010/main" val="676197051"/>
+      </p:ext>
+    </p:extLst>
+  </p:cSld>
+  <p:clrMapOvr>
+    <a:masterClrMapping/>
+  </p:clrMapOvr>
+  <p:timing>
+    <p:tnLst>
+      <p:par>
+        <p:cTn id="1" dur="indefinite" restart="never" nodeType="tmRoot">
+          <p:childTnLst>
+            <p:seq concurrent="1" nextAc="seek">
+              <p:cTn id="2" dur="indefinite" nodeType="mainSeq">
+                <p:childTnLst>
+                  <p:par>
+                    <p:cTn id="3" fill="hold">
+                      <p:stCondLst>
+                        <p:cond delay="indefinite"/>
+                      </p:stCondLst>
+                      <p:childTnLst>
+                        <p:par>
+                          <p:cTn id="4" fill="hold">
+                            <p:stCondLst>
+                              <p:cond delay="0"/>
+                            </p:stCondLst>
+                            <p:childTnLst>
+                              <p:par>
+                                <p:cTn id="5" presetID="42" presetClass="entr" presetSubtype="0" fill="hold" grpId="0" nodeType="clickEffect">
+                                  <p:stCondLst>
+                                    <p:cond delay="0"/>
+                                  </p:stCondLst>
+                                  <p:childTnLst>
+                                    <p:set>
+                                      <p:cBhvr>
+                                        <p:cTn id="6" dur="1" fill="hold">
+                                          <p:stCondLst>
+                                            <p:cond delay="0"/>
+                                          </p:stCondLst>
+                                        </p:cTn>
+                                        <p:tgtEl>
+                                          <p:spTgt spid="7"/>
+                                        </p:tgtEl>
+                                        <p:attrNameLst>
+                                          <p:attrName>style.visibility</p:attrName>
+                                        </p:attrNameLst>
+                                      </p:cBhvr>
+                                      <p:to>
+                                        <p:strVal val="visible"/>
+                                      </p:to>
+                                    </p:set>
+                                    <p:animEffect transition="in" filter="fade">
+                                      <p:cBhvr>
+                                        <p:cTn id="7" dur="1000"/>
+                                        <p:tgtEl>
+                                          <p:spTgt spid="7"/>
+                                        </p:tgtEl>
+                                      </p:cBhvr>
+                                    </p:animEffect>
+                                    <p:anim calcmode="lin" valueType="num">
+                                      <p:cBhvr>
+                                        <p:cTn id="8" dur="1000" fill="hold"/>
+                                        <p:tgtEl>
+                                          <p:spTgt spid="7"/>
+                                        </p:tgtEl>
+                                        <p:attrNameLst>
+                                          <p:attrName>ppt_x</p:attrName>
+                                        </p:attrNameLst>
+                                      </p:cBhvr>
+                                      <p:tavLst>
+                                        <p:tav tm="0">
+                                          <p:val>
+                                            <p:strVal val="#ppt_x"/>
+                                          </p:val>
+                                        </p:tav>
+                                        <p:tav tm="100000">
+                                          <p:val>
+                                            <p:strVal val="#ppt_x"/>
+                                          </p:val>
+                                        </p:tav>
+                                      </p:tavLst>
+                                    </p:anim>
+                                    <p:anim calcmode="lin" valueType="num">
+                                      <p:cBhvr>
+                                        <p:cTn id="9" dur="1000" fill="hold"/>
+                                        <p:tgtEl>
+                                          <p:spTgt spid="7"/>
+                                        </p:tgtEl>
+                                        <p:attrNameLst>
+                                          <p:attrName>ppt_y</p:attrName>
+                                        </p:attrNameLst>
+                                      </p:cBhvr>
+                                      <p:tavLst>
+                                        <p:tav tm="0">
+                                          <p:val>
+                                            <p:strVal val="#ppt_y+.1"/>
+                                          </p:val>
+                                        </p:tav>
+                                        <p:tav tm="100000">
+                                          <p:val>
+                                            <p:strVal val="#ppt_y"/>
+                                          </p:val>
+                                        </p:tav>
+                                      </p:tavLst>
+                                    </p:anim>
+                                  </p:childTnLst>
+                                </p:cTn>
+                              </p:par>
+                            </p:childTnLst>
+                          </p:cTn>
+                        </p:par>
+                      </p:childTnLst>
+                    </p:cTn>
+                  </p:par>
+                  <p:par>
+                    <p:cTn id="10" fill="hold">
+                      <p:stCondLst>
+                        <p:cond delay="indefinite"/>
+                      </p:stCondLst>
+                      <p:childTnLst>
+                        <p:par>
+                          <p:cTn id="11" fill="hold">
+                            <p:stCondLst>
+                              <p:cond delay="0"/>
+                            </p:stCondLst>
+                            <p:childTnLst>
+                              <p:par>
+                                <p:cTn id="12" presetID="42" presetClass="entr" presetSubtype="0" fill="hold" grpId="0" nodeType="clickEffect">
+                                  <p:stCondLst>
+                                    <p:cond delay="0"/>
+                                  </p:stCondLst>
+                                  <p:childTnLst>
+                                    <p:set>
+                                      <p:cBhvr>
+                                        <p:cTn id="13" dur="1" fill="hold">
+                                          <p:stCondLst>
+                                            <p:cond delay="0"/>
+                                          </p:stCondLst>
+                                        </p:cTn>
+                                        <p:tgtEl>
+                                          <p:spTgt spid="9"/>
+                                        </p:tgtEl>
+                                        <p:attrNameLst>
+                                          <p:attrName>style.visibility</p:attrName>
+                                        </p:attrNameLst>
+                                      </p:cBhvr>
+                                      <p:to>
+                                        <p:strVal val="visible"/>
+                                      </p:to>
+                                    </p:set>
+                                    <p:animEffect transition="in" filter="fade">
+                                      <p:cBhvr>
+                                        <p:cTn id="14" dur="1000"/>
+                                        <p:tgtEl>
+                                          <p:spTgt spid="9"/>
+                                        </p:tgtEl>
+                                      </p:cBhvr>
+                                    </p:animEffect>
+                                    <p:anim calcmode="lin" valueType="num">
+                                      <p:cBhvr>
+                                        <p:cTn id="15" dur="1000" fill="hold"/>
+                                        <p:tgtEl>
+                                          <p:spTgt spid="9"/>
+                                        </p:tgtEl>
+                                        <p:attrNameLst>
+                                          <p:attrName>ppt_x</p:attrName>
+                                        </p:attrNameLst>
+                                      </p:cBhvr>
+                                      <p:tavLst>
+                                        <p:tav tm="0">
+                                          <p:val>
+                                            <p:strVal val="#ppt_x"/>
+                                          </p:val>
+                                        </p:tav>
+                                        <p:tav tm="100000">
+                                          <p:val>
+                                            <p:strVal val="#ppt_x"/>
+                                          </p:val>
+                                        </p:tav>
+                                      </p:tavLst>
+                                    </p:anim>
+                                    <p:anim calcmode="lin" valueType="num">
+                                      <p:cBhvr>
+                                        <p:cTn id="16" dur="1000" fill="hold"/>
+                                        <p:tgtEl>
+                                          <p:spTgt spid="9"/>
+                                        </p:tgtEl>
+                                        <p:attrNameLst>
+                                          <p:attrName>ppt_y</p:attrName>
+                                        </p:attrNameLst>
+                                      </p:cBhvr>
+                                      <p:tavLst>
+                                        <p:tav tm="0">
+                                          <p:val>
+                                            <p:strVal val="#ppt_y+.1"/>
+                                          </p:val>
+                                        </p:tav>
+                                        <p:tav tm="100000">
+                                          <p:val>
+                                            <p:strVal val="#ppt_y"/>
+                                          </p:val>
+                                        </p:tav>
+                                      </p:tavLst>
+                                    </p:anim>
+                                  </p:childTnLst>
+                                </p:cTn>
+                              </p:par>
+                            </p:childTnLst>
+                          </p:cTn>
+                        </p:par>
+                      </p:childTnLst>
+                    </p:cTn>
+                  </p:par>
+                  <p:par>
+                    <p:cTn id="17" fill="hold">
+                      <p:stCondLst>
+                        <p:cond delay="indefinite"/>
+                      </p:stCondLst>
+                      <p:childTnLst>
+                        <p:par>
+                          <p:cTn id="18" fill="hold">
+                            <p:stCondLst>
+                              <p:cond delay="0"/>
+                            </p:stCondLst>
+                            <p:childTnLst>
+                              <p:par>
+                                <p:cTn id="19" presetID="42" presetClass="entr" presetSubtype="0" fill="hold" grpId="0" nodeType="clickEffect">
+                                  <p:stCondLst>
+                                    <p:cond delay="0"/>
+                                  </p:stCondLst>
+                                  <p:childTnLst>
+                                    <p:set>
+                                      <p:cBhvr>
+                                        <p:cTn id="20" dur="1" fill="hold">
+                                          <p:stCondLst>
+                                            <p:cond delay="0"/>
+                                          </p:stCondLst>
+                                        </p:cTn>
+                                        <p:tgtEl>
+                                          <p:spTgt spid="17"/>
+                                        </p:tgtEl>
+                                        <p:attrNameLst>
+                                          <p:attrName>style.visibility</p:attrName>
+                                        </p:attrNameLst>
+                                      </p:cBhvr>
+                                      <p:to>
+                                        <p:strVal val="visible"/>
+                                      </p:to>
+                                    </p:set>
+                                    <p:animEffect transition="in" filter="fade">
+                                      <p:cBhvr>
+                                        <p:cTn id="21" dur="1000"/>
+                                        <p:tgtEl>
+                                          <p:spTgt spid="17"/>
+                                        </p:tgtEl>
+                                      </p:cBhvr>
+                                    </p:animEffect>
+                                    <p:anim calcmode="lin" valueType="num">
+                                      <p:cBhvr>
+                                        <p:cTn id="22" dur="1000" fill="hold"/>
+                                        <p:tgtEl>
+                                          <p:spTgt spid="17"/>
+                                        </p:tgtEl>
+                                        <p:attrNameLst>
+                                          <p:attrName>ppt_x</p:attrName>
+                                        </p:attrNameLst>
+                                      </p:cBhvr>
+                                      <p:tavLst>
+                                        <p:tav tm="0">
+                                          <p:val>
+                                            <p:strVal val="#ppt_x"/>
+                                          </p:val>
+                                        </p:tav>
+                                        <p:tav tm="100000">
+                                          <p:val>
+                                            <p:strVal val="#ppt_x"/>
+                                          </p:val>
+                                        </p:tav>
+                                      </p:tavLst>
+                                    </p:anim>
+                                    <p:anim calcmode="lin" valueType="num">
+                                      <p:cBhvr>
+                                        <p:cTn id="23" dur="1000" fill="hold"/>
+                                        <p:tgtEl>
+                                          <p:spTgt spid="17"/>
+                                        </p:tgtEl>
+                                        <p:attrNameLst>
+                                          <p:attrName>ppt_y</p:attrName>
+                                        </p:attrNameLst>
+                                      </p:cBhvr>
+                                      <p:tavLst>
+                                        <p:tav tm="0">
+                                          <p:val>
+                                            <p:strVal val="#ppt_y+.1"/>
+                                          </p:val>
+                                        </p:tav>
+                                        <p:tav tm="100000">
+                                          <p:val>
+                                            <p:strVal val="#ppt_y"/>
+                                          </p:val>
+                                        </p:tav>
+                                      </p:tavLst>
+                                    </p:anim>
+                                  </p:childTnLst>
+                                </p:cTn>
+                              </p:par>
+                            </p:childTnLst>
+                          </p:cTn>
+                        </p:par>
+                      </p:childTnLst>
+                    </p:cTn>
+                  </p:par>
+                  <p:par>
+                    <p:cTn id="24" fill="hold">
+                      <p:stCondLst>
+                        <p:cond delay="indefinite"/>
+                      </p:stCondLst>
+                      <p:childTnLst>
+                        <p:par>
+                          <p:cTn id="25" fill="hold">
+                            <p:stCondLst>
+                              <p:cond delay="0"/>
+                            </p:stCondLst>
+                            <p:childTnLst>
+                              <p:par>
+                                <p:cTn id="26" presetID="42" presetClass="entr" presetSubtype="0" fill="hold" grpId="0" nodeType="clickEffect">
+                                  <p:stCondLst>
+                                    <p:cond delay="0"/>
+                                  </p:stCondLst>
+                                  <p:childTnLst>
+                                    <p:set>
+                                      <p:cBhvr>
+                                        <p:cTn id="27" dur="1" fill="hold">
+                                          <p:stCondLst>
+                                            <p:cond delay="0"/>
+                                          </p:stCondLst>
+                                        </p:cTn>
+                                        <p:tgtEl>
+                                          <p:spTgt spid="14"/>
+                                        </p:tgtEl>
+                                        <p:attrNameLst>
+                                          <p:attrName>style.visibility</p:attrName>
+                                        </p:attrNameLst>
+                                      </p:cBhvr>
+                                      <p:to>
+                                        <p:strVal val="visible"/>
+                                      </p:to>
+                                    </p:set>
+                                    <p:animEffect transition="in" filter="fade">
+                                      <p:cBhvr>
+                                        <p:cTn id="28" dur="1000"/>
+                                        <p:tgtEl>
+                                          <p:spTgt spid="14"/>
+                                        </p:tgtEl>
+                                      </p:cBhvr>
+                                    </p:animEffect>
+                                    <p:anim calcmode="lin" valueType="num">
+                                      <p:cBhvr>
+                                        <p:cTn id="29" dur="1000" fill="hold"/>
+                                        <p:tgtEl>
+                                          <p:spTgt spid="14"/>
+                                        </p:tgtEl>
+                                        <p:attrNameLst>
+                                          <p:attrName>ppt_x</p:attrName>
+                                        </p:attrNameLst>
+                                      </p:cBhvr>
+                                      <p:tavLst>
+                                        <p:tav tm="0">
+                                          <p:val>
+                                            <p:strVal val="#ppt_x"/>
+                                          </p:val>
+                                        </p:tav>
+                                        <p:tav tm="100000">
+                                          <p:val>
+                                            <p:strVal val="#ppt_x"/>
+                                          </p:val>
+                                        </p:tav>
+                                      </p:tavLst>
+                                    </p:anim>
+                                    <p:anim calcmode="lin" valueType="num">
+                                      <p:cBhvr>
+                                        <p:cTn id="30" dur="1000" fill="hold"/>
+                                        <p:tgtEl>
+                                          <p:spTgt spid="14"/>
+                                        </p:tgtEl>
+                                        <p:attrNameLst>
+                                          <p:attrName>ppt_y</p:attrName>
+                                        </p:attrNameLst>
+                                      </p:cBhvr>
+                                      <p:tavLst>
+                                        <p:tav tm="0">
+                                          <p:val>
+                                            <p:strVal val="#ppt_y+.1"/>
+                                          </p:val>
+                                        </p:tav>
+                                        <p:tav tm="100000">
+                                          <p:val>
+                                            <p:strVal val="#ppt_y"/>
+                                          </p:val>
+                                        </p:tav>
+                                      </p:tavLst>
+                                    </p:anim>
+                                  </p:childTnLst>
+                                </p:cTn>
+                              </p:par>
+                            </p:childTnLst>
+                          </p:cTn>
+                        </p:par>
+                      </p:childTnLst>
+                    </p:cTn>
+                  </p:par>
+                  <p:par>
+                    <p:cTn id="31" fill="hold">
+                      <p:stCondLst>
+                        <p:cond delay="indefinite"/>
+                      </p:stCondLst>
+                      <p:childTnLst>
+                        <p:par>
+                          <p:cTn id="32" fill="hold">
+                            <p:stCondLst>
+                              <p:cond delay="0"/>
+                            </p:stCondLst>
+                            <p:childTnLst>
+                              <p:par>
+                                <p:cTn id="33" presetID="42" presetClass="entr" presetSubtype="0" fill="hold" grpId="0" nodeType="clickEffect">
+                                  <p:stCondLst>
+                                    <p:cond delay="0"/>
+                                  </p:stCondLst>
+                                  <p:childTnLst>
+                                    <p:set>
+                                      <p:cBhvr>
+                                        <p:cTn id="34" dur="1" fill="hold">
+                                          <p:stCondLst>
+                                            <p:cond delay="0"/>
+                                          </p:stCondLst>
+                                        </p:cTn>
+                                        <p:tgtEl>
+                                          <p:spTgt spid="15"/>
+                                        </p:tgtEl>
+                                        <p:attrNameLst>
+                                          <p:attrName>style.visibility</p:attrName>
+                                        </p:attrNameLst>
+                                      </p:cBhvr>
+                                      <p:to>
+                                        <p:strVal val="visible"/>
+                                      </p:to>
+                                    </p:set>
+                                    <p:animEffect transition="in" filter="fade">
+                                      <p:cBhvr>
+                                        <p:cTn id="35" dur="1000"/>
+                                        <p:tgtEl>
+                                          <p:spTgt spid="15"/>
+                                        </p:tgtEl>
+                                      </p:cBhvr>
+                                    </p:animEffect>
+                                    <p:anim calcmode="lin" valueType="num">
+                                      <p:cBhvr>
+                                        <p:cTn id="36" dur="1000" fill="hold"/>
+                                        <p:tgtEl>
+                                          <p:spTgt spid="15"/>
+                                        </p:tgtEl>
+                                        <p:attrNameLst>
+                                          <p:attrName>ppt_x</p:attrName>
+                                        </p:attrNameLst>
+                                      </p:cBhvr>
+                                      <p:tavLst>
+                                        <p:tav tm="0">
+                                          <p:val>
+                                            <p:strVal val="#ppt_x"/>
+                                          </p:val>
+                                        </p:tav>
+                                        <p:tav tm="100000">
+                                          <p:val>
+                                            <p:strVal val="#ppt_x"/>
+                                          </p:val>
+                                        </p:tav>
+                                      </p:tavLst>
+                                    </p:anim>
+                                    <p:anim calcmode="lin" valueType="num">
+                                      <p:cBhvr>
+                                        <p:cTn id="37" dur="1000" fill="hold"/>
+                                        <p:tgtEl>
+                                          <p:spTgt spid="15"/>
+                                        </p:tgtEl>
+                                        <p:attrNameLst>
+                                          <p:attrName>ppt_y</p:attrName>
+                                        </p:attrNameLst>
+                                      </p:cBhvr>
+                                      <p:tavLst>
+                                        <p:tav tm="0">
+                                          <p:val>
+                                            <p:strVal val="#ppt_y+.1"/>
+                                          </p:val>
+                                        </p:tav>
+                                        <p:tav tm="100000">
+                                          <p:val>
+                                            <p:strVal val="#ppt_y"/>
+                                          </p:val>
+                                        </p:tav>
+                                      </p:tavLst>
+                                    </p:anim>
+                                  </p:childTnLst>
+                                </p:cTn>
+                              </p:par>
+                            </p:childTnLst>
+                          </p:cTn>
+                        </p:par>
+                      </p:childTnLst>
+                    </p:cTn>
+                  </p:par>
+                  <p:par>
+                    <p:cTn id="38" fill="hold">
+                      <p:stCondLst>
+                        <p:cond delay="indefinite"/>
+                      </p:stCondLst>
+                      <p:childTnLst>
+                        <p:par>
+                          <p:cTn id="39" fill="hold">
+                            <p:stCondLst>
+                              <p:cond delay="0"/>
+                            </p:stCondLst>
+                            <p:childTnLst>
+                              <p:par>
+                                <p:cTn id="40" presetID="42" presetClass="exit" presetSubtype="0" fill="hold" grpId="1" nodeType="clickEffect">
+                                  <p:stCondLst>
+                                    <p:cond delay="0"/>
+                                  </p:stCondLst>
+                                  <p:childTnLst>
+                                    <p:animEffect transition="out" filter="fade">
+                                      <p:cBhvr>
+                                        <p:cTn id="41" dur="1000"/>
+                                        <p:tgtEl>
+                                          <p:spTgt spid="9"/>
+                                        </p:tgtEl>
+                                      </p:cBhvr>
+                                    </p:animEffect>
+                                    <p:anim calcmode="lin" valueType="num">
+                                      <p:cBhvr>
+                                        <p:cTn id="42" dur="1000"/>
+                                        <p:tgtEl>
+                                          <p:spTgt spid="9"/>
+                                        </p:tgtEl>
+                                        <p:attrNameLst>
+                                          <p:attrName>ppt_x</p:attrName>
+                                        </p:attrNameLst>
+                                      </p:cBhvr>
+                                      <p:tavLst>
+                                        <p:tav tm="0">
+                                          <p:val>
+                                            <p:strVal val="ppt_x"/>
+                                          </p:val>
+                                        </p:tav>
+                                        <p:tav tm="100000">
+                                          <p:val>
+                                            <p:strVal val="ppt_x"/>
+                                          </p:val>
+                                        </p:tav>
+                                      </p:tavLst>
+                                    </p:anim>
+                                    <p:anim calcmode="lin" valueType="num">
+                                      <p:cBhvr>
+                                        <p:cTn id="43" dur="1000"/>
+                                        <p:tgtEl>
+                                          <p:spTgt spid="9"/>
+                                        </p:tgtEl>
+                                        <p:attrNameLst>
+                                          <p:attrName>ppt_y</p:attrName>
+                                        </p:attrNameLst>
+                                      </p:cBhvr>
+                                      <p:tavLst>
+                                        <p:tav tm="0">
+                                          <p:val>
+                                            <p:strVal val="ppt_y"/>
+                                          </p:val>
+                                        </p:tav>
+                                        <p:tav tm="100000">
+                                          <p:val>
+                                            <p:strVal val="ppt_y+.1"/>
+                                          </p:val>
+                                        </p:tav>
+                                      </p:tavLst>
+                                    </p:anim>
+                                    <p:set>
+                                      <p:cBhvr>
+                                        <p:cTn id="44" dur="1" fill="hold">
+                                          <p:stCondLst>
+                                            <p:cond delay="999"/>
+                                          </p:stCondLst>
+                                        </p:cTn>
+                                        <p:tgtEl>
+                                          <p:spTgt spid="9"/>
+                                        </p:tgtEl>
+                                        <p:attrNameLst>
+                                          <p:attrName>style.visibility</p:attrName>
+                                        </p:attrNameLst>
+                                      </p:cBhvr>
+                                      <p:to>
+                                        <p:strVal val="hidden"/>
+                                      </p:to>
+                                    </p:set>
+                                  </p:childTnLst>
+                                </p:cTn>
+                              </p:par>
+                            </p:childTnLst>
+                          </p:cTn>
+                        </p:par>
+                      </p:childTnLst>
+                    </p:cTn>
+                  </p:par>
+                  <p:par>
+                    <p:cTn id="45" fill="hold">
+                      <p:stCondLst>
+                        <p:cond delay="indefinite"/>
+                      </p:stCondLst>
+                      <p:childTnLst>
+                        <p:par>
+                          <p:cTn id="46" fill="hold">
+                            <p:stCondLst>
+                              <p:cond delay="0"/>
+                            </p:stCondLst>
+                            <p:childTnLst>
+                              <p:par>
+                                <p:cTn id="47" presetID="42" presetClass="entr" presetSubtype="0" fill="hold" grpId="0" nodeType="clickEffect">
+                                  <p:stCondLst>
+                                    <p:cond delay="0"/>
+                                  </p:stCondLst>
+                                  <p:childTnLst>
+                                    <p:set>
+                                      <p:cBhvr>
+                                        <p:cTn id="48" dur="1" fill="hold">
+                                          <p:stCondLst>
+                                            <p:cond delay="0"/>
+                                          </p:stCondLst>
+                                        </p:cTn>
+                                        <p:tgtEl>
+                                          <p:spTgt spid="11"/>
+                                        </p:tgtEl>
+                                        <p:attrNameLst>
+                                          <p:attrName>style.visibility</p:attrName>
+                                        </p:attrNameLst>
+                                      </p:cBhvr>
+                                      <p:to>
+                                        <p:strVal val="visible"/>
+                                      </p:to>
+                                    </p:set>
+                                    <p:animEffect transition="in" filter="fade">
+                                      <p:cBhvr>
+                                        <p:cTn id="49" dur="1000"/>
+                                        <p:tgtEl>
+                                          <p:spTgt spid="11"/>
+                                        </p:tgtEl>
+                                      </p:cBhvr>
+                                    </p:animEffect>
+                                    <p:anim calcmode="lin" valueType="num">
+                                      <p:cBhvr>
+                                        <p:cTn id="50" dur="1000" fill="hold"/>
+                                        <p:tgtEl>
+                                          <p:spTgt spid="11"/>
+                                        </p:tgtEl>
+                                        <p:attrNameLst>
+                                          <p:attrName>ppt_x</p:attrName>
+                                        </p:attrNameLst>
+                                      </p:cBhvr>
+                                      <p:tavLst>
+                                        <p:tav tm="0">
+                                          <p:val>
+                                            <p:strVal val="#ppt_x"/>
+                                          </p:val>
+                                        </p:tav>
+                                        <p:tav tm="100000">
+                                          <p:val>
+                                            <p:strVal val="#ppt_x"/>
+                                          </p:val>
+                                        </p:tav>
+                                      </p:tavLst>
+                                    </p:anim>
+                                    <p:anim calcmode="lin" valueType="num">
+                                      <p:cBhvr>
+                                        <p:cTn id="51" dur="1000" fill="hold"/>
+                                        <p:tgtEl>
+                                          <p:spTgt spid="11"/>
+                                        </p:tgtEl>
+                                        <p:attrNameLst>
+                                          <p:attrName>ppt_y</p:attrName>
+                                        </p:attrNameLst>
+                                      </p:cBhvr>
+                                      <p:tavLst>
+                                        <p:tav tm="0">
+                                          <p:val>
+                                            <p:strVal val="#ppt_y+.1"/>
+                                          </p:val>
+                                        </p:tav>
+                                        <p:tav tm="100000">
+                                          <p:val>
+                                            <p:strVal val="#ppt_y"/>
+                                          </p:val>
+                                        </p:tav>
+                                      </p:tavLst>
+                                    </p:anim>
+                                  </p:childTnLst>
+                                </p:cTn>
+                              </p:par>
+                            </p:childTnLst>
+                          </p:cTn>
+                        </p:par>
+                      </p:childTnLst>
+                    </p:cTn>
+                  </p:par>
+                  <p:par>
+                    <p:cTn id="52" fill="hold">
+                      <p:stCondLst>
+                        <p:cond delay="indefinite"/>
+                      </p:stCondLst>
+                      <p:childTnLst>
+                        <p:par>
+                          <p:cTn id="53" fill="hold">
+                            <p:stCondLst>
+                              <p:cond delay="0"/>
+                            </p:stCondLst>
+                            <p:childTnLst>
+                              <p:par>
+                                <p:cTn id="54" presetID="42" presetClass="exit" presetSubtype="0" fill="hold" grpId="1" nodeType="clickEffect">
+                                  <p:stCondLst>
+                                    <p:cond delay="0"/>
+                                  </p:stCondLst>
+                                  <p:childTnLst>
+                                    <p:animEffect transition="out" filter="fade">
+                                      <p:cBhvr>
+                                        <p:cTn id="55" dur="1000"/>
+                                        <p:tgtEl>
+                                          <p:spTgt spid="11"/>
+                                        </p:tgtEl>
+                                      </p:cBhvr>
+                                    </p:animEffect>
+                                    <p:anim calcmode="lin" valueType="num">
+                                      <p:cBhvr>
+                                        <p:cTn id="56" dur="1000"/>
+                                        <p:tgtEl>
+                                          <p:spTgt spid="11"/>
+                                        </p:tgtEl>
+                                        <p:attrNameLst>
+                                          <p:attrName>ppt_x</p:attrName>
+                                        </p:attrNameLst>
+                                      </p:cBhvr>
+                                      <p:tavLst>
+                                        <p:tav tm="0">
+                                          <p:val>
+                                            <p:strVal val="ppt_x"/>
+                                          </p:val>
+                                        </p:tav>
+                                        <p:tav tm="100000">
+                                          <p:val>
+                                            <p:strVal val="ppt_x"/>
+                                          </p:val>
+                                        </p:tav>
+                                      </p:tavLst>
+                                    </p:anim>
+                                    <p:anim calcmode="lin" valueType="num">
+                                      <p:cBhvr>
+                                        <p:cTn id="57" dur="1000"/>
+                                        <p:tgtEl>
+                                          <p:spTgt spid="11"/>
+                                        </p:tgtEl>
+                                        <p:attrNameLst>
+                                          <p:attrName>ppt_y</p:attrName>
+                                        </p:attrNameLst>
+                                      </p:cBhvr>
+                                      <p:tavLst>
+                                        <p:tav tm="0">
+                                          <p:val>
+                                            <p:strVal val="ppt_y"/>
+                                          </p:val>
+                                        </p:tav>
+                                        <p:tav tm="100000">
+                                          <p:val>
+                                            <p:strVal val="ppt_y+.1"/>
+                                          </p:val>
+                                        </p:tav>
+                                      </p:tavLst>
+                                    </p:anim>
+                                    <p:set>
+                                      <p:cBhvr>
+                                        <p:cTn id="58" dur="1" fill="hold">
+                                          <p:stCondLst>
+                                            <p:cond delay="999"/>
+                                          </p:stCondLst>
+                                        </p:cTn>
+                                        <p:tgtEl>
+                                          <p:spTgt spid="11"/>
+                                        </p:tgtEl>
+                                        <p:attrNameLst>
+                                          <p:attrName>style.visibility</p:attrName>
+                                        </p:attrNameLst>
+                                      </p:cBhvr>
+                                      <p:to>
+                                        <p:strVal val="hidden"/>
+                                      </p:to>
+                                    </p:set>
+                                  </p:childTnLst>
+                                </p:cTn>
+                              </p:par>
+                            </p:childTnLst>
+                          </p:cTn>
+                        </p:par>
+                      </p:childTnLst>
+                    </p:cTn>
+                  </p:par>
+                  <p:par>
+                    <p:cTn id="59" fill="hold">
+                      <p:stCondLst>
+                        <p:cond delay="indefinite"/>
+                      </p:stCondLst>
+                      <p:childTnLst>
+                        <p:par>
+                          <p:cTn id="60" fill="hold">
+                            <p:stCondLst>
+                              <p:cond delay="0"/>
+                            </p:stCondLst>
+                            <p:childTnLst>
+                              <p:par>
+                                <p:cTn id="61" presetID="42" presetClass="entr" presetSubtype="0" fill="hold" grpId="0" nodeType="clickEffect">
+                                  <p:stCondLst>
+                                    <p:cond delay="0"/>
+                                  </p:stCondLst>
+                                  <p:childTnLst>
+                                    <p:set>
+                                      <p:cBhvr>
+                                        <p:cTn id="62" dur="1" fill="hold">
+                                          <p:stCondLst>
+                                            <p:cond delay="0"/>
+                                          </p:stCondLst>
+                                        </p:cTn>
+                                        <p:tgtEl>
+                                          <p:spTgt spid="13"/>
+                                        </p:tgtEl>
+                                        <p:attrNameLst>
+                                          <p:attrName>style.visibility</p:attrName>
+                                        </p:attrNameLst>
+                                      </p:cBhvr>
+                                      <p:to>
+                                        <p:strVal val="visible"/>
+                                      </p:to>
+                                    </p:set>
+                                    <p:animEffect transition="in" filter="fade">
+                                      <p:cBhvr>
+                                        <p:cTn id="63" dur="1000"/>
+                                        <p:tgtEl>
+                                          <p:spTgt spid="13"/>
+                                        </p:tgtEl>
+                                      </p:cBhvr>
+                                    </p:animEffect>
+                                    <p:anim calcmode="lin" valueType="num">
+                                      <p:cBhvr>
+                                        <p:cTn id="64" dur="1000" fill="hold"/>
+                                        <p:tgtEl>
+                                          <p:spTgt spid="13"/>
+                                        </p:tgtEl>
+                                        <p:attrNameLst>
+                                          <p:attrName>ppt_x</p:attrName>
+                                        </p:attrNameLst>
+                                      </p:cBhvr>
+                                      <p:tavLst>
+                                        <p:tav tm="0">
+                                          <p:val>
+                                            <p:strVal val="#ppt_x"/>
+                                          </p:val>
+                                        </p:tav>
+                                        <p:tav tm="100000">
+                                          <p:val>
+                                            <p:strVal val="#ppt_x"/>
+                                          </p:val>
+                                        </p:tav>
+                                      </p:tavLst>
+                                    </p:anim>
+                                    <p:anim calcmode="lin" valueType="num">
+                                      <p:cBhvr>
+                                        <p:cTn id="65" dur="1000" fill="hold"/>
+                                        <p:tgtEl>
+                                          <p:spTgt spid="13"/>
+                                        </p:tgtEl>
+                                        <p:attrNameLst>
+                                          <p:attrName>ppt_y</p:attrName>
+                                        </p:attrNameLst>
+                                      </p:cBhvr>
+                                      <p:tavLst>
+                                        <p:tav tm="0">
+                                          <p:val>
+                                            <p:strVal val="#ppt_y+.1"/>
+                                          </p:val>
+                                        </p:tav>
+                                        <p:tav tm="100000">
+                                          <p:val>
+                                            <p:strVal val="#ppt_y"/>
+                                          </p:val>
+                                        </p:tav>
+                                      </p:tavLst>
+                                    </p:anim>
+                                  </p:childTnLst>
+                                </p:cTn>
+                              </p:par>
+                            </p:childTnLst>
+                          </p:cTn>
+                        </p:par>
+                      </p:childTnLst>
+                    </p:cTn>
+                  </p:par>
+                  <p:par>
+                    <p:cTn id="66" fill="hold">
+                      <p:stCondLst>
+                        <p:cond delay="indefinite"/>
+                      </p:stCondLst>
+                      <p:childTnLst>
+                        <p:par>
+                          <p:cTn id="67" fill="hold">
+                            <p:stCondLst>
+                              <p:cond delay="0"/>
+                            </p:stCondLst>
+                            <p:childTnLst>
+                              <p:par>
+                                <p:cTn id="68" presetID="42" presetClass="entr" presetSubtype="0" fill="hold" grpId="0" nodeType="clickEffect">
+                                  <p:stCondLst>
+                                    <p:cond delay="0"/>
+                                  </p:stCondLst>
+                                  <p:childTnLst>
+                                    <p:set>
+                                      <p:cBhvr>
+                                        <p:cTn id="69" dur="1" fill="hold">
+                                          <p:stCondLst>
+                                            <p:cond delay="0"/>
+                                          </p:stCondLst>
+                                        </p:cTn>
+                                        <p:tgtEl>
+                                          <p:spTgt spid="16"/>
+                                        </p:tgtEl>
+                                        <p:attrNameLst>
+                                          <p:attrName>style.visibility</p:attrName>
+                                        </p:attrNameLst>
+                                      </p:cBhvr>
+                                      <p:to>
+                                        <p:strVal val="visible"/>
+                                      </p:to>
+                                    </p:set>
+                                    <p:animEffect transition="in" filter="fade">
+                                      <p:cBhvr>
+                                        <p:cTn id="70" dur="1000"/>
+                                        <p:tgtEl>
+                                          <p:spTgt spid="16"/>
+                                        </p:tgtEl>
+                                      </p:cBhvr>
+                                    </p:animEffect>
+                                    <p:anim calcmode="lin" valueType="num">
+                                      <p:cBhvr>
+                                        <p:cTn id="71" dur="1000" fill="hold"/>
+                                        <p:tgtEl>
+                                          <p:spTgt spid="16"/>
+                                        </p:tgtEl>
+                                        <p:attrNameLst>
+                                          <p:attrName>ppt_x</p:attrName>
+                                        </p:attrNameLst>
+                                      </p:cBhvr>
+                                      <p:tavLst>
+                                        <p:tav tm="0">
+                                          <p:val>
+                                            <p:strVal val="#ppt_x"/>
+                                          </p:val>
+                                        </p:tav>
+                                        <p:tav tm="100000">
+                                          <p:val>
+                                            <p:strVal val="#ppt_x"/>
+                                          </p:val>
+                                        </p:tav>
+                                      </p:tavLst>
+                                    </p:anim>
+                                    <p:anim calcmode="lin" valueType="num">
+                                      <p:cBhvr>
+                                        <p:cTn id="72" dur="1000" fill="hold"/>
+                                        <p:tgtEl>
+                                          <p:spTgt spid="16"/>
+                                        </p:tgtEl>
+                                        <p:attrNameLst>
+                                          <p:attrName>ppt_y</p:attrName>
+                                        </p:attrNameLst>
+                                      </p:cBhvr>
+                                      <p:tavLst>
+                                        <p:tav tm="0">
+                                          <p:val>
+                                            <p:strVal val="#ppt_y+.1"/>
+                                          </p:val>
+                                        </p:tav>
+                                        <p:tav tm="100000">
+                                          <p:val>
+                                            <p:strVal val="#ppt_y"/>
+                                          </p:val>
+                                        </p:tav>
+                                      </p:tavLst>
+                                    </p:anim>
+                                  </p:childTnLst>
+                                </p:cTn>
+                              </p:par>
+                            </p:childTnLst>
+                          </p:cTn>
+                        </p:par>
+                      </p:childTnLst>
+                    </p:cTn>
+                  </p:par>
+                </p:childTnLst>
+              </p:cTn>
+              <p:prevCondLst>
+                <p:cond evt="onPrev" delay="0">
+                  <p:tgtEl>
+                    <p:sldTgt/>
+                  </p:tgtEl>
+                </p:cond>
+              </p:prevCondLst>
+              <p:nextCondLst>
+                <p:cond evt="onNext" delay="0">
+                  <p:tgtEl>
+                    <p:sldTgt/>
+                  </p:tgtEl>
+                </p:cond>
+              </p:nextCondLst>
+            </p:seq>
+          </p:childTnLst>
+        </p:cTn>
+      </p:par>
+    </p:tnLst>
+    <p:bldLst>
+      <p:bldP spid="7" grpId="0"/>
+      <p:bldP spid="9" grpId="0"/>
+      <p:bldP spid="9" grpId="1"/>
+      <p:bldP spid="11" grpId="0"/>
+      <p:bldP spid="11" grpId="1"/>
+      <p:bldP spid="13" grpId="0"/>
+      <p:bldP spid="14" grpId="0"/>
+      <p:bldP spid="15" grpId="0"/>
+      <p:bldP spid="16" grpId="0"/>
+      <p:bldP spid="17" grpId="0"/>
+    </p:bldLst>
+  </p:timing>
+</p:sld>
+</file>
+
+<file path=ppt/slides/slide15.xml><?xml version="1.0" encoding="utf-8"?>
 <p:sld xmlns:a="http://schemas.openxmlformats.org/drawingml/2006/main" xmlns:r="http://schemas.openxmlformats.org/officeDocument/2006/relationships" xmlns:p="http://schemas.openxmlformats.org/presentationml/2006/main">
   <p:cSld>
     <p:spTree>

--- a/miao/LC1-two-sum(时间复杂度简介).pptx
+++ b/miao/LC1-two-sum(时间复杂度简介).pptx
@@ -211,7 +211,7 @@
           <a:p>
             <a:fld id="{92102D14-9D92-4083-B1FA-946E7240644B}" type="datetimeFigureOut">
               <a:rPr lang="zh-CN" altLang="en-US" smtClean="0"/>
-              <a:t>2021/10/19</a:t>
+              <a:t>2021/10/20</a:t>
             </a:fld>
             <a:endParaRPr lang="zh-CN" altLang="en-US"/>
           </a:p>
@@ -562,6 +562,90 @@
 </p:notes>
 </file>
 
+<file path=ppt/notesSlides/notesSlide2.xml><?xml version="1.0" encoding="utf-8"?>
+<p:notes xmlns:a="http://schemas.openxmlformats.org/drawingml/2006/main" xmlns:r="http://schemas.openxmlformats.org/officeDocument/2006/relationships" xmlns:p="http://schemas.openxmlformats.org/presentationml/2006/main">
+  <p:cSld>
+    <p:spTree>
+      <p:nvGrpSpPr>
+        <p:cNvPr id="1" name=""/>
+        <p:cNvGrpSpPr/>
+        <p:nvPr/>
+      </p:nvGrpSpPr>
+      <p:grpSpPr>
+        <a:xfrm>
+          <a:off x="0" y="0"/>
+          <a:ext cx="0" cy="0"/>
+          <a:chOff x="0" y="0"/>
+          <a:chExt cx="0" cy="0"/>
+        </a:xfrm>
+      </p:grpSpPr>
+      <p:sp>
+        <p:nvSpPr>
+          <p:cNvPr id="2" name="幻灯片图像占位符 1"/>
+          <p:cNvSpPr>
+            <a:spLocks noGrp="1" noRot="1" noChangeAspect="1"/>
+          </p:cNvSpPr>
+          <p:nvPr>
+            <p:ph type="sldImg"/>
+          </p:nvPr>
+        </p:nvSpPr>
+        <p:spPr/>
+      </p:sp>
+      <p:sp>
+        <p:nvSpPr>
+          <p:cNvPr id="3" name="备注占位符 2"/>
+          <p:cNvSpPr>
+            <a:spLocks noGrp="1"/>
+          </p:cNvSpPr>
+          <p:nvPr>
+            <p:ph type="body" idx="1"/>
+          </p:nvPr>
+        </p:nvSpPr>
+        <p:spPr/>
+        <p:txBody>
+          <a:bodyPr/>
+          <a:lstStyle/>
+          <a:p>
+            <a:endParaRPr lang="zh-CN" altLang="en-US" dirty="0"/>
+          </a:p>
+        </p:txBody>
+      </p:sp>
+      <p:sp>
+        <p:nvSpPr>
+          <p:cNvPr id="4" name="灯片编号占位符 3"/>
+          <p:cNvSpPr>
+            <a:spLocks noGrp="1"/>
+          </p:cNvSpPr>
+          <p:nvPr>
+            <p:ph type="sldNum" sz="quarter" idx="5"/>
+          </p:nvPr>
+        </p:nvSpPr>
+        <p:spPr/>
+        <p:txBody>
+          <a:bodyPr/>
+          <a:lstStyle/>
+          <a:p>
+            <a:fld id="{38D8CE23-972D-4C15-81E0-2B18B4882333}" type="slidenum">
+              <a:rPr lang="zh-CN" altLang="en-US" smtClean="0"/>
+              <a:t>14</a:t>
+            </a:fld>
+            <a:endParaRPr lang="zh-CN" altLang="en-US"/>
+          </a:p>
+        </p:txBody>
+      </p:sp>
+    </p:spTree>
+    <p:extLst>
+      <p:ext uri="{BB962C8B-B14F-4D97-AF65-F5344CB8AC3E}">
+        <p14:creationId xmlns:p14="http://schemas.microsoft.com/office/powerpoint/2010/main" val="3485046669"/>
+      </p:ext>
+    </p:extLst>
+  </p:cSld>
+  <p:clrMapOvr>
+    <a:masterClrMapping/>
+  </p:clrMapOvr>
+</p:notes>
+</file>
+
 <file path=ppt/slideLayouts/slideLayout1.xml><?xml version="1.0" encoding="utf-8"?>
 <p:sldLayout xmlns:a="http://schemas.openxmlformats.org/drawingml/2006/main" xmlns:r="http://schemas.openxmlformats.org/officeDocument/2006/relationships" xmlns:p="http://schemas.openxmlformats.org/presentationml/2006/main" type="title" preserve="1">
   <p:cSld name="标题幻灯片">
@@ -709,7 +793,7 @@
           <a:p>
             <a:fld id="{F554FFFA-7CE9-4B63-B3C9-FCEC754BCF45}" type="datetimeFigureOut">
               <a:rPr lang="zh-CN" altLang="en-US" smtClean="0"/>
-              <a:t>2021/10/19</a:t>
+              <a:t>2021/10/20</a:t>
             </a:fld>
             <a:endParaRPr lang="zh-CN" altLang="en-US"/>
           </a:p>
@@ -907,7 +991,7 @@
           <a:p>
             <a:fld id="{F554FFFA-7CE9-4B63-B3C9-FCEC754BCF45}" type="datetimeFigureOut">
               <a:rPr lang="zh-CN" altLang="en-US" smtClean="0"/>
-              <a:t>2021/10/19</a:t>
+              <a:t>2021/10/20</a:t>
             </a:fld>
             <a:endParaRPr lang="zh-CN" altLang="en-US"/>
           </a:p>
@@ -1115,7 +1199,7 @@
           <a:p>
             <a:fld id="{F554FFFA-7CE9-4B63-B3C9-FCEC754BCF45}" type="datetimeFigureOut">
               <a:rPr lang="zh-CN" altLang="en-US" smtClean="0"/>
-              <a:t>2021/10/19</a:t>
+              <a:t>2021/10/20</a:t>
             </a:fld>
             <a:endParaRPr lang="zh-CN" altLang="en-US"/>
           </a:p>
@@ -1313,7 +1397,7 @@
           <a:p>
             <a:fld id="{F554FFFA-7CE9-4B63-B3C9-FCEC754BCF45}" type="datetimeFigureOut">
               <a:rPr lang="zh-CN" altLang="en-US" smtClean="0"/>
-              <a:t>2021/10/19</a:t>
+              <a:t>2021/10/20</a:t>
             </a:fld>
             <a:endParaRPr lang="zh-CN" altLang="en-US"/>
           </a:p>
@@ -1588,7 +1672,7 @@
           <a:p>
             <a:fld id="{F554FFFA-7CE9-4B63-B3C9-FCEC754BCF45}" type="datetimeFigureOut">
               <a:rPr lang="zh-CN" altLang="en-US" smtClean="0"/>
-              <a:t>2021/10/19</a:t>
+              <a:t>2021/10/20</a:t>
             </a:fld>
             <a:endParaRPr lang="zh-CN" altLang="en-US"/>
           </a:p>
@@ -1853,7 +1937,7 @@
           <a:p>
             <a:fld id="{F554FFFA-7CE9-4B63-B3C9-FCEC754BCF45}" type="datetimeFigureOut">
               <a:rPr lang="zh-CN" altLang="en-US" smtClean="0"/>
-              <a:t>2021/10/19</a:t>
+              <a:t>2021/10/20</a:t>
             </a:fld>
             <a:endParaRPr lang="zh-CN" altLang="en-US"/>
           </a:p>
@@ -2265,7 +2349,7 @@
           <a:p>
             <a:fld id="{F554FFFA-7CE9-4B63-B3C9-FCEC754BCF45}" type="datetimeFigureOut">
               <a:rPr lang="zh-CN" altLang="en-US" smtClean="0"/>
-              <a:t>2021/10/19</a:t>
+              <a:t>2021/10/20</a:t>
             </a:fld>
             <a:endParaRPr lang="zh-CN" altLang="en-US"/>
           </a:p>
@@ -2406,7 +2490,7 @@
           <a:p>
             <a:fld id="{F554FFFA-7CE9-4B63-B3C9-FCEC754BCF45}" type="datetimeFigureOut">
               <a:rPr lang="zh-CN" altLang="en-US" smtClean="0"/>
-              <a:t>2021/10/19</a:t>
+              <a:t>2021/10/20</a:t>
             </a:fld>
             <a:endParaRPr lang="zh-CN" altLang="en-US"/>
           </a:p>
@@ -2519,7 +2603,7 @@
           <a:p>
             <a:fld id="{F554FFFA-7CE9-4B63-B3C9-FCEC754BCF45}" type="datetimeFigureOut">
               <a:rPr lang="zh-CN" altLang="en-US" smtClean="0"/>
-              <a:t>2021/10/19</a:t>
+              <a:t>2021/10/20</a:t>
             </a:fld>
             <a:endParaRPr lang="zh-CN" altLang="en-US"/>
           </a:p>
@@ -2830,7 +2914,7 @@
           <a:p>
             <a:fld id="{F554FFFA-7CE9-4B63-B3C9-FCEC754BCF45}" type="datetimeFigureOut">
               <a:rPr lang="zh-CN" altLang="en-US" smtClean="0"/>
-              <a:t>2021/10/19</a:t>
+              <a:t>2021/10/20</a:t>
             </a:fld>
             <a:endParaRPr lang="zh-CN" altLang="en-US"/>
           </a:p>
@@ -3118,7 +3202,7 @@
           <a:p>
             <a:fld id="{F554FFFA-7CE9-4B63-B3C9-FCEC754BCF45}" type="datetimeFigureOut">
               <a:rPr lang="zh-CN" altLang="en-US" smtClean="0"/>
-              <a:t>2021/10/19</a:t>
+              <a:t>2021/10/20</a:t>
             </a:fld>
             <a:endParaRPr lang="zh-CN" altLang="en-US"/>
           </a:p>
@@ -3359,7 +3443,7 @@
           <a:p>
             <a:fld id="{F554FFFA-7CE9-4B63-B3C9-FCEC754BCF45}" type="datetimeFigureOut">
               <a:rPr lang="zh-CN" altLang="en-US" smtClean="0"/>
-              <a:t>2021/10/19</a:t>
+              <a:t>2021/10/20</a:t>
             </a:fld>
             <a:endParaRPr lang="zh-CN" altLang="en-US"/>
           </a:p>
@@ -6230,6 +6314,402 @@
                       </p:childTnLst>
                     </p:cTn>
                   </p:par>
+                  <p:par>
+                    <p:cTn id="10" fill="hold">
+                      <p:stCondLst>
+                        <p:cond delay="indefinite"/>
+                      </p:stCondLst>
+                      <p:childTnLst>
+                        <p:par>
+                          <p:cTn id="11" fill="hold">
+                            <p:stCondLst>
+                              <p:cond delay="0"/>
+                            </p:stCondLst>
+                            <p:childTnLst>
+                              <p:par>
+                                <p:cTn id="12" presetID="42" presetClass="entr" presetSubtype="0" fill="hold" grpId="0" nodeType="clickEffect">
+                                  <p:stCondLst>
+                                    <p:cond delay="0"/>
+                                  </p:stCondLst>
+                                  <p:childTnLst>
+                                    <p:set>
+                                      <p:cBhvr>
+                                        <p:cTn id="13" dur="1" fill="hold">
+                                          <p:stCondLst>
+                                            <p:cond delay="0"/>
+                                          </p:stCondLst>
+                                        </p:cTn>
+                                        <p:tgtEl>
+                                          <p:spTgt spid="5"/>
+                                        </p:tgtEl>
+                                        <p:attrNameLst>
+                                          <p:attrName>style.visibility</p:attrName>
+                                        </p:attrNameLst>
+                                      </p:cBhvr>
+                                      <p:to>
+                                        <p:strVal val="visible"/>
+                                      </p:to>
+                                    </p:set>
+                                    <p:animEffect transition="in" filter="fade">
+                                      <p:cBhvr>
+                                        <p:cTn id="14" dur="1000"/>
+                                        <p:tgtEl>
+                                          <p:spTgt spid="5"/>
+                                        </p:tgtEl>
+                                      </p:cBhvr>
+                                    </p:animEffect>
+                                    <p:anim calcmode="lin" valueType="num">
+                                      <p:cBhvr>
+                                        <p:cTn id="15" dur="1000" fill="hold"/>
+                                        <p:tgtEl>
+                                          <p:spTgt spid="5"/>
+                                        </p:tgtEl>
+                                        <p:attrNameLst>
+                                          <p:attrName>ppt_x</p:attrName>
+                                        </p:attrNameLst>
+                                      </p:cBhvr>
+                                      <p:tavLst>
+                                        <p:tav tm="0">
+                                          <p:val>
+                                            <p:strVal val="#ppt_x"/>
+                                          </p:val>
+                                        </p:tav>
+                                        <p:tav tm="100000">
+                                          <p:val>
+                                            <p:strVal val="#ppt_x"/>
+                                          </p:val>
+                                        </p:tav>
+                                      </p:tavLst>
+                                    </p:anim>
+                                    <p:anim calcmode="lin" valueType="num">
+                                      <p:cBhvr>
+                                        <p:cTn id="16" dur="1000" fill="hold"/>
+                                        <p:tgtEl>
+                                          <p:spTgt spid="5"/>
+                                        </p:tgtEl>
+                                        <p:attrNameLst>
+                                          <p:attrName>ppt_y</p:attrName>
+                                        </p:attrNameLst>
+                                      </p:cBhvr>
+                                      <p:tavLst>
+                                        <p:tav tm="0">
+                                          <p:val>
+                                            <p:strVal val="#ppt_y+.1"/>
+                                          </p:val>
+                                        </p:tav>
+                                        <p:tav tm="100000">
+                                          <p:val>
+                                            <p:strVal val="#ppt_y"/>
+                                          </p:val>
+                                        </p:tav>
+                                      </p:tavLst>
+                                    </p:anim>
+                                  </p:childTnLst>
+                                </p:cTn>
+                              </p:par>
+                            </p:childTnLst>
+                          </p:cTn>
+                        </p:par>
+                      </p:childTnLst>
+                    </p:cTn>
+                  </p:par>
+                  <p:par>
+                    <p:cTn id="17" fill="hold">
+                      <p:stCondLst>
+                        <p:cond delay="indefinite"/>
+                      </p:stCondLst>
+                      <p:childTnLst>
+                        <p:par>
+                          <p:cTn id="18" fill="hold">
+                            <p:stCondLst>
+                              <p:cond delay="0"/>
+                            </p:stCondLst>
+                            <p:childTnLst>
+                              <p:par>
+                                <p:cTn id="19" presetID="42" presetClass="entr" presetSubtype="0" fill="hold" grpId="0" nodeType="clickEffect">
+                                  <p:stCondLst>
+                                    <p:cond delay="0"/>
+                                  </p:stCondLst>
+                                  <p:childTnLst>
+                                    <p:set>
+                                      <p:cBhvr>
+                                        <p:cTn id="20" dur="1" fill="hold">
+                                          <p:stCondLst>
+                                            <p:cond delay="0"/>
+                                          </p:stCondLst>
+                                        </p:cTn>
+                                        <p:tgtEl>
+                                          <p:spTgt spid="6"/>
+                                        </p:tgtEl>
+                                        <p:attrNameLst>
+                                          <p:attrName>style.visibility</p:attrName>
+                                        </p:attrNameLst>
+                                      </p:cBhvr>
+                                      <p:to>
+                                        <p:strVal val="visible"/>
+                                      </p:to>
+                                    </p:set>
+                                    <p:animEffect transition="in" filter="fade">
+                                      <p:cBhvr>
+                                        <p:cTn id="21" dur="1000"/>
+                                        <p:tgtEl>
+                                          <p:spTgt spid="6"/>
+                                        </p:tgtEl>
+                                      </p:cBhvr>
+                                    </p:animEffect>
+                                    <p:anim calcmode="lin" valueType="num">
+                                      <p:cBhvr>
+                                        <p:cTn id="22" dur="1000" fill="hold"/>
+                                        <p:tgtEl>
+                                          <p:spTgt spid="6"/>
+                                        </p:tgtEl>
+                                        <p:attrNameLst>
+                                          <p:attrName>ppt_x</p:attrName>
+                                        </p:attrNameLst>
+                                      </p:cBhvr>
+                                      <p:tavLst>
+                                        <p:tav tm="0">
+                                          <p:val>
+                                            <p:strVal val="#ppt_x"/>
+                                          </p:val>
+                                        </p:tav>
+                                        <p:tav tm="100000">
+                                          <p:val>
+                                            <p:strVal val="#ppt_x"/>
+                                          </p:val>
+                                        </p:tav>
+                                      </p:tavLst>
+                                    </p:anim>
+                                    <p:anim calcmode="lin" valueType="num">
+                                      <p:cBhvr>
+                                        <p:cTn id="23" dur="1000" fill="hold"/>
+                                        <p:tgtEl>
+                                          <p:spTgt spid="6"/>
+                                        </p:tgtEl>
+                                        <p:attrNameLst>
+                                          <p:attrName>ppt_y</p:attrName>
+                                        </p:attrNameLst>
+                                      </p:cBhvr>
+                                      <p:tavLst>
+                                        <p:tav tm="0">
+                                          <p:val>
+                                            <p:strVal val="#ppt_y+.1"/>
+                                          </p:val>
+                                        </p:tav>
+                                        <p:tav tm="100000">
+                                          <p:val>
+                                            <p:strVal val="#ppt_y"/>
+                                          </p:val>
+                                        </p:tav>
+                                      </p:tavLst>
+                                    </p:anim>
+                                  </p:childTnLst>
+                                </p:cTn>
+                              </p:par>
+                            </p:childTnLst>
+                          </p:cTn>
+                        </p:par>
+                      </p:childTnLst>
+                    </p:cTn>
+                  </p:par>
+                  <p:par>
+                    <p:cTn id="24" fill="hold">
+                      <p:stCondLst>
+                        <p:cond delay="indefinite"/>
+                      </p:stCondLst>
+                      <p:childTnLst>
+                        <p:par>
+                          <p:cTn id="25" fill="hold">
+                            <p:stCondLst>
+                              <p:cond delay="0"/>
+                            </p:stCondLst>
+                            <p:childTnLst>
+                              <p:par>
+                                <p:cTn id="26" presetID="42" presetClass="entr" presetSubtype="0" fill="hold" grpId="0" nodeType="clickEffect">
+                                  <p:stCondLst>
+                                    <p:cond delay="0"/>
+                                  </p:stCondLst>
+                                  <p:childTnLst>
+                                    <p:set>
+                                      <p:cBhvr>
+                                        <p:cTn id="27" dur="1" fill="hold">
+                                          <p:stCondLst>
+                                            <p:cond delay="0"/>
+                                          </p:stCondLst>
+                                        </p:cTn>
+                                        <p:tgtEl>
+                                          <p:spTgt spid="7"/>
+                                        </p:tgtEl>
+                                        <p:attrNameLst>
+                                          <p:attrName>style.visibility</p:attrName>
+                                        </p:attrNameLst>
+                                      </p:cBhvr>
+                                      <p:to>
+                                        <p:strVal val="visible"/>
+                                      </p:to>
+                                    </p:set>
+                                    <p:animEffect transition="in" filter="fade">
+                                      <p:cBhvr>
+                                        <p:cTn id="28" dur="1000"/>
+                                        <p:tgtEl>
+                                          <p:spTgt spid="7"/>
+                                        </p:tgtEl>
+                                      </p:cBhvr>
+                                    </p:animEffect>
+                                    <p:anim calcmode="lin" valueType="num">
+                                      <p:cBhvr>
+                                        <p:cTn id="29" dur="1000" fill="hold"/>
+                                        <p:tgtEl>
+                                          <p:spTgt spid="7"/>
+                                        </p:tgtEl>
+                                        <p:attrNameLst>
+                                          <p:attrName>ppt_x</p:attrName>
+                                        </p:attrNameLst>
+                                      </p:cBhvr>
+                                      <p:tavLst>
+                                        <p:tav tm="0">
+                                          <p:val>
+                                            <p:strVal val="#ppt_x"/>
+                                          </p:val>
+                                        </p:tav>
+                                        <p:tav tm="100000">
+                                          <p:val>
+                                            <p:strVal val="#ppt_x"/>
+                                          </p:val>
+                                        </p:tav>
+                                      </p:tavLst>
+                                    </p:anim>
+                                    <p:anim calcmode="lin" valueType="num">
+                                      <p:cBhvr>
+                                        <p:cTn id="30" dur="1000" fill="hold"/>
+                                        <p:tgtEl>
+                                          <p:spTgt spid="7"/>
+                                        </p:tgtEl>
+                                        <p:attrNameLst>
+                                          <p:attrName>ppt_y</p:attrName>
+                                        </p:attrNameLst>
+                                      </p:cBhvr>
+                                      <p:tavLst>
+                                        <p:tav tm="0">
+                                          <p:val>
+                                            <p:strVal val="#ppt_y+.1"/>
+                                          </p:val>
+                                        </p:tav>
+                                        <p:tav tm="100000">
+                                          <p:val>
+                                            <p:strVal val="#ppt_y"/>
+                                          </p:val>
+                                        </p:tav>
+                                      </p:tavLst>
+                                    </p:anim>
+                                  </p:childTnLst>
+                                </p:cTn>
+                              </p:par>
+                            </p:childTnLst>
+                          </p:cTn>
+                        </p:par>
+                      </p:childTnLst>
+                    </p:cTn>
+                  </p:par>
+                  <p:par>
+                    <p:cTn id="31" fill="hold">
+                      <p:stCondLst>
+                        <p:cond delay="indefinite"/>
+                      </p:stCondLst>
+                      <p:childTnLst>
+                        <p:par>
+                          <p:cTn id="32" fill="hold">
+                            <p:stCondLst>
+                              <p:cond delay="0"/>
+                            </p:stCondLst>
+                            <p:childTnLst>
+                              <p:par>
+                                <p:cTn id="33" presetID="42" presetClass="entr" presetSubtype="0" fill="hold" grpId="0" nodeType="clickEffect">
+                                  <p:stCondLst>
+                                    <p:cond delay="0"/>
+                                  </p:stCondLst>
+                                  <p:childTnLst>
+                                    <p:set>
+                                      <p:cBhvr>
+                                        <p:cTn id="34" dur="1" fill="hold">
+                                          <p:stCondLst>
+                                            <p:cond delay="0"/>
+                                          </p:stCondLst>
+                                        </p:cTn>
+                                        <p:tgtEl>
+                                          <p:spTgt spid="8"/>
+                                        </p:tgtEl>
+                                        <p:attrNameLst>
+                                          <p:attrName>style.visibility</p:attrName>
+                                        </p:attrNameLst>
+                                      </p:cBhvr>
+                                      <p:to>
+                                        <p:strVal val="visible"/>
+                                      </p:to>
+                                    </p:set>
+                                    <p:animEffect transition="in" filter="fade">
+                                      <p:cBhvr>
+                                        <p:cTn id="35" dur="1000"/>
+                                        <p:tgtEl>
+                                          <p:spTgt spid="8"/>
+                                        </p:tgtEl>
+                                      </p:cBhvr>
+                                    </p:animEffect>
+                                    <p:anim calcmode="lin" valueType="num">
+                                      <p:cBhvr>
+                                        <p:cTn id="36" dur="1000" fill="hold"/>
+                                        <p:tgtEl>
+                                          <p:spTgt spid="8"/>
+                                        </p:tgtEl>
+                                        <p:attrNameLst>
+                                          <p:attrName>ppt_x</p:attrName>
+                                        </p:attrNameLst>
+                                      </p:cBhvr>
+                                      <p:tavLst>
+                                        <p:tav tm="0">
+                                          <p:val>
+                                            <p:strVal val="#ppt_x"/>
+                                          </p:val>
+                                        </p:tav>
+                                        <p:tav tm="100000">
+                                          <p:val>
+                                            <p:strVal val="#ppt_x"/>
+                                          </p:val>
+                                        </p:tav>
+                                      </p:tavLst>
+                                    </p:anim>
+                                    <p:anim calcmode="lin" valueType="num">
+                                      <p:cBhvr>
+                                        <p:cTn id="37" dur="1000" fill="hold"/>
+                                        <p:tgtEl>
+                                          <p:spTgt spid="8"/>
+                                        </p:tgtEl>
+                                        <p:attrNameLst>
+                                          <p:attrName>ppt_y</p:attrName>
+                                        </p:attrNameLst>
+                                      </p:cBhvr>
+                                      <p:tavLst>
+                                        <p:tav tm="0">
+                                          <p:val>
+                                            <p:strVal val="#ppt_y+.1"/>
+                                          </p:val>
+                                        </p:tav>
+                                        <p:tav tm="100000">
+                                          <p:val>
+                                            <p:strVal val="#ppt_y"/>
+                                          </p:val>
+                                        </p:tav>
+                                      </p:tavLst>
+                                    </p:anim>
+                                  </p:childTnLst>
+                                </p:cTn>
+                              </p:par>
+                            </p:childTnLst>
+                          </p:cTn>
+                        </p:par>
+                      </p:childTnLst>
+                    </p:cTn>
+                  </p:par>
                 </p:childTnLst>
               </p:cTn>
               <p:prevCondLst>
@@ -6253,6 +6733,10 @@
     </p:tnLst>
     <p:bldLst>
       <p:bldP spid="4" grpId="0"/>
+      <p:bldP spid="5" grpId="0"/>
+      <p:bldP spid="6" grpId="0"/>
+      <p:bldP spid="7" grpId="0"/>
+      <p:bldP spid="8" grpId="0"/>
     </p:bldLst>
   </p:timing>
 </p:sld>
@@ -6591,6 +7075,42 @@
               </a:rPr>
               <a:t>(a, b))</a:t>
             </a:r>
+            <a:r>
+              <a:rPr lang="zh-CN" altLang="en-US" sz="1600" dirty="0">
+                <a:latin typeface="Consolas" panose="020B0609020204030204" pitchFamily="49" charset="0"/>
+              </a:rPr>
+              <a:t>，</a:t>
+            </a:r>
+            <a:r>
+              <a:rPr lang="en-US" altLang="zh-CN" sz="1600" dirty="0">
+                <a:latin typeface="Consolas" panose="020B0609020204030204" pitchFamily="49" charset="0"/>
+              </a:rPr>
+              <a:t>b</a:t>
+            </a:r>
+            <a:r>
+              <a:rPr lang="zh-CN" altLang="en-US" sz="1600" dirty="0">
+                <a:latin typeface="Consolas" panose="020B0609020204030204" pitchFamily="49" charset="0"/>
+              </a:rPr>
+              <a:t>为两只之中的较小值</a:t>
+            </a:r>
+            <a:r>
+              <a:rPr lang="en-US" altLang="zh-CN" sz="1600" dirty="0">
+                <a:latin typeface="Consolas" panose="020B0609020204030204" pitchFamily="49" charset="0"/>
+              </a:rPr>
+              <a:t>(b = </a:t>
+            </a:r>
+            <a:r>
+              <a:rPr lang="en-US" altLang="zh-CN" sz="1600" dirty="0" err="1">
+                <a:latin typeface="Consolas" panose="020B0609020204030204" pitchFamily="49" charset="0"/>
+              </a:rPr>
+              <a:t>Math.min</a:t>
+            </a:r>
+            <a:r>
+              <a:rPr lang="en-US" altLang="zh-CN" sz="1600" dirty="0">
+                <a:latin typeface="Consolas" panose="020B0609020204030204" pitchFamily="49" charset="0"/>
+              </a:rPr>
+              <a:t>(a, b))</a:t>
+            </a:r>
           </a:p>
           <a:p>
             <a:r>
@@ -6728,7 +7248,7 @@
               <a:rPr lang="zh-CN" altLang="en-US" sz="1600" dirty="0">
                 <a:latin typeface="Consolas" panose="020B0609020204030204" pitchFamily="49" charset="0"/>
               </a:rPr>
-              <a:t>问题是找到具有明确大小关系的两个数，为了方便处理，可以？</a:t>
+              <a:t>问题变成了在数组中找到具有明确大小关系的两个数，为了方便处理，可以？</a:t>
             </a:r>
             <a:endParaRPr lang="en-US" altLang="zh-CN" sz="1600" dirty="0">
               <a:latin typeface="Consolas" panose="020B0609020204030204" pitchFamily="49" charset="0"/>
@@ -6768,19 +7288,19 @@
               <a:rPr lang="zh-CN" altLang="en-US" sz="1600" dirty="0">
                 <a:latin typeface="Consolas" panose="020B0609020204030204" pitchFamily="49" charset="0"/>
               </a:rPr>
-              <a:t>为便于分辨大小关系，可以对数组做 </a:t>
-            </a:r>
-            <a:r>
-              <a:rPr lang="en-US" altLang="zh-CN" sz="1600" dirty="0">
-                <a:latin typeface="Consolas" panose="020B0609020204030204" pitchFamily="49" charset="0"/>
-              </a:rPr>
-              <a:t>sort/</a:t>
+              <a:t>为便于区分数组中元素的大小关系，可以对数组做 </a:t>
+            </a:r>
+            <a:r>
+              <a:rPr lang="zh-CN" altLang="en-US" sz="1600" b="1" dirty="0">
+                <a:latin typeface="Consolas" panose="020B0609020204030204" pitchFamily="49" charset="0"/>
+              </a:rPr>
+              <a:t>排序</a:t>
             </a:r>
             <a:r>
               <a:rPr lang="zh-CN" altLang="en-US" sz="1600" dirty="0">
                 <a:latin typeface="Consolas" panose="020B0609020204030204" pitchFamily="49" charset="0"/>
               </a:rPr>
-              <a:t>排序 处理</a:t>
+              <a:t> 处理</a:t>
             </a:r>
             <a:endParaRPr lang="en-US" altLang="zh-CN" sz="1600" dirty="0">
               <a:latin typeface="Consolas" panose="020B0609020204030204" pitchFamily="49" charset="0"/>
@@ -6945,6 +7465,699 @@
                       </p:childTnLst>
                     </p:cTn>
                   </p:par>
+                  <p:par>
+                    <p:cTn id="10" fill="hold">
+                      <p:stCondLst>
+                        <p:cond delay="indefinite"/>
+                      </p:stCondLst>
+                      <p:childTnLst>
+                        <p:par>
+                          <p:cTn id="11" fill="hold">
+                            <p:stCondLst>
+                              <p:cond delay="0"/>
+                            </p:stCondLst>
+                            <p:childTnLst>
+                              <p:par>
+                                <p:cTn id="12" presetID="42" presetClass="entr" presetSubtype="0" fill="hold" grpId="0" nodeType="clickEffect">
+                                  <p:stCondLst>
+                                    <p:cond delay="0"/>
+                                  </p:stCondLst>
+                                  <p:childTnLst>
+                                    <p:set>
+                                      <p:cBhvr>
+                                        <p:cTn id="13" dur="1" fill="hold">
+                                          <p:stCondLst>
+                                            <p:cond delay="0"/>
+                                          </p:stCondLst>
+                                        </p:cTn>
+                                        <p:tgtEl>
+                                          <p:spTgt spid="3"/>
+                                        </p:tgtEl>
+                                        <p:attrNameLst>
+                                          <p:attrName>style.visibility</p:attrName>
+                                        </p:attrNameLst>
+                                      </p:cBhvr>
+                                      <p:to>
+                                        <p:strVal val="visible"/>
+                                      </p:to>
+                                    </p:set>
+                                    <p:animEffect transition="in" filter="fade">
+                                      <p:cBhvr>
+                                        <p:cTn id="14" dur="1000"/>
+                                        <p:tgtEl>
+                                          <p:spTgt spid="3"/>
+                                        </p:tgtEl>
+                                      </p:cBhvr>
+                                    </p:animEffect>
+                                    <p:anim calcmode="lin" valueType="num">
+                                      <p:cBhvr>
+                                        <p:cTn id="15" dur="1000" fill="hold"/>
+                                        <p:tgtEl>
+                                          <p:spTgt spid="3"/>
+                                        </p:tgtEl>
+                                        <p:attrNameLst>
+                                          <p:attrName>ppt_x</p:attrName>
+                                        </p:attrNameLst>
+                                      </p:cBhvr>
+                                      <p:tavLst>
+                                        <p:tav tm="0">
+                                          <p:val>
+                                            <p:strVal val="#ppt_x"/>
+                                          </p:val>
+                                        </p:tav>
+                                        <p:tav tm="100000">
+                                          <p:val>
+                                            <p:strVal val="#ppt_x"/>
+                                          </p:val>
+                                        </p:tav>
+                                      </p:tavLst>
+                                    </p:anim>
+                                    <p:anim calcmode="lin" valueType="num">
+                                      <p:cBhvr>
+                                        <p:cTn id="16" dur="1000" fill="hold"/>
+                                        <p:tgtEl>
+                                          <p:spTgt spid="3"/>
+                                        </p:tgtEl>
+                                        <p:attrNameLst>
+                                          <p:attrName>ppt_y</p:attrName>
+                                        </p:attrNameLst>
+                                      </p:cBhvr>
+                                      <p:tavLst>
+                                        <p:tav tm="0">
+                                          <p:val>
+                                            <p:strVal val="#ppt_y+.1"/>
+                                          </p:val>
+                                        </p:tav>
+                                        <p:tav tm="100000">
+                                          <p:val>
+                                            <p:strVal val="#ppt_y"/>
+                                          </p:val>
+                                        </p:tav>
+                                      </p:tavLst>
+                                    </p:anim>
+                                  </p:childTnLst>
+                                </p:cTn>
+                              </p:par>
+                            </p:childTnLst>
+                          </p:cTn>
+                        </p:par>
+                      </p:childTnLst>
+                    </p:cTn>
+                  </p:par>
+                  <p:par>
+                    <p:cTn id="17" fill="hold">
+                      <p:stCondLst>
+                        <p:cond delay="indefinite"/>
+                      </p:stCondLst>
+                      <p:childTnLst>
+                        <p:par>
+                          <p:cTn id="18" fill="hold">
+                            <p:stCondLst>
+                              <p:cond delay="0"/>
+                            </p:stCondLst>
+                            <p:childTnLst>
+                              <p:par>
+                                <p:cTn id="19" presetID="42" presetClass="entr" presetSubtype="0" fill="hold" grpId="0" nodeType="clickEffect">
+                                  <p:stCondLst>
+                                    <p:cond delay="0"/>
+                                  </p:stCondLst>
+                                  <p:childTnLst>
+                                    <p:set>
+                                      <p:cBhvr>
+                                        <p:cTn id="20" dur="1" fill="hold">
+                                          <p:stCondLst>
+                                            <p:cond delay="0"/>
+                                          </p:stCondLst>
+                                        </p:cTn>
+                                        <p:tgtEl>
+                                          <p:spTgt spid="5"/>
+                                        </p:tgtEl>
+                                        <p:attrNameLst>
+                                          <p:attrName>style.visibility</p:attrName>
+                                        </p:attrNameLst>
+                                      </p:cBhvr>
+                                      <p:to>
+                                        <p:strVal val="visible"/>
+                                      </p:to>
+                                    </p:set>
+                                    <p:animEffect transition="in" filter="fade">
+                                      <p:cBhvr>
+                                        <p:cTn id="21" dur="1000"/>
+                                        <p:tgtEl>
+                                          <p:spTgt spid="5"/>
+                                        </p:tgtEl>
+                                      </p:cBhvr>
+                                    </p:animEffect>
+                                    <p:anim calcmode="lin" valueType="num">
+                                      <p:cBhvr>
+                                        <p:cTn id="22" dur="1000" fill="hold"/>
+                                        <p:tgtEl>
+                                          <p:spTgt spid="5"/>
+                                        </p:tgtEl>
+                                        <p:attrNameLst>
+                                          <p:attrName>ppt_x</p:attrName>
+                                        </p:attrNameLst>
+                                      </p:cBhvr>
+                                      <p:tavLst>
+                                        <p:tav tm="0">
+                                          <p:val>
+                                            <p:strVal val="#ppt_x"/>
+                                          </p:val>
+                                        </p:tav>
+                                        <p:tav tm="100000">
+                                          <p:val>
+                                            <p:strVal val="#ppt_x"/>
+                                          </p:val>
+                                        </p:tav>
+                                      </p:tavLst>
+                                    </p:anim>
+                                    <p:anim calcmode="lin" valueType="num">
+                                      <p:cBhvr>
+                                        <p:cTn id="23" dur="1000" fill="hold"/>
+                                        <p:tgtEl>
+                                          <p:spTgt spid="5"/>
+                                        </p:tgtEl>
+                                        <p:attrNameLst>
+                                          <p:attrName>ppt_y</p:attrName>
+                                        </p:attrNameLst>
+                                      </p:cBhvr>
+                                      <p:tavLst>
+                                        <p:tav tm="0">
+                                          <p:val>
+                                            <p:strVal val="#ppt_y+.1"/>
+                                          </p:val>
+                                        </p:tav>
+                                        <p:tav tm="100000">
+                                          <p:val>
+                                            <p:strVal val="#ppt_y"/>
+                                          </p:val>
+                                        </p:tav>
+                                      </p:tavLst>
+                                    </p:anim>
+                                  </p:childTnLst>
+                                </p:cTn>
+                              </p:par>
+                            </p:childTnLst>
+                          </p:cTn>
+                        </p:par>
+                      </p:childTnLst>
+                    </p:cTn>
+                  </p:par>
+                  <p:par>
+                    <p:cTn id="24" fill="hold">
+                      <p:stCondLst>
+                        <p:cond delay="indefinite"/>
+                      </p:stCondLst>
+                      <p:childTnLst>
+                        <p:par>
+                          <p:cTn id="25" fill="hold">
+                            <p:stCondLst>
+                              <p:cond delay="0"/>
+                            </p:stCondLst>
+                            <p:childTnLst>
+                              <p:par>
+                                <p:cTn id="26" presetID="42" presetClass="entr" presetSubtype="0" fill="hold" grpId="0" nodeType="clickEffect">
+                                  <p:stCondLst>
+                                    <p:cond delay="0"/>
+                                  </p:stCondLst>
+                                  <p:childTnLst>
+                                    <p:set>
+                                      <p:cBhvr>
+                                        <p:cTn id="27" dur="1" fill="hold">
+                                          <p:stCondLst>
+                                            <p:cond delay="0"/>
+                                          </p:stCondLst>
+                                        </p:cTn>
+                                        <p:tgtEl>
+                                          <p:spTgt spid="7"/>
+                                        </p:tgtEl>
+                                        <p:attrNameLst>
+                                          <p:attrName>style.visibility</p:attrName>
+                                        </p:attrNameLst>
+                                      </p:cBhvr>
+                                      <p:to>
+                                        <p:strVal val="visible"/>
+                                      </p:to>
+                                    </p:set>
+                                    <p:animEffect transition="in" filter="fade">
+                                      <p:cBhvr>
+                                        <p:cTn id="28" dur="1000"/>
+                                        <p:tgtEl>
+                                          <p:spTgt spid="7"/>
+                                        </p:tgtEl>
+                                      </p:cBhvr>
+                                    </p:animEffect>
+                                    <p:anim calcmode="lin" valueType="num">
+                                      <p:cBhvr>
+                                        <p:cTn id="29" dur="1000" fill="hold"/>
+                                        <p:tgtEl>
+                                          <p:spTgt spid="7"/>
+                                        </p:tgtEl>
+                                        <p:attrNameLst>
+                                          <p:attrName>ppt_x</p:attrName>
+                                        </p:attrNameLst>
+                                      </p:cBhvr>
+                                      <p:tavLst>
+                                        <p:tav tm="0">
+                                          <p:val>
+                                            <p:strVal val="#ppt_x"/>
+                                          </p:val>
+                                        </p:tav>
+                                        <p:tav tm="100000">
+                                          <p:val>
+                                            <p:strVal val="#ppt_x"/>
+                                          </p:val>
+                                        </p:tav>
+                                      </p:tavLst>
+                                    </p:anim>
+                                    <p:anim calcmode="lin" valueType="num">
+                                      <p:cBhvr>
+                                        <p:cTn id="30" dur="1000" fill="hold"/>
+                                        <p:tgtEl>
+                                          <p:spTgt spid="7"/>
+                                        </p:tgtEl>
+                                        <p:attrNameLst>
+                                          <p:attrName>ppt_y</p:attrName>
+                                        </p:attrNameLst>
+                                      </p:cBhvr>
+                                      <p:tavLst>
+                                        <p:tav tm="0">
+                                          <p:val>
+                                            <p:strVal val="#ppt_y+.1"/>
+                                          </p:val>
+                                        </p:tav>
+                                        <p:tav tm="100000">
+                                          <p:val>
+                                            <p:strVal val="#ppt_y"/>
+                                          </p:val>
+                                        </p:tav>
+                                      </p:tavLst>
+                                    </p:anim>
+                                  </p:childTnLst>
+                                </p:cTn>
+                              </p:par>
+                            </p:childTnLst>
+                          </p:cTn>
+                        </p:par>
+                      </p:childTnLst>
+                    </p:cTn>
+                  </p:par>
+                  <p:par>
+                    <p:cTn id="31" fill="hold">
+                      <p:stCondLst>
+                        <p:cond delay="indefinite"/>
+                      </p:stCondLst>
+                      <p:childTnLst>
+                        <p:par>
+                          <p:cTn id="32" fill="hold">
+                            <p:stCondLst>
+                              <p:cond delay="0"/>
+                            </p:stCondLst>
+                            <p:childTnLst>
+                              <p:par>
+                                <p:cTn id="33" presetID="42" presetClass="entr" presetSubtype="0" fill="hold" grpId="0" nodeType="clickEffect">
+                                  <p:stCondLst>
+                                    <p:cond delay="0"/>
+                                  </p:stCondLst>
+                                  <p:childTnLst>
+                                    <p:set>
+                                      <p:cBhvr>
+                                        <p:cTn id="34" dur="1" fill="hold">
+                                          <p:stCondLst>
+                                            <p:cond delay="0"/>
+                                          </p:stCondLst>
+                                        </p:cTn>
+                                        <p:tgtEl>
+                                          <p:spTgt spid="9"/>
+                                        </p:tgtEl>
+                                        <p:attrNameLst>
+                                          <p:attrName>style.visibility</p:attrName>
+                                        </p:attrNameLst>
+                                      </p:cBhvr>
+                                      <p:to>
+                                        <p:strVal val="visible"/>
+                                      </p:to>
+                                    </p:set>
+                                    <p:animEffect transition="in" filter="fade">
+                                      <p:cBhvr>
+                                        <p:cTn id="35" dur="1000"/>
+                                        <p:tgtEl>
+                                          <p:spTgt spid="9"/>
+                                        </p:tgtEl>
+                                      </p:cBhvr>
+                                    </p:animEffect>
+                                    <p:anim calcmode="lin" valueType="num">
+                                      <p:cBhvr>
+                                        <p:cTn id="36" dur="1000" fill="hold"/>
+                                        <p:tgtEl>
+                                          <p:spTgt spid="9"/>
+                                        </p:tgtEl>
+                                        <p:attrNameLst>
+                                          <p:attrName>ppt_x</p:attrName>
+                                        </p:attrNameLst>
+                                      </p:cBhvr>
+                                      <p:tavLst>
+                                        <p:tav tm="0">
+                                          <p:val>
+                                            <p:strVal val="#ppt_x"/>
+                                          </p:val>
+                                        </p:tav>
+                                        <p:tav tm="100000">
+                                          <p:val>
+                                            <p:strVal val="#ppt_x"/>
+                                          </p:val>
+                                        </p:tav>
+                                      </p:tavLst>
+                                    </p:anim>
+                                    <p:anim calcmode="lin" valueType="num">
+                                      <p:cBhvr>
+                                        <p:cTn id="37" dur="1000" fill="hold"/>
+                                        <p:tgtEl>
+                                          <p:spTgt spid="9"/>
+                                        </p:tgtEl>
+                                        <p:attrNameLst>
+                                          <p:attrName>ppt_y</p:attrName>
+                                        </p:attrNameLst>
+                                      </p:cBhvr>
+                                      <p:tavLst>
+                                        <p:tav tm="0">
+                                          <p:val>
+                                            <p:strVal val="#ppt_y+.1"/>
+                                          </p:val>
+                                        </p:tav>
+                                        <p:tav tm="100000">
+                                          <p:val>
+                                            <p:strVal val="#ppt_y"/>
+                                          </p:val>
+                                        </p:tav>
+                                      </p:tavLst>
+                                    </p:anim>
+                                  </p:childTnLst>
+                                </p:cTn>
+                              </p:par>
+                            </p:childTnLst>
+                          </p:cTn>
+                        </p:par>
+                      </p:childTnLst>
+                    </p:cTn>
+                  </p:par>
+                  <p:par>
+                    <p:cTn id="38" fill="hold">
+                      <p:stCondLst>
+                        <p:cond delay="indefinite"/>
+                      </p:stCondLst>
+                      <p:childTnLst>
+                        <p:par>
+                          <p:cTn id="39" fill="hold">
+                            <p:stCondLst>
+                              <p:cond delay="0"/>
+                            </p:stCondLst>
+                            <p:childTnLst>
+                              <p:par>
+                                <p:cTn id="40" presetID="42" presetClass="entr" presetSubtype="0" fill="hold" grpId="0" nodeType="clickEffect">
+                                  <p:stCondLst>
+                                    <p:cond delay="0"/>
+                                  </p:stCondLst>
+                                  <p:childTnLst>
+                                    <p:set>
+                                      <p:cBhvr>
+                                        <p:cTn id="41" dur="1" fill="hold">
+                                          <p:stCondLst>
+                                            <p:cond delay="0"/>
+                                          </p:stCondLst>
+                                        </p:cTn>
+                                        <p:tgtEl>
+                                          <p:spTgt spid="11"/>
+                                        </p:tgtEl>
+                                        <p:attrNameLst>
+                                          <p:attrName>style.visibility</p:attrName>
+                                        </p:attrNameLst>
+                                      </p:cBhvr>
+                                      <p:to>
+                                        <p:strVal val="visible"/>
+                                      </p:to>
+                                    </p:set>
+                                    <p:animEffect transition="in" filter="fade">
+                                      <p:cBhvr>
+                                        <p:cTn id="42" dur="1000"/>
+                                        <p:tgtEl>
+                                          <p:spTgt spid="11"/>
+                                        </p:tgtEl>
+                                      </p:cBhvr>
+                                    </p:animEffect>
+                                    <p:anim calcmode="lin" valueType="num">
+                                      <p:cBhvr>
+                                        <p:cTn id="43" dur="1000" fill="hold"/>
+                                        <p:tgtEl>
+                                          <p:spTgt spid="11"/>
+                                        </p:tgtEl>
+                                        <p:attrNameLst>
+                                          <p:attrName>ppt_x</p:attrName>
+                                        </p:attrNameLst>
+                                      </p:cBhvr>
+                                      <p:tavLst>
+                                        <p:tav tm="0">
+                                          <p:val>
+                                            <p:strVal val="#ppt_x"/>
+                                          </p:val>
+                                        </p:tav>
+                                        <p:tav tm="100000">
+                                          <p:val>
+                                            <p:strVal val="#ppt_x"/>
+                                          </p:val>
+                                        </p:tav>
+                                      </p:tavLst>
+                                    </p:anim>
+                                    <p:anim calcmode="lin" valueType="num">
+                                      <p:cBhvr>
+                                        <p:cTn id="44" dur="1000" fill="hold"/>
+                                        <p:tgtEl>
+                                          <p:spTgt spid="11"/>
+                                        </p:tgtEl>
+                                        <p:attrNameLst>
+                                          <p:attrName>ppt_y</p:attrName>
+                                        </p:attrNameLst>
+                                      </p:cBhvr>
+                                      <p:tavLst>
+                                        <p:tav tm="0">
+                                          <p:val>
+                                            <p:strVal val="#ppt_y+.1"/>
+                                          </p:val>
+                                        </p:tav>
+                                        <p:tav tm="100000">
+                                          <p:val>
+                                            <p:strVal val="#ppt_y"/>
+                                          </p:val>
+                                        </p:tav>
+                                      </p:tavLst>
+                                    </p:anim>
+                                  </p:childTnLst>
+                                </p:cTn>
+                              </p:par>
+                            </p:childTnLst>
+                          </p:cTn>
+                        </p:par>
+                      </p:childTnLst>
+                    </p:cTn>
+                  </p:par>
+                  <p:par>
+                    <p:cTn id="45" fill="hold">
+                      <p:stCondLst>
+                        <p:cond delay="indefinite"/>
+                      </p:stCondLst>
+                      <p:childTnLst>
+                        <p:par>
+                          <p:cTn id="46" fill="hold">
+                            <p:stCondLst>
+                              <p:cond delay="0"/>
+                            </p:stCondLst>
+                            <p:childTnLst>
+                              <p:par>
+                                <p:cTn id="47" presetID="42" presetClass="entr" presetSubtype="0" fill="hold" grpId="0" nodeType="clickEffect">
+                                  <p:stCondLst>
+                                    <p:cond delay="0"/>
+                                  </p:stCondLst>
+                                  <p:childTnLst>
+                                    <p:set>
+                                      <p:cBhvr>
+                                        <p:cTn id="48" dur="1" fill="hold">
+                                          <p:stCondLst>
+                                            <p:cond delay="0"/>
+                                          </p:stCondLst>
+                                        </p:cTn>
+                                        <p:tgtEl>
+                                          <p:spTgt spid="13"/>
+                                        </p:tgtEl>
+                                        <p:attrNameLst>
+                                          <p:attrName>style.visibility</p:attrName>
+                                        </p:attrNameLst>
+                                      </p:cBhvr>
+                                      <p:to>
+                                        <p:strVal val="visible"/>
+                                      </p:to>
+                                    </p:set>
+                                    <p:animEffect transition="in" filter="fade">
+                                      <p:cBhvr>
+                                        <p:cTn id="49" dur="1000"/>
+                                        <p:tgtEl>
+                                          <p:spTgt spid="13"/>
+                                        </p:tgtEl>
+                                      </p:cBhvr>
+                                    </p:animEffect>
+                                    <p:anim calcmode="lin" valueType="num">
+                                      <p:cBhvr>
+                                        <p:cTn id="50" dur="1000" fill="hold"/>
+                                        <p:tgtEl>
+                                          <p:spTgt spid="13"/>
+                                        </p:tgtEl>
+                                        <p:attrNameLst>
+                                          <p:attrName>ppt_x</p:attrName>
+                                        </p:attrNameLst>
+                                      </p:cBhvr>
+                                      <p:tavLst>
+                                        <p:tav tm="0">
+                                          <p:val>
+                                            <p:strVal val="#ppt_x"/>
+                                          </p:val>
+                                        </p:tav>
+                                        <p:tav tm="100000">
+                                          <p:val>
+                                            <p:strVal val="#ppt_x"/>
+                                          </p:val>
+                                        </p:tav>
+                                      </p:tavLst>
+                                    </p:anim>
+                                    <p:anim calcmode="lin" valueType="num">
+                                      <p:cBhvr>
+                                        <p:cTn id="51" dur="1000" fill="hold"/>
+                                        <p:tgtEl>
+                                          <p:spTgt spid="13"/>
+                                        </p:tgtEl>
+                                        <p:attrNameLst>
+                                          <p:attrName>ppt_y</p:attrName>
+                                        </p:attrNameLst>
+                                      </p:cBhvr>
+                                      <p:tavLst>
+                                        <p:tav tm="0">
+                                          <p:val>
+                                            <p:strVal val="#ppt_y+.1"/>
+                                          </p:val>
+                                        </p:tav>
+                                        <p:tav tm="100000">
+                                          <p:val>
+                                            <p:strVal val="#ppt_y"/>
+                                          </p:val>
+                                        </p:tav>
+                                      </p:tavLst>
+                                    </p:anim>
+                                  </p:childTnLst>
+                                </p:cTn>
+                              </p:par>
+                            </p:childTnLst>
+                          </p:cTn>
+                        </p:par>
+                      </p:childTnLst>
+                    </p:cTn>
+                  </p:par>
+                  <p:par>
+                    <p:cTn id="52" fill="hold">
+                      <p:stCondLst>
+                        <p:cond delay="indefinite"/>
+                      </p:stCondLst>
+                      <p:childTnLst>
+                        <p:par>
+                          <p:cTn id="53" fill="hold">
+                            <p:stCondLst>
+                              <p:cond delay="0"/>
+                            </p:stCondLst>
+                            <p:childTnLst>
+                              <p:par>
+                                <p:cTn id="54" presetID="42" presetClass="entr" presetSubtype="0" fill="hold" grpId="0" nodeType="clickEffect">
+                                  <p:stCondLst>
+                                    <p:cond delay="0"/>
+                                  </p:stCondLst>
+                                  <p:childTnLst>
+                                    <p:set>
+                                      <p:cBhvr>
+                                        <p:cTn id="55" dur="1" fill="hold">
+                                          <p:stCondLst>
+                                            <p:cond delay="0"/>
+                                          </p:stCondLst>
+                                        </p:cTn>
+                                        <p:tgtEl>
+                                          <p:spTgt spid="15"/>
+                                        </p:tgtEl>
+                                        <p:attrNameLst>
+                                          <p:attrName>style.visibility</p:attrName>
+                                        </p:attrNameLst>
+                                      </p:cBhvr>
+                                      <p:to>
+                                        <p:strVal val="visible"/>
+                                      </p:to>
+                                    </p:set>
+                                    <p:animEffect transition="in" filter="fade">
+                                      <p:cBhvr>
+                                        <p:cTn id="56" dur="1000"/>
+                                        <p:tgtEl>
+                                          <p:spTgt spid="15"/>
+                                        </p:tgtEl>
+                                      </p:cBhvr>
+                                    </p:animEffect>
+                                    <p:anim calcmode="lin" valueType="num">
+                                      <p:cBhvr>
+                                        <p:cTn id="57" dur="1000" fill="hold"/>
+                                        <p:tgtEl>
+                                          <p:spTgt spid="15"/>
+                                        </p:tgtEl>
+                                        <p:attrNameLst>
+                                          <p:attrName>ppt_x</p:attrName>
+                                        </p:attrNameLst>
+                                      </p:cBhvr>
+                                      <p:tavLst>
+                                        <p:tav tm="0">
+                                          <p:val>
+                                            <p:strVal val="#ppt_x"/>
+                                          </p:val>
+                                        </p:tav>
+                                        <p:tav tm="100000">
+                                          <p:val>
+                                            <p:strVal val="#ppt_x"/>
+                                          </p:val>
+                                        </p:tav>
+                                      </p:tavLst>
+                                    </p:anim>
+                                    <p:anim calcmode="lin" valueType="num">
+                                      <p:cBhvr>
+                                        <p:cTn id="58" dur="1000" fill="hold"/>
+                                        <p:tgtEl>
+                                          <p:spTgt spid="15"/>
+                                        </p:tgtEl>
+                                        <p:attrNameLst>
+                                          <p:attrName>ppt_y</p:attrName>
+                                        </p:attrNameLst>
+                                      </p:cBhvr>
+                                      <p:tavLst>
+                                        <p:tav tm="0">
+                                          <p:val>
+                                            <p:strVal val="#ppt_y+.1"/>
+                                          </p:val>
+                                        </p:tav>
+                                        <p:tav tm="100000">
+                                          <p:val>
+                                            <p:strVal val="#ppt_y"/>
+                                          </p:val>
+                                        </p:tav>
+                                      </p:tavLst>
+                                    </p:anim>
+                                  </p:childTnLst>
+                                </p:cTn>
+                              </p:par>
+                            </p:childTnLst>
+                          </p:cTn>
+                        </p:par>
+                      </p:childTnLst>
+                    </p:cTn>
+                  </p:par>
                 </p:childTnLst>
               </p:cTn>
               <p:prevCondLst>
@@ -6968,6 +8181,13 @@
     </p:tnLst>
     <p:bldLst>
       <p:bldP spid="2" grpId="0"/>
+      <p:bldP spid="3" grpId="0"/>
+      <p:bldP spid="5" grpId="0"/>
+      <p:bldP spid="7" grpId="0"/>
+      <p:bldP spid="9" grpId="0"/>
+      <p:bldP spid="11" grpId="0"/>
+      <p:bldP spid="13" grpId="0"/>
+      <p:bldP spid="15" grpId="0"/>
     </p:bldLst>
   </p:timing>
 </p:sld>
@@ -7319,7 +8539,7 @@
         </p:nvSpPr>
         <p:spPr>
           <a:xfrm>
-            <a:off x="6096000" y="3075675"/>
+            <a:off x="5774436" y="3026380"/>
             <a:ext cx="6055574" cy="338554"/>
           </a:xfrm>
           <a:prstGeom prst="rect">
@@ -7407,8 +8627,8 @@
         </p:nvSpPr>
         <p:spPr>
           <a:xfrm>
-            <a:off x="6096000" y="3554586"/>
-            <a:ext cx="5637196" cy="338554"/>
+            <a:off x="5774436" y="3557524"/>
+            <a:ext cx="6434970" cy="338554"/>
           </a:xfrm>
           <a:prstGeom prst="rect">
             <a:avLst/>
@@ -7426,6 +8646,18 @@
                 <a:latin typeface="Consolas" panose="020B0609020204030204" pitchFamily="49" charset="0"/>
               </a:rPr>
               <a:t>if (</a:t>
+            </a:r>
+            <a:r>
+              <a:rPr lang="en-US" altLang="zh-CN" sz="1600" dirty="0" err="1">
+                <a:latin typeface="Consolas" panose="020B0609020204030204" pitchFamily="49" charset="0"/>
+              </a:rPr>
+              <a:t>i</a:t>
+            </a:r>
+            <a:r>
+              <a:rPr lang="en-US" altLang="zh-CN" sz="1600" dirty="0">
+                <a:latin typeface="Consolas" panose="020B0609020204030204" pitchFamily="49" charset="0"/>
+              </a:rPr>
+              <a:t> &lt; j &amp;&amp; </a:t>
             </a:r>
             <a:r>
               <a:rPr lang="en-US" altLang="zh-CN" sz="1600" dirty="0" err="1">
@@ -7731,7 +8963,7 @@
         </p:nvSpPr>
         <p:spPr>
           <a:xfrm>
-            <a:off x="6096000" y="2554161"/>
+            <a:off x="5774436" y="2572314"/>
             <a:ext cx="4089774" cy="338554"/>
           </a:xfrm>
           <a:prstGeom prst="rect">

--- a/miao/LC1-two-sum(时间复杂度简介).pptx
+++ b/miao/LC1-two-sum(时间复杂度简介).pptx
@@ -5,7 +5,7 @@
     <p:sldMasterId id="2147483648" r:id="rId1"/>
   </p:sldMasterIdLst>
   <p:notesMasterIdLst>
-    <p:notesMasterId r:id="rId17"/>
+    <p:notesMasterId r:id="rId20"/>
   </p:notesMasterIdLst>
   <p:sldIdLst>
     <p:sldId id="256" r:id="rId2"/>
@@ -23,6 +23,9 @@
     <p:sldId id="268" r:id="rId14"/>
     <p:sldId id="270" r:id="rId15"/>
     <p:sldId id="269" r:id="rId16"/>
+    <p:sldId id="271" r:id="rId17"/>
+    <p:sldId id="272" r:id="rId18"/>
+    <p:sldId id="273" r:id="rId19"/>
   </p:sldIdLst>
   <p:sldSz cx="12192000" cy="6858000"/>
   <p:notesSz cx="6858000" cy="9144000"/>
@@ -211,7 +214,7 @@
           <a:p>
             <a:fld id="{92102D14-9D92-4083-B1FA-946E7240644B}" type="datetimeFigureOut">
               <a:rPr lang="zh-CN" altLang="en-US" smtClean="0"/>
-              <a:t>2021/10/20</a:t>
+              <a:t>2021/10/21</a:t>
             </a:fld>
             <a:endParaRPr lang="zh-CN" altLang="en-US"/>
           </a:p>
@@ -793,7 +796,7 @@
           <a:p>
             <a:fld id="{F554FFFA-7CE9-4B63-B3C9-FCEC754BCF45}" type="datetimeFigureOut">
               <a:rPr lang="zh-CN" altLang="en-US" smtClean="0"/>
-              <a:t>2021/10/20</a:t>
+              <a:t>2021/10/21</a:t>
             </a:fld>
             <a:endParaRPr lang="zh-CN" altLang="en-US"/>
           </a:p>
@@ -991,7 +994,7 @@
           <a:p>
             <a:fld id="{F554FFFA-7CE9-4B63-B3C9-FCEC754BCF45}" type="datetimeFigureOut">
               <a:rPr lang="zh-CN" altLang="en-US" smtClean="0"/>
-              <a:t>2021/10/20</a:t>
+              <a:t>2021/10/21</a:t>
             </a:fld>
             <a:endParaRPr lang="zh-CN" altLang="en-US"/>
           </a:p>
@@ -1199,7 +1202,7 @@
           <a:p>
             <a:fld id="{F554FFFA-7CE9-4B63-B3C9-FCEC754BCF45}" type="datetimeFigureOut">
               <a:rPr lang="zh-CN" altLang="en-US" smtClean="0"/>
-              <a:t>2021/10/20</a:t>
+              <a:t>2021/10/21</a:t>
             </a:fld>
             <a:endParaRPr lang="zh-CN" altLang="en-US"/>
           </a:p>
@@ -1397,7 +1400,7 @@
           <a:p>
             <a:fld id="{F554FFFA-7CE9-4B63-B3C9-FCEC754BCF45}" type="datetimeFigureOut">
               <a:rPr lang="zh-CN" altLang="en-US" smtClean="0"/>
-              <a:t>2021/10/20</a:t>
+              <a:t>2021/10/21</a:t>
             </a:fld>
             <a:endParaRPr lang="zh-CN" altLang="en-US"/>
           </a:p>
@@ -1672,7 +1675,7 @@
           <a:p>
             <a:fld id="{F554FFFA-7CE9-4B63-B3C9-FCEC754BCF45}" type="datetimeFigureOut">
               <a:rPr lang="zh-CN" altLang="en-US" smtClean="0"/>
-              <a:t>2021/10/20</a:t>
+              <a:t>2021/10/21</a:t>
             </a:fld>
             <a:endParaRPr lang="zh-CN" altLang="en-US"/>
           </a:p>
@@ -1937,7 +1940,7 @@
           <a:p>
             <a:fld id="{F554FFFA-7CE9-4B63-B3C9-FCEC754BCF45}" type="datetimeFigureOut">
               <a:rPr lang="zh-CN" altLang="en-US" smtClean="0"/>
-              <a:t>2021/10/20</a:t>
+              <a:t>2021/10/21</a:t>
             </a:fld>
             <a:endParaRPr lang="zh-CN" altLang="en-US"/>
           </a:p>
@@ -2349,7 +2352,7 @@
           <a:p>
             <a:fld id="{F554FFFA-7CE9-4B63-B3C9-FCEC754BCF45}" type="datetimeFigureOut">
               <a:rPr lang="zh-CN" altLang="en-US" smtClean="0"/>
-              <a:t>2021/10/20</a:t>
+              <a:t>2021/10/21</a:t>
             </a:fld>
             <a:endParaRPr lang="zh-CN" altLang="en-US"/>
           </a:p>
@@ -2490,7 +2493,7 @@
           <a:p>
             <a:fld id="{F554FFFA-7CE9-4B63-B3C9-FCEC754BCF45}" type="datetimeFigureOut">
               <a:rPr lang="zh-CN" altLang="en-US" smtClean="0"/>
-              <a:t>2021/10/20</a:t>
+              <a:t>2021/10/21</a:t>
             </a:fld>
             <a:endParaRPr lang="zh-CN" altLang="en-US"/>
           </a:p>
@@ -2603,7 +2606,7 @@
           <a:p>
             <a:fld id="{F554FFFA-7CE9-4B63-B3C9-FCEC754BCF45}" type="datetimeFigureOut">
               <a:rPr lang="zh-CN" altLang="en-US" smtClean="0"/>
-              <a:t>2021/10/20</a:t>
+              <a:t>2021/10/21</a:t>
             </a:fld>
             <a:endParaRPr lang="zh-CN" altLang="en-US"/>
           </a:p>
@@ -2914,7 +2917,7 @@
           <a:p>
             <a:fld id="{F554FFFA-7CE9-4B63-B3C9-FCEC754BCF45}" type="datetimeFigureOut">
               <a:rPr lang="zh-CN" altLang="en-US" smtClean="0"/>
-              <a:t>2021/10/20</a:t>
+              <a:t>2021/10/21</a:t>
             </a:fld>
             <a:endParaRPr lang="zh-CN" altLang="en-US"/>
           </a:p>
@@ -3202,7 +3205,7 @@
           <a:p>
             <a:fld id="{F554FFFA-7CE9-4B63-B3C9-FCEC754BCF45}" type="datetimeFigureOut">
               <a:rPr lang="zh-CN" altLang="en-US" smtClean="0"/>
-              <a:t>2021/10/20</a:t>
+              <a:t>2021/10/21</a:t>
             </a:fld>
             <a:endParaRPr lang="zh-CN" altLang="en-US"/>
           </a:p>
@@ -3443,7 +3446,7 @@
           <a:p>
             <a:fld id="{F554FFFA-7CE9-4B63-B3C9-FCEC754BCF45}" type="datetimeFigureOut">
               <a:rPr lang="zh-CN" altLang="en-US" smtClean="0"/>
-              <a:t>2021/10/20</a:t>
+              <a:t>2021/10/21</a:t>
             </a:fld>
             <a:endParaRPr lang="zh-CN" altLang="en-US"/>
           </a:p>
@@ -7091,7 +7094,7 @@
               <a:rPr lang="zh-CN" altLang="en-US" sz="1600" dirty="0">
                 <a:latin typeface="Consolas" panose="020B0609020204030204" pitchFamily="49" charset="0"/>
               </a:rPr>
-              <a:t>为两只之中的较小值</a:t>
+              <a:t>为两者之中的较小值</a:t>
             </a:r>
             <a:r>
               <a:rPr lang="en-US" altLang="zh-CN" sz="1600" dirty="0">
@@ -8423,7 +8426,7 @@
         </p:nvSpPr>
         <p:spPr>
           <a:xfrm>
-            <a:off x="1810512" y="2576703"/>
+            <a:off x="1810512" y="2560122"/>
             <a:ext cx="3963924" cy="338554"/>
           </a:xfrm>
           <a:prstGeom prst="rect">
@@ -8481,7 +8484,7 @@
         </p:nvSpPr>
         <p:spPr>
           <a:xfrm>
-            <a:off x="1810512" y="2572314"/>
+            <a:off x="1810512" y="2564523"/>
             <a:ext cx="4089774" cy="338554"/>
           </a:xfrm>
           <a:prstGeom prst="rect">
@@ -9443,83 +9446,83 @@
                             </p:stCondLst>
                             <p:childTnLst>
                               <p:par>
-                                <p:cTn id="33" presetID="42" presetClass="entr" presetSubtype="0" fill="hold" grpId="0" nodeType="clickEffect">
+                                <p:cTn id="33" presetID="42" presetClass="exit" presetSubtype="0" fill="hold" grpId="1" nodeType="clickEffect">
                                   <p:stCondLst>
                                     <p:cond delay="0"/>
                                   </p:stCondLst>
                                   <p:childTnLst>
+                                    <p:animEffect transition="out" filter="fade">
+                                      <p:cBhvr>
+                                        <p:cTn id="34" dur="1000"/>
+                                        <p:tgtEl>
+                                          <p:spTgt spid="9"/>
+                                        </p:tgtEl>
+                                      </p:cBhvr>
+                                    </p:animEffect>
+                                    <p:anim calcmode="lin" valueType="num">
+                                      <p:cBhvr>
+                                        <p:cTn id="35" dur="1000"/>
+                                        <p:tgtEl>
+                                          <p:spTgt spid="9"/>
+                                        </p:tgtEl>
+                                        <p:attrNameLst>
+                                          <p:attrName>ppt_x</p:attrName>
+                                        </p:attrNameLst>
+                                      </p:cBhvr>
+                                      <p:tavLst>
+                                        <p:tav tm="0">
+                                          <p:val>
+                                            <p:strVal val="ppt_x"/>
+                                          </p:val>
+                                        </p:tav>
+                                        <p:tav tm="100000">
+                                          <p:val>
+                                            <p:strVal val="ppt_x"/>
+                                          </p:val>
+                                        </p:tav>
+                                      </p:tavLst>
+                                    </p:anim>
+                                    <p:anim calcmode="lin" valueType="num">
+                                      <p:cBhvr>
+                                        <p:cTn id="36" dur="1000"/>
+                                        <p:tgtEl>
+                                          <p:spTgt spid="9"/>
+                                        </p:tgtEl>
+                                        <p:attrNameLst>
+                                          <p:attrName>ppt_y</p:attrName>
+                                        </p:attrNameLst>
+                                      </p:cBhvr>
+                                      <p:tavLst>
+                                        <p:tav tm="0">
+                                          <p:val>
+                                            <p:strVal val="ppt_y"/>
+                                          </p:val>
+                                        </p:tav>
+                                        <p:tav tm="100000">
+                                          <p:val>
+                                            <p:strVal val="ppt_y+.1"/>
+                                          </p:val>
+                                        </p:tav>
+                                      </p:tavLst>
+                                    </p:anim>
                                     <p:set>
                                       <p:cBhvr>
-                                        <p:cTn id="34" dur="1" fill="hold">
+                                        <p:cTn id="37" dur="1" fill="hold">
                                           <p:stCondLst>
-                                            <p:cond delay="0"/>
+                                            <p:cond delay="999"/>
                                           </p:stCondLst>
                                         </p:cTn>
                                         <p:tgtEl>
-                                          <p:spTgt spid="15"/>
+                                          <p:spTgt spid="9"/>
                                         </p:tgtEl>
                                         <p:attrNameLst>
                                           <p:attrName>style.visibility</p:attrName>
                                         </p:attrNameLst>
                                       </p:cBhvr>
                                       <p:to>
-                                        <p:strVal val="visible"/>
+                                        <p:strVal val="hidden"/>
                                       </p:to>
                                     </p:set>
-                                    <p:animEffect transition="in" filter="fade">
-                                      <p:cBhvr>
-                                        <p:cTn id="35" dur="1000"/>
-                                        <p:tgtEl>
-                                          <p:spTgt spid="15"/>
-                                        </p:tgtEl>
-                                      </p:cBhvr>
-                                    </p:animEffect>
-                                    <p:anim calcmode="lin" valueType="num">
-                                      <p:cBhvr>
-                                        <p:cTn id="36" dur="1000" fill="hold"/>
-                                        <p:tgtEl>
-                                          <p:spTgt spid="15"/>
-                                        </p:tgtEl>
-                                        <p:attrNameLst>
-                                          <p:attrName>ppt_x</p:attrName>
-                                        </p:attrNameLst>
-                                      </p:cBhvr>
-                                      <p:tavLst>
-                                        <p:tav tm="0">
-                                          <p:val>
-                                            <p:strVal val="#ppt_x"/>
-                                          </p:val>
-                                        </p:tav>
-                                        <p:tav tm="100000">
-                                          <p:val>
-                                            <p:strVal val="#ppt_x"/>
-                                          </p:val>
-                                        </p:tav>
-                                      </p:tavLst>
-                                    </p:anim>
-                                    <p:anim calcmode="lin" valueType="num">
-                                      <p:cBhvr>
-                                        <p:cTn id="37" dur="1000" fill="hold"/>
-                                        <p:tgtEl>
-                                          <p:spTgt spid="15"/>
-                                        </p:tgtEl>
-                                        <p:attrNameLst>
-                                          <p:attrName>ppt_y</p:attrName>
-                                        </p:attrNameLst>
-                                      </p:cBhvr>
-                                      <p:tavLst>
-                                        <p:tav tm="0">
-                                          <p:val>
-                                            <p:strVal val="#ppt_y+.1"/>
-                                          </p:val>
-                                        </p:tav>
-                                        <p:tav tm="100000">
-                                          <p:val>
-                                            <p:strVal val="#ppt_y"/>
-                                          </p:val>
-                                        </p:tav>
-                                      </p:tavLst>
-                                    </p:anim>
                                   </p:childTnLst>
                                 </p:cTn>
                               </p:par>
@@ -9542,24 +9545,42 @@
                             </p:stCondLst>
                             <p:childTnLst>
                               <p:par>
-                                <p:cTn id="40" presetID="42" presetClass="exit" presetSubtype="0" fill="hold" grpId="1" nodeType="clickEffect">
+                                <p:cTn id="40" presetID="42" presetClass="entr" presetSubtype="0" fill="hold" grpId="0" nodeType="clickEffect">
                                   <p:stCondLst>
                                     <p:cond delay="0"/>
                                   </p:stCondLst>
                                   <p:childTnLst>
-                                    <p:animEffect transition="out" filter="fade">
-                                      <p:cBhvr>
-                                        <p:cTn id="41" dur="1000"/>
-                                        <p:tgtEl>
-                                          <p:spTgt spid="9"/>
+                                    <p:set>
+                                      <p:cBhvr>
+                                        <p:cTn id="41" dur="1" fill="hold">
+                                          <p:stCondLst>
+                                            <p:cond delay="0"/>
+                                          </p:stCondLst>
+                                        </p:cTn>
+                                        <p:tgtEl>
+                                          <p:spTgt spid="11"/>
+                                        </p:tgtEl>
+                                        <p:attrNameLst>
+                                          <p:attrName>style.visibility</p:attrName>
+                                        </p:attrNameLst>
+                                      </p:cBhvr>
+                                      <p:to>
+                                        <p:strVal val="visible"/>
+                                      </p:to>
+                                    </p:set>
+                                    <p:animEffect transition="in" filter="fade">
+                                      <p:cBhvr>
+                                        <p:cTn id="42" dur="1000"/>
+                                        <p:tgtEl>
+                                          <p:spTgt spid="11"/>
                                         </p:tgtEl>
                                       </p:cBhvr>
                                     </p:animEffect>
                                     <p:anim calcmode="lin" valueType="num">
                                       <p:cBhvr>
-                                        <p:cTn id="42" dur="1000"/>
-                                        <p:tgtEl>
-                                          <p:spTgt spid="9"/>
+                                        <p:cTn id="43" dur="1000" fill="hold"/>
+                                        <p:tgtEl>
+                                          <p:spTgt spid="11"/>
                                         </p:tgtEl>
                                         <p:attrNameLst>
                                           <p:attrName>ppt_x</p:attrName>
@@ -9568,21 +9589,21 @@
                                       <p:tavLst>
                                         <p:tav tm="0">
                                           <p:val>
-                                            <p:strVal val="ppt_x"/>
+                                            <p:strVal val="#ppt_x"/>
                                           </p:val>
                                         </p:tav>
                                         <p:tav tm="100000">
                                           <p:val>
-                                            <p:strVal val="ppt_x"/>
+                                            <p:strVal val="#ppt_x"/>
                                           </p:val>
                                         </p:tav>
                                       </p:tavLst>
                                     </p:anim>
                                     <p:anim calcmode="lin" valueType="num">
                                       <p:cBhvr>
-                                        <p:cTn id="43" dur="1000"/>
-                                        <p:tgtEl>
-                                          <p:spTgt spid="9"/>
+                                        <p:cTn id="44" dur="1000" fill="hold"/>
+                                        <p:tgtEl>
+                                          <p:spTgt spid="11"/>
                                         </p:tgtEl>
                                         <p:attrNameLst>
                                           <p:attrName>ppt_y</p:attrName>
@@ -9591,34 +9612,16 @@
                                       <p:tavLst>
                                         <p:tav tm="0">
                                           <p:val>
-                                            <p:strVal val="ppt_y"/>
+                                            <p:strVal val="#ppt_y+.1"/>
                                           </p:val>
                                         </p:tav>
                                         <p:tav tm="100000">
                                           <p:val>
-                                            <p:strVal val="ppt_y+.1"/>
+                                            <p:strVal val="#ppt_y"/>
                                           </p:val>
                                         </p:tav>
                                       </p:tavLst>
                                     </p:anim>
-                                    <p:set>
-                                      <p:cBhvr>
-                                        <p:cTn id="44" dur="1" fill="hold">
-                                          <p:stCondLst>
-                                            <p:cond delay="999"/>
-                                          </p:stCondLst>
-                                        </p:cTn>
-                                        <p:tgtEl>
-                                          <p:spTgt spid="9"/>
-                                        </p:tgtEl>
-                                        <p:attrNameLst>
-                                          <p:attrName>style.visibility</p:attrName>
-                                        </p:attrNameLst>
-                                      </p:cBhvr>
-                                      <p:to>
-                                        <p:strVal val="hidden"/>
-                                      </p:to>
-                                    </p:set>
                                   </p:childTnLst>
                                 </p:cTn>
                               </p:par>
@@ -9654,7 +9657,7 @@
                                           </p:stCondLst>
                                         </p:cTn>
                                         <p:tgtEl>
-                                          <p:spTgt spid="11"/>
+                                          <p:spTgt spid="15"/>
                                         </p:tgtEl>
                                         <p:attrNameLst>
                                           <p:attrName>style.visibility</p:attrName>
@@ -9668,7 +9671,7 @@
                                       <p:cBhvr>
                                         <p:cTn id="49" dur="1000"/>
                                         <p:tgtEl>
-                                          <p:spTgt spid="11"/>
+                                          <p:spTgt spid="15"/>
                                         </p:tgtEl>
                                       </p:cBhvr>
                                     </p:animEffect>
@@ -9676,7 +9679,7 @@
                                       <p:cBhvr>
                                         <p:cTn id="50" dur="1000" fill="hold"/>
                                         <p:tgtEl>
-                                          <p:spTgt spid="11"/>
+                                          <p:spTgt spid="15"/>
                                         </p:tgtEl>
                                         <p:attrNameLst>
                                           <p:attrName>ppt_x</p:attrName>
@@ -9699,7 +9702,7 @@
                                       <p:cBhvr>
                                         <p:cTn id="51" dur="1000" fill="hold"/>
                                         <p:tgtEl>
-                                          <p:spTgt spid="11"/>
+                                          <p:spTgt spid="15"/>
                                         </p:tgtEl>
                                         <p:attrNameLst>
                                           <p:attrName>ppt_y</p:attrName>
@@ -10078,10 +10081,3805 @@
           <a:chExt cx="0" cy="0"/>
         </a:xfrm>
       </p:grpSpPr>
+      <p:sp>
+        <p:nvSpPr>
+          <p:cNvPr id="3" name="文本框 2">
+            <a:extLst>
+              <a:ext uri="{FF2B5EF4-FFF2-40B4-BE49-F238E27FC236}">
+                <a16:creationId xmlns:a16="http://schemas.microsoft.com/office/drawing/2014/main" id="{5AA68DC5-1F8D-49FB-B4A6-02849DC6F1AC}"/>
+              </a:ext>
+            </a:extLst>
+          </p:cNvPr>
+          <p:cNvSpPr txBox="1"/>
+          <p:nvPr/>
+        </p:nvSpPr>
+        <p:spPr>
+          <a:xfrm>
+            <a:off x="1010412" y="768096"/>
+            <a:ext cx="4764024" cy="461665"/>
+          </a:xfrm>
+          <a:prstGeom prst="rect">
+            <a:avLst/>
+          </a:prstGeom>
+          <a:noFill/>
+        </p:spPr>
+        <p:txBody>
+          <a:bodyPr wrap="square" rtlCol="0">
+            <a:spAutoFit/>
+          </a:bodyPr>
+          <a:lstStyle/>
+          <a:p>
+            <a:r>
+              <a:rPr lang="en-US" altLang="zh-CN" sz="2400" b="1" dirty="0"/>
+              <a:t>LeetCode-1</a:t>
+            </a:r>
+            <a:r>
+              <a:rPr lang="zh-CN" altLang="en-US" sz="2400" b="1" dirty="0"/>
+              <a:t>：</a:t>
+            </a:r>
+            <a:r>
+              <a:rPr lang="en-US" altLang="zh-CN" sz="2400" b="1" dirty="0"/>
+              <a:t>two-sum/</a:t>
+            </a:r>
+            <a:r>
+              <a:rPr lang="zh-CN" altLang="en-US" sz="2400" b="1" dirty="0"/>
+              <a:t>两数之和</a:t>
+            </a:r>
+          </a:p>
+        </p:txBody>
+      </p:sp>
+      <p:sp>
+        <p:nvSpPr>
+          <p:cNvPr id="5" name="文本框 4">
+            <a:extLst>
+              <a:ext uri="{FF2B5EF4-FFF2-40B4-BE49-F238E27FC236}">
+                <a16:creationId xmlns:a16="http://schemas.microsoft.com/office/drawing/2014/main" id="{48851DD7-A500-4273-85B1-00A66AAF6203}"/>
+              </a:ext>
+            </a:extLst>
+          </p:cNvPr>
+          <p:cNvSpPr txBox="1"/>
+          <p:nvPr/>
+        </p:nvSpPr>
+        <p:spPr>
+          <a:xfrm>
+            <a:off x="1810512" y="1428419"/>
+            <a:ext cx="7927848" cy="830997"/>
+          </a:xfrm>
+          <a:prstGeom prst="rect">
+            <a:avLst/>
+          </a:prstGeom>
+          <a:noFill/>
+        </p:spPr>
+        <p:txBody>
+          <a:bodyPr wrap="square" rtlCol="0">
+            <a:spAutoFit/>
+          </a:bodyPr>
+          <a:lstStyle/>
+          <a:p>
+            <a:r>
+              <a:rPr lang="zh-CN" altLang="en-US" sz="1600" dirty="0">
+                <a:latin typeface="Consolas" panose="020B0609020204030204" pitchFamily="49" charset="0"/>
+              </a:rPr>
+              <a:t>排序会打乱原数组的顺序：</a:t>
+            </a:r>
+            <a:endParaRPr lang="en-US" altLang="zh-CN" sz="1600" dirty="0">
+              <a:latin typeface="Consolas" panose="020B0609020204030204" pitchFamily="49" charset="0"/>
+            </a:endParaRPr>
+          </a:p>
+          <a:p>
+            <a:r>
+              <a:rPr lang="zh-CN" altLang="en-US" sz="1600" dirty="0">
+                <a:latin typeface="Consolas" panose="020B0609020204030204" pitchFamily="49" charset="0"/>
+              </a:rPr>
+              <a:t>如给定数组 </a:t>
+            </a:r>
+            <a:r>
+              <a:rPr lang="en-US" altLang="zh-CN" sz="1600" dirty="0">
+                <a:latin typeface="Consolas" panose="020B0609020204030204" pitchFamily="49" charset="0"/>
+              </a:rPr>
+              <a:t>[3,2,4] </a:t>
+            </a:r>
+            <a:r>
+              <a:rPr lang="zh-CN" altLang="en-US" sz="1600" dirty="0">
+                <a:latin typeface="Consolas" panose="020B0609020204030204" pitchFamily="49" charset="0"/>
+              </a:rPr>
+              <a:t>和</a:t>
+            </a:r>
+            <a:r>
+              <a:rPr lang="en-US" altLang="zh-CN" sz="1600" dirty="0">
+                <a:latin typeface="Consolas" panose="020B0609020204030204" pitchFamily="49" charset="0"/>
+              </a:rPr>
+              <a:t>target 6, </a:t>
+            </a:r>
+            <a:r>
+              <a:rPr lang="zh-CN" altLang="en-US" sz="1600" dirty="0">
+                <a:latin typeface="Consolas" panose="020B0609020204030204" pitchFamily="49" charset="0"/>
+              </a:rPr>
+              <a:t>期望的答案是 </a:t>
+            </a:r>
+            <a:r>
+              <a:rPr lang="en-US" altLang="zh-CN" sz="1600" dirty="0">
+                <a:latin typeface="Consolas" panose="020B0609020204030204" pitchFamily="49" charset="0"/>
+              </a:rPr>
+              <a:t>[1, 2]</a:t>
+            </a:r>
+          </a:p>
+          <a:p>
+            <a:r>
+              <a:rPr lang="zh-CN" altLang="en-US" sz="1600" dirty="0">
+                <a:latin typeface="Consolas" panose="020B0609020204030204" pitchFamily="49" charset="0"/>
+              </a:rPr>
+              <a:t>排序之后数组变为 </a:t>
+            </a:r>
+            <a:r>
+              <a:rPr lang="en-US" altLang="zh-CN" sz="1600" dirty="0">
+                <a:latin typeface="Consolas" panose="020B0609020204030204" pitchFamily="49" charset="0"/>
+              </a:rPr>
+              <a:t>[2,3,4], </a:t>
+            </a:r>
+            <a:r>
+              <a:rPr lang="zh-CN" altLang="en-US" sz="1600" dirty="0">
+                <a:latin typeface="Consolas" panose="020B0609020204030204" pitchFamily="49" charset="0"/>
+              </a:rPr>
+              <a:t>双指针解法得出的解是 </a:t>
+            </a:r>
+            <a:r>
+              <a:rPr lang="en-US" altLang="zh-CN" sz="1600" dirty="0">
+                <a:latin typeface="Consolas" panose="020B0609020204030204" pitchFamily="49" charset="0"/>
+              </a:rPr>
+              <a:t>[0, 2]</a:t>
+            </a:r>
+          </a:p>
+        </p:txBody>
+      </p:sp>
+      <p:sp>
+        <p:nvSpPr>
+          <p:cNvPr id="6" name="文本框 5">
+            <a:extLst>
+              <a:ext uri="{FF2B5EF4-FFF2-40B4-BE49-F238E27FC236}">
+                <a16:creationId xmlns:a16="http://schemas.microsoft.com/office/drawing/2014/main" id="{BB649FF0-BAC9-4CA6-A43A-69801CB90543}"/>
+              </a:ext>
+            </a:extLst>
+          </p:cNvPr>
+          <p:cNvSpPr txBox="1"/>
+          <p:nvPr/>
+        </p:nvSpPr>
+        <p:spPr>
+          <a:xfrm>
+            <a:off x="1810512" y="2554655"/>
+            <a:ext cx="7927848" cy="338554"/>
+          </a:xfrm>
+          <a:prstGeom prst="rect">
+            <a:avLst/>
+          </a:prstGeom>
+          <a:noFill/>
+        </p:spPr>
+        <p:txBody>
+          <a:bodyPr wrap="square" rtlCol="0">
+            <a:spAutoFit/>
+          </a:bodyPr>
+          <a:lstStyle/>
+          <a:p>
+            <a:r>
+              <a:rPr lang="en-US" altLang="zh-CN" sz="1600" dirty="0" err="1">
+                <a:latin typeface="Consolas" panose="020B0609020204030204" pitchFamily="49" charset="0"/>
+              </a:rPr>
+              <a:t>nums</a:t>
+            </a:r>
+            <a:r>
+              <a:rPr lang="en-US" altLang="zh-CN" sz="1600" dirty="0">
+                <a:latin typeface="Consolas" panose="020B0609020204030204" pitchFamily="49" charset="0"/>
+              </a:rPr>
+              <a:t> = </a:t>
+            </a:r>
+            <a:r>
+              <a:rPr lang="en-US" altLang="zh-CN" sz="1600" dirty="0" err="1">
+                <a:latin typeface="Consolas" panose="020B0609020204030204" pitchFamily="49" charset="0"/>
+              </a:rPr>
+              <a:t>nums.map</a:t>
+            </a:r>
+            <a:r>
+              <a:rPr lang="en-US" altLang="zh-CN" sz="1600" dirty="0">
+                <a:latin typeface="Consolas" panose="020B0609020204030204" pitchFamily="49" charset="0"/>
+              </a:rPr>
+              <a:t>((num, </a:t>
+            </a:r>
+            <a:r>
+              <a:rPr lang="en-US" altLang="zh-CN" sz="1600" dirty="0" err="1">
+                <a:latin typeface="Consolas" panose="020B0609020204030204" pitchFamily="49" charset="0"/>
+              </a:rPr>
+              <a:t>i</a:t>
+            </a:r>
+            <a:r>
+              <a:rPr lang="en-US" altLang="zh-CN" sz="1600" dirty="0">
+                <a:latin typeface="Consolas" panose="020B0609020204030204" pitchFamily="49" charset="0"/>
+              </a:rPr>
+              <a:t>) =&gt; ({ </a:t>
+            </a:r>
+            <a:r>
+              <a:rPr lang="en-US" altLang="zh-CN" sz="1600" dirty="0" err="1">
+                <a:latin typeface="Consolas" panose="020B0609020204030204" pitchFamily="49" charset="0"/>
+              </a:rPr>
+              <a:t>idx</a:t>
+            </a:r>
+            <a:r>
+              <a:rPr lang="en-US" altLang="zh-CN" sz="1600" dirty="0">
+                <a:latin typeface="Consolas" panose="020B0609020204030204" pitchFamily="49" charset="0"/>
+              </a:rPr>
+              <a:t>: </a:t>
+            </a:r>
+            <a:r>
+              <a:rPr lang="en-US" altLang="zh-CN" sz="1600" dirty="0" err="1">
+                <a:latin typeface="Consolas" panose="020B0609020204030204" pitchFamily="49" charset="0"/>
+              </a:rPr>
+              <a:t>i</a:t>
+            </a:r>
+            <a:r>
+              <a:rPr lang="en-US" altLang="zh-CN" sz="1600" dirty="0">
+                <a:latin typeface="Consolas" panose="020B0609020204030204" pitchFamily="49" charset="0"/>
+              </a:rPr>
+              <a:t>, </a:t>
+            </a:r>
+            <a:r>
+              <a:rPr lang="en-US" altLang="zh-CN" sz="1600" dirty="0" err="1">
+                <a:latin typeface="Consolas" panose="020B0609020204030204" pitchFamily="49" charset="0"/>
+              </a:rPr>
+              <a:t>val</a:t>
+            </a:r>
+            <a:r>
+              <a:rPr lang="en-US" altLang="zh-CN" sz="1600" dirty="0">
+                <a:latin typeface="Consolas" panose="020B0609020204030204" pitchFamily="49" charset="0"/>
+              </a:rPr>
+              <a:t>: num }));</a:t>
+            </a:r>
+          </a:p>
+        </p:txBody>
+      </p:sp>
+      <p:sp>
+        <p:nvSpPr>
+          <p:cNvPr id="8" name="文本框 7">
+            <a:extLst>
+              <a:ext uri="{FF2B5EF4-FFF2-40B4-BE49-F238E27FC236}">
+                <a16:creationId xmlns:a16="http://schemas.microsoft.com/office/drawing/2014/main" id="{C50AFA1B-343E-4B1B-9564-021574F73866}"/>
+              </a:ext>
+            </a:extLst>
+          </p:cNvPr>
+          <p:cNvSpPr txBox="1"/>
+          <p:nvPr/>
+        </p:nvSpPr>
+        <p:spPr>
+          <a:xfrm>
+            <a:off x="1810512" y="3188448"/>
+            <a:ext cx="7927848" cy="3046988"/>
+          </a:xfrm>
+          <a:prstGeom prst="rect">
+            <a:avLst/>
+          </a:prstGeom>
+          <a:noFill/>
+        </p:spPr>
+        <p:txBody>
+          <a:bodyPr wrap="square" rtlCol="0">
+            <a:spAutoFit/>
+          </a:bodyPr>
+          <a:lstStyle/>
+          <a:p>
+            <a:r>
+              <a:rPr lang="en-US" altLang="zh-CN" sz="1600" dirty="0">
+                <a:latin typeface="Consolas" panose="020B0609020204030204" pitchFamily="49" charset="0"/>
+              </a:rPr>
+              <a:t>// </a:t>
+            </a:r>
+            <a:r>
+              <a:rPr lang="zh-CN" altLang="en-US" sz="1600" dirty="0">
+                <a:latin typeface="Consolas" panose="020B0609020204030204" pitchFamily="49" charset="0"/>
+              </a:rPr>
+              <a:t>完整代码</a:t>
+            </a:r>
+            <a:endParaRPr lang="en-US" altLang="zh-CN" sz="1600" dirty="0">
+              <a:latin typeface="Consolas" panose="020B0609020204030204" pitchFamily="49" charset="0"/>
+            </a:endParaRPr>
+          </a:p>
+          <a:p>
+            <a:r>
+              <a:rPr lang="en-US" altLang="zh-CN" sz="1600" dirty="0">
+                <a:latin typeface="Consolas" panose="020B0609020204030204" pitchFamily="49" charset="0"/>
+              </a:rPr>
+              <a:t>const </a:t>
+            </a:r>
+            <a:r>
+              <a:rPr lang="en-US" altLang="zh-CN" sz="1600" dirty="0" err="1">
+                <a:latin typeface="Consolas" panose="020B0609020204030204" pitchFamily="49" charset="0"/>
+              </a:rPr>
+              <a:t>twoSum</a:t>
+            </a:r>
+            <a:r>
+              <a:rPr lang="en-US" altLang="zh-CN" sz="1600" dirty="0">
+                <a:latin typeface="Consolas" panose="020B0609020204030204" pitchFamily="49" charset="0"/>
+              </a:rPr>
+              <a:t> = function(</a:t>
+            </a:r>
+            <a:r>
+              <a:rPr lang="en-US" altLang="zh-CN" sz="1600" dirty="0" err="1">
+                <a:latin typeface="Consolas" panose="020B0609020204030204" pitchFamily="49" charset="0"/>
+              </a:rPr>
+              <a:t>nums</a:t>
+            </a:r>
+            <a:r>
+              <a:rPr lang="en-US" altLang="zh-CN" sz="1600" dirty="0">
+                <a:latin typeface="Consolas" panose="020B0609020204030204" pitchFamily="49" charset="0"/>
+              </a:rPr>
+              <a:t>, target) {</a:t>
+            </a:r>
+          </a:p>
+          <a:p>
+            <a:r>
+              <a:rPr lang="en-US" altLang="zh-CN" sz="1600" dirty="0">
+                <a:latin typeface="Consolas" panose="020B0609020204030204" pitchFamily="49" charset="0"/>
+              </a:rPr>
+              <a:t>    </a:t>
+            </a:r>
+            <a:r>
+              <a:rPr lang="en-US" altLang="zh-CN" sz="1600" dirty="0" err="1">
+                <a:latin typeface="Consolas" panose="020B0609020204030204" pitchFamily="49" charset="0"/>
+              </a:rPr>
+              <a:t>nums</a:t>
+            </a:r>
+            <a:r>
+              <a:rPr lang="en-US" altLang="zh-CN" sz="1600" dirty="0">
+                <a:latin typeface="Consolas" panose="020B0609020204030204" pitchFamily="49" charset="0"/>
+              </a:rPr>
+              <a:t> = </a:t>
+            </a:r>
+            <a:r>
+              <a:rPr lang="en-US" altLang="zh-CN" sz="1600" dirty="0" err="1">
+                <a:latin typeface="Consolas" panose="020B0609020204030204" pitchFamily="49" charset="0"/>
+              </a:rPr>
+              <a:t>nums.map</a:t>
+            </a:r>
+            <a:r>
+              <a:rPr lang="en-US" altLang="zh-CN" sz="1600" dirty="0">
+                <a:latin typeface="Consolas" panose="020B0609020204030204" pitchFamily="49" charset="0"/>
+              </a:rPr>
+              <a:t>((num, </a:t>
+            </a:r>
+            <a:r>
+              <a:rPr lang="en-US" altLang="zh-CN" sz="1600" dirty="0" err="1">
+                <a:latin typeface="Consolas" panose="020B0609020204030204" pitchFamily="49" charset="0"/>
+              </a:rPr>
+              <a:t>i</a:t>
+            </a:r>
+            <a:r>
+              <a:rPr lang="en-US" altLang="zh-CN" sz="1600" dirty="0">
+                <a:latin typeface="Consolas" panose="020B0609020204030204" pitchFamily="49" charset="0"/>
+              </a:rPr>
+              <a:t>) =&gt; ({ </a:t>
+            </a:r>
+            <a:r>
+              <a:rPr lang="en-US" altLang="zh-CN" sz="1600" dirty="0" err="1">
+                <a:latin typeface="Consolas" panose="020B0609020204030204" pitchFamily="49" charset="0"/>
+              </a:rPr>
+              <a:t>idx</a:t>
+            </a:r>
+            <a:r>
+              <a:rPr lang="en-US" altLang="zh-CN" sz="1600" dirty="0">
+                <a:latin typeface="Consolas" panose="020B0609020204030204" pitchFamily="49" charset="0"/>
+              </a:rPr>
+              <a:t>: </a:t>
+            </a:r>
+            <a:r>
+              <a:rPr lang="en-US" altLang="zh-CN" sz="1600" dirty="0" err="1">
+                <a:latin typeface="Consolas" panose="020B0609020204030204" pitchFamily="49" charset="0"/>
+              </a:rPr>
+              <a:t>i</a:t>
+            </a:r>
+            <a:r>
+              <a:rPr lang="en-US" altLang="zh-CN" sz="1600" dirty="0">
+                <a:latin typeface="Consolas" panose="020B0609020204030204" pitchFamily="49" charset="0"/>
+              </a:rPr>
+              <a:t>, </a:t>
+            </a:r>
+            <a:r>
+              <a:rPr lang="en-US" altLang="zh-CN" sz="1600" dirty="0" err="1">
+                <a:latin typeface="Consolas" panose="020B0609020204030204" pitchFamily="49" charset="0"/>
+              </a:rPr>
+              <a:t>val</a:t>
+            </a:r>
+            <a:r>
+              <a:rPr lang="en-US" altLang="zh-CN" sz="1600" dirty="0">
+                <a:latin typeface="Consolas" panose="020B0609020204030204" pitchFamily="49" charset="0"/>
+              </a:rPr>
+              <a:t>: num }));</a:t>
+            </a:r>
+          </a:p>
+          <a:p>
+            <a:r>
+              <a:rPr lang="en-US" altLang="zh-CN" sz="1600" dirty="0">
+                <a:latin typeface="Consolas" panose="020B0609020204030204" pitchFamily="49" charset="0"/>
+              </a:rPr>
+              <a:t>    </a:t>
+            </a:r>
+            <a:r>
+              <a:rPr lang="en-US" altLang="zh-CN" sz="1600" dirty="0" err="1">
+                <a:latin typeface="Consolas" panose="020B0609020204030204" pitchFamily="49" charset="0"/>
+              </a:rPr>
+              <a:t>nums.sort</a:t>
+            </a:r>
+            <a:r>
+              <a:rPr lang="en-US" altLang="zh-CN" sz="1600" dirty="0">
+                <a:latin typeface="Consolas" panose="020B0609020204030204" pitchFamily="49" charset="0"/>
+              </a:rPr>
+              <a:t>((a, b) =&gt; </a:t>
+            </a:r>
+            <a:r>
+              <a:rPr lang="en-US" altLang="zh-CN" sz="1600" dirty="0" err="1">
+                <a:latin typeface="Consolas" panose="020B0609020204030204" pitchFamily="49" charset="0"/>
+              </a:rPr>
+              <a:t>a.val</a:t>
+            </a:r>
+            <a:r>
+              <a:rPr lang="en-US" altLang="zh-CN" sz="1600" dirty="0">
+                <a:latin typeface="Consolas" panose="020B0609020204030204" pitchFamily="49" charset="0"/>
+              </a:rPr>
+              <a:t> - </a:t>
+            </a:r>
+            <a:r>
+              <a:rPr lang="en-US" altLang="zh-CN" sz="1600" dirty="0" err="1">
+                <a:latin typeface="Consolas" panose="020B0609020204030204" pitchFamily="49" charset="0"/>
+              </a:rPr>
+              <a:t>b.val</a:t>
+            </a:r>
+            <a:r>
+              <a:rPr lang="en-US" altLang="zh-CN" sz="1600" dirty="0">
+                <a:latin typeface="Consolas" panose="020B0609020204030204" pitchFamily="49" charset="0"/>
+              </a:rPr>
+              <a:t>);</a:t>
+            </a:r>
+          </a:p>
+          <a:p>
+            <a:r>
+              <a:rPr lang="en-US" altLang="zh-CN" sz="1600" dirty="0">
+                <a:latin typeface="Consolas" panose="020B0609020204030204" pitchFamily="49" charset="0"/>
+              </a:rPr>
+              <a:t>    for (let </a:t>
+            </a:r>
+            <a:r>
+              <a:rPr lang="en-US" altLang="zh-CN" sz="1600" dirty="0" err="1">
+                <a:latin typeface="Consolas" panose="020B0609020204030204" pitchFamily="49" charset="0"/>
+              </a:rPr>
+              <a:t>i</a:t>
+            </a:r>
+            <a:r>
+              <a:rPr lang="en-US" altLang="zh-CN" sz="1600" dirty="0">
+                <a:latin typeface="Consolas" panose="020B0609020204030204" pitchFamily="49" charset="0"/>
+              </a:rPr>
+              <a:t> = 0, j = </a:t>
+            </a:r>
+            <a:r>
+              <a:rPr lang="en-US" altLang="zh-CN" sz="1600" dirty="0" err="1">
+                <a:latin typeface="Consolas" panose="020B0609020204030204" pitchFamily="49" charset="0"/>
+              </a:rPr>
+              <a:t>nums.length</a:t>
+            </a:r>
+            <a:r>
+              <a:rPr lang="en-US" altLang="zh-CN" sz="1600" dirty="0">
+                <a:latin typeface="Consolas" panose="020B0609020204030204" pitchFamily="49" charset="0"/>
+              </a:rPr>
+              <a:t> - 1; </a:t>
+            </a:r>
+            <a:r>
+              <a:rPr lang="en-US" altLang="zh-CN" sz="1600" dirty="0" err="1">
+                <a:latin typeface="Consolas" panose="020B0609020204030204" pitchFamily="49" charset="0"/>
+              </a:rPr>
+              <a:t>i</a:t>
+            </a:r>
+            <a:r>
+              <a:rPr lang="en-US" altLang="zh-CN" sz="1600" dirty="0">
+                <a:latin typeface="Consolas" panose="020B0609020204030204" pitchFamily="49" charset="0"/>
+              </a:rPr>
+              <a:t> &lt; j; </a:t>
+            </a:r>
+            <a:r>
+              <a:rPr lang="en-US" altLang="zh-CN" sz="1600" dirty="0" err="1">
+                <a:latin typeface="Consolas" panose="020B0609020204030204" pitchFamily="49" charset="0"/>
+              </a:rPr>
+              <a:t>i</a:t>
+            </a:r>
+            <a:r>
+              <a:rPr lang="en-US" altLang="zh-CN" sz="1600" dirty="0">
+                <a:latin typeface="Consolas" panose="020B0609020204030204" pitchFamily="49" charset="0"/>
+              </a:rPr>
+              <a:t>++) {</a:t>
+            </a:r>
+          </a:p>
+          <a:p>
+            <a:r>
+              <a:rPr lang="en-US" altLang="zh-CN" sz="1600" dirty="0">
+                <a:latin typeface="Consolas" panose="020B0609020204030204" pitchFamily="49" charset="0"/>
+              </a:rPr>
+              <a:t>        while (</a:t>
+            </a:r>
+            <a:r>
+              <a:rPr lang="en-US" altLang="zh-CN" sz="1600" dirty="0" err="1">
+                <a:latin typeface="Consolas" panose="020B0609020204030204" pitchFamily="49" charset="0"/>
+              </a:rPr>
+              <a:t>i</a:t>
+            </a:r>
+            <a:r>
+              <a:rPr lang="en-US" altLang="zh-CN" sz="1600" dirty="0">
+                <a:latin typeface="Consolas" panose="020B0609020204030204" pitchFamily="49" charset="0"/>
+              </a:rPr>
+              <a:t> &lt; j &amp;&amp; </a:t>
+            </a:r>
+            <a:r>
+              <a:rPr lang="en-US" altLang="zh-CN" sz="1600" dirty="0" err="1">
+                <a:latin typeface="Consolas" panose="020B0609020204030204" pitchFamily="49" charset="0"/>
+              </a:rPr>
+              <a:t>nums</a:t>
+            </a:r>
+            <a:r>
+              <a:rPr lang="en-US" altLang="zh-CN" sz="1600" dirty="0">
+                <a:latin typeface="Consolas" panose="020B0609020204030204" pitchFamily="49" charset="0"/>
+              </a:rPr>
+              <a:t>[</a:t>
+            </a:r>
+            <a:r>
+              <a:rPr lang="en-US" altLang="zh-CN" sz="1600" dirty="0" err="1">
+                <a:latin typeface="Consolas" panose="020B0609020204030204" pitchFamily="49" charset="0"/>
+              </a:rPr>
+              <a:t>i</a:t>
+            </a:r>
+            <a:r>
+              <a:rPr lang="en-US" altLang="zh-CN" sz="1600" dirty="0">
+                <a:latin typeface="Consolas" panose="020B0609020204030204" pitchFamily="49" charset="0"/>
+              </a:rPr>
+              <a:t>].</a:t>
+            </a:r>
+            <a:r>
+              <a:rPr lang="en-US" altLang="zh-CN" sz="1600" dirty="0" err="1">
+                <a:latin typeface="Consolas" panose="020B0609020204030204" pitchFamily="49" charset="0"/>
+              </a:rPr>
+              <a:t>val</a:t>
+            </a:r>
+            <a:r>
+              <a:rPr lang="en-US" altLang="zh-CN" sz="1600" dirty="0">
+                <a:latin typeface="Consolas" panose="020B0609020204030204" pitchFamily="49" charset="0"/>
+              </a:rPr>
+              <a:t> + </a:t>
+            </a:r>
+            <a:r>
+              <a:rPr lang="en-US" altLang="zh-CN" sz="1600" dirty="0" err="1">
+                <a:latin typeface="Consolas" panose="020B0609020204030204" pitchFamily="49" charset="0"/>
+              </a:rPr>
+              <a:t>nums</a:t>
+            </a:r>
+            <a:r>
+              <a:rPr lang="en-US" altLang="zh-CN" sz="1600" dirty="0">
+                <a:latin typeface="Consolas" panose="020B0609020204030204" pitchFamily="49" charset="0"/>
+              </a:rPr>
+              <a:t>[j].</a:t>
+            </a:r>
+            <a:r>
+              <a:rPr lang="en-US" altLang="zh-CN" sz="1600" dirty="0" err="1">
+                <a:latin typeface="Consolas" panose="020B0609020204030204" pitchFamily="49" charset="0"/>
+              </a:rPr>
+              <a:t>val</a:t>
+            </a:r>
+            <a:r>
+              <a:rPr lang="en-US" altLang="zh-CN" sz="1600" dirty="0">
+                <a:latin typeface="Consolas" panose="020B0609020204030204" pitchFamily="49" charset="0"/>
+              </a:rPr>
+              <a:t> &gt; target) j--;</a:t>
+            </a:r>
+          </a:p>
+          <a:p>
+            <a:r>
+              <a:rPr lang="en-US" altLang="zh-CN" sz="1600" dirty="0">
+                <a:latin typeface="Consolas" panose="020B0609020204030204" pitchFamily="49" charset="0"/>
+              </a:rPr>
+              <a:t>        if (</a:t>
+            </a:r>
+            <a:r>
+              <a:rPr lang="en-US" altLang="zh-CN" sz="1600" dirty="0" err="1">
+                <a:latin typeface="Consolas" panose="020B0609020204030204" pitchFamily="49" charset="0"/>
+              </a:rPr>
+              <a:t>i</a:t>
+            </a:r>
+            <a:r>
+              <a:rPr lang="en-US" altLang="zh-CN" sz="1600" dirty="0">
+                <a:latin typeface="Consolas" panose="020B0609020204030204" pitchFamily="49" charset="0"/>
+              </a:rPr>
+              <a:t> &lt; j &amp;&amp; </a:t>
+            </a:r>
+            <a:r>
+              <a:rPr lang="en-US" altLang="zh-CN" sz="1600" dirty="0" err="1">
+                <a:latin typeface="Consolas" panose="020B0609020204030204" pitchFamily="49" charset="0"/>
+              </a:rPr>
+              <a:t>nums</a:t>
+            </a:r>
+            <a:r>
+              <a:rPr lang="en-US" altLang="zh-CN" sz="1600" dirty="0">
+                <a:latin typeface="Consolas" panose="020B0609020204030204" pitchFamily="49" charset="0"/>
+              </a:rPr>
+              <a:t>[</a:t>
+            </a:r>
+            <a:r>
+              <a:rPr lang="en-US" altLang="zh-CN" sz="1600" dirty="0" err="1">
+                <a:latin typeface="Consolas" panose="020B0609020204030204" pitchFamily="49" charset="0"/>
+              </a:rPr>
+              <a:t>i</a:t>
+            </a:r>
+            <a:r>
+              <a:rPr lang="en-US" altLang="zh-CN" sz="1600" dirty="0">
+                <a:latin typeface="Consolas" panose="020B0609020204030204" pitchFamily="49" charset="0"/>
+              </a:rPr>
+              <a:t>].</a:t>
+            </a:r>
+            <a:r>
+              <a:rPr lang="en-US" altLang="zh-CN" sz="1600" dirty="0" err="1">
+                <a:latin typeface="Consolas" panose="020B0609020204030204" pitchFamily="49" charset="0"/>
+              </a:rPr>
+              <a:t>val</a:t>
+            </a:r>
+            <a:r>
+              <a:rPr lang="en-US" altLang="zh-CN" sz="1600" dirty="0">
+                <a:latin typeface="Consolas" panose="020B0609020204030204" pitchFamily="49" charset="0"/>
+              </a:rPr>
+              <a:t> + </a:t>
+            </a:r>
+            <a:r>
+              <a:rPr lang="en-US" altLang="zh-CN" sz="1600" dirty="0" err="1">
+                <a:latin typeface="Consolas" panose="020B0609020204030204" pitchFamily="49" charset="0"/>
+              </a:rPr>
+              <a:t>nums</a:t>
+            </a:r>
+            <a:r>
+              <a:rPr lang="en-US" altLang="zh-CN" sz="1600" dirty="0">
+                <a:latin typeface="Consolas" panose="020B0609020204030204" pitchFamily="49" charset="0"/>
+              </a:rPr>
+              <a:t>[j].</a:t>
+            </a:r>
+            <a:r>
+              <a:rPr lang="en-US" altLang="zh-CN" sz="1600" dirty="0" err="1">
+                <a:latin typeface="Consolas" panose="020B0609020204030204" pitchFamily="49" charset="0"/>
+              </a:rPr>
+              <a:t>val</a:t>
+            </a:r>
+            <a:r>
+              <a:rPr lang="en-US" altLang="zh-CN" sz="1600" dirty="0">
+                <a:latin typeface="Consolas" panose="020B0609020204030204" pitchFamily="49" charset="0"/>
+              </a:rPr>
+              <a:t> == target) {</a:t>
+            </a:r>
+          </a:p>
+          <a:p>
+            <a:r>
+              <a:rPr lang="en-US" altLang="zh-CN" sz="1600" dirty="0">
+                <a:latin typeface="Consolas" panose="020B0609020204030204" pitchFamily="49" charset="0"/>
+              </a:rPr>
+              <a:t>            return [</a:t>
+            </a:r>
+            <a:r>
+              <a:rPr lang="en-US" altLang="zh-CN" sz="1600" dirty="0" err="1">
+                <a:latin typeface="Consolas" panose="020B0609020204030204" pitchFamily="49" charset="0"/>
+              </a:rPr>
+              <a:t>nums</a:t>
+            </a:r>
+            <a:r>
+              <a:rPr lang="en-US" altLang="zh-CN" sz="1600" dirty="0">
+                <a:latin typeface="Consolas" panose="020B0609020204030204" pitchFamily="49" charset="0"/>
+              </a:rPr>
+              <a:t>[</a:t>
+            </a:r>
+            <a:r>
+              <a:rPr lang="en-US" altLang="zh-CN" sz="1600" dirty="0" err="1">
+                <a:latin typeface="Consolas" panose="020B0609020204030204" pitchFamily="49" charset="0"/>
+              </a:rPr>
+              <a:t>i</a:t>
+            </a:r>
+            <a:r>
+              <a:rPr lang="en-US" altLang="zh-CN" sz="1600" dirty="0">
+                <a:latin typeface="Consolas" panose="020B0609020204030204" pitchFamily="49" charset="0"/>
+              </a:rPr>
+              <a:t>].</a:t>
+            </a:r>
+            <a:r>
+              <a:rPr lang="en-US" altLang="zh-CN" sz="1600" dirty="0" err="1">
+                <a:latin typeface="Consolas" panose="020B0609020204030204" pitchFamily="49" charset="0"/>
+              </a:rPr>
+              <a:t>idx</a:t>
+            </a:r>
+            <a:r>
+              <a:rPr lang="en-US" altLang="zh-CN" sz="1600" dirty="0">
+                <a:latin typeface="Consolas" panose="020B0609020204030204" pitchFamily="49" charset="0"/>
+              </a:rPr>
+              <a:t>, </a:t>
+            </a:r>
+            <a:r>
+              <a:rPr lang="en-US" altLang="zh-CN" sz="1600" dirty="0" err="1">
+                <a:latin typeface="Consolas" panose="020B0609020204030204" pitchFamily="49" charset="0"/>
+              </a:rPr>
+              <a:t>nums</a:t>
+            </a:r>
+            <a:r>
+              <a:rPr lang="en-US" altLang="zh-CN" sz="1600" dirty="0">
+                <a:latin typeface="Consolas" panose="020B0609020204030204" pitchFamily="49" charset="0"/>
+              </a:rPr>
+              <a:t>[j].</a:t>
+            </a:r>
+            <a:r>
+              <a:rPr lang="en-US" altLang="zh-CN" sz="1600" dirty="0" err="1">
+                <a:latin typeface="Consolas" panose="020B0609020204030204" pitchFamily="49" charset="0"/>
+              </a:rPr>
+              <a:t>idx</a:t>
+            </a:r>
+            <a:r>
+              <a:rPr lang="en-US" altLang="zh-CN" sz="1600" dirty="0">
+                <a:latin typeface="Consolas" panose="020B0609020204030204" pitchFamily="49" charset="0"/>
+              </a:rPr>
+              <a:t>];</a:t>
+            </a:r>
+          </a:p>
+          <a:p>
+            <a:r>
+              <a:rPr lang="en-US" altLang="zh-CN" sz="1600" dirty="0">
+                <a:latin typeface="Consolas" panose="020B0609020204030204" pitchFamily="49" charset="0"/>
+              </a:rPr>
+              <a:t>        }</a:t>
+            </a:r>
+          </a:p>
+          <a:p>
+            <a:r>
+              <a:rPr lang="en-US" altLang="zh-CN" sz="1600" dirty="0">
+                <a:latin typeface="Consolas" panose="020B0609020204030204" pitchFamily="49" charset="0"/>
+              </a:rPr>
+              <a:t>    }</a:t>
+            </a:r>
+          </a:p>
+          <a:p>
+            <a:r>
+              <a:rPr lang="en-US" altLang="zh-CN" sz="1600" dirty="0">
+                <a:latin typeface="Consolas" panose="020B0609020204030204" pitchFamily="49" charset="0"/>
+              </a:rPr>
+              <a:t>    return [-1, -1];</a:t>
+            </a:r>
+          </a:p>
+          <a:p>
+            <a:r>
+              <a:rPr lang="en-US" altLang="zh-CN" sz="1600" dirty="0">
+                <a:latin typeface="Consolas" panose="020B0609020204030204" pitchFamily="49" charset="0"/>
+              </a:rPr>
+              <a:t>};</a:t>
+            </a:r>
+            <a:endParaRPr lang="zh-CN" altLang="en-US" sz="1600" dirty="0">
+              <a:latin typeface="Consolas" panose="020B0609020204030204" pitchFamily="49" charset="0"/>
+            </a:endParaRPr>
+          </a:p>
+        </p:txBody>
+      </p:sp>
     </p:spTree>
     <p:extLst>
       <p:ext uri="{BB962C8B-B14F-4D97-AF65-F5344CB8AC3E}">
         <p14:creationId xmlns:p14="http://schemas.microsoft.com/office/powerpoint/2010/main" val="1518018671"/>
+      </p:ext>
+    </p:extLst>
+  </p:cSld>
+  <p:clrMapOvr>
+    <a:masterClrMapping/>
+  </p:clrMapOvr>
+  <p:timing>
+    <p:tnLst>
+      <p:par>
+        <p:cTn id="1" dur="indefinite" restart="never" nodeType="tmRoot">
+          <p:childTnLst>
+            <p:seq concurrent="1" nextAc="seek">
+              <p:cTn id="2" dur="indefinite" nodeType="mainSeq">
+                <p:childTnLst>
+                  <p:par>
+                    <p:cTn id="3" fill="hold">
+                      <p:stCondLst>
+                        <p:cond delay="indefinite"/>
+                      </p:stCondLst>
+                      <p:childTnLst>
+                        <p:par>
+                          <p:cTn id="4" fill="hold">
+                            <p:stCondLst>
+                              <p:cond delay="0"/>
+                            </p:stCondLst>
+                            <p:childTnLst>
+                              <p:par>
+                                <p:cTn id="5" presetID="42" presetClass="entr" presetSubtype="0" fill="hold" grpId="0" nodeType="clickEffect">
+                                  <p:stCondLst>
+                                    <p:cond delay="0"/>
+                                  </p:stCondLst>
+                                  <p:childTnLst>
+                                    <p:set>
+                                      <p:cBhvr>
+                                        <p:cTn id="6" dur="1" fill="hold">
+                                          <p:stCondLst>
+                                            <p:cond delay="0"/>
+                                          </p:stCondLst>
+                                        </p:cTn>
+                                        <p:tgtEl>
+                                          <p:spTgt spid="5"/>
+                                        </p:tgtEl>
+                                        <p:attrNameLst>
+                                          <p:attrName>style.visibility</p:attrName>
+                                        </p:attrNameLst>
+                                      </p:cBhvr>
+                                      <p:to>
+                                        <p:strVal val="visible"/>
+                                      </p:to>
+                                    </p:set>
+                                    <p:animEffect transition="in" filter="fade">
+                                      <p:cBhvr>
+                                        <p:cTn id="7" dur="1000"/>
+                                        <p:tgtEl>
+                                          <p:spTgt spid="5"/>
+                                        </p:tgtEl>
+                                      </p:cBhvr>
+                                    </p:animEffect>
+                                    <p:anim calcmode="lin" valueType="num">
+                                      <p:cBhvr>
+                                        <p:cTn id="8" dur="1000" fill="hold"/>
+                                        <p:tgtEl>
+                                          <p:spTgt spid="5"/>
+                                        </p:tgtEl>
+                                        <p:attrNameLst>
+                                          <p:attrName>ppt_x</p:attrName>
+                                        </p:attrNameLst>
+                                      </p:cBhvr>
+                                      <p:tavLst>
+                                        <p:tav tm="0">
+                                          <p:val>
+                                            <p:strVal val="#ppt_x"/>
+                                          </p:val>
+                                        </p:tav>
+                                        <p:tav tm="100000">
+                                          <p:val>
+                                            <p:strVal val="#ppt_x"/>
+                                          </p:val>
+                                        </p:tav>
+                                      </p:tavLst>
+                                    </p:anim>
+                                    <p:anim calcmode="lin" valueType="num">
+                                      <p:cBhvr>
+                                        <p:cTn id="9" dur="1000" fill="hold"/>
+                                        <p:tgtEl>
+                                          <p:spTgt spid="5"/>
+                                        </p:tgtEl>
+                                        <p:attrNameLst>
+                                          <p:attrName>ppt_y</p:attrName>
+                                        </p:attrNameLst>
+                                      </p:cBhvr>
+                                      <p:tavLst>
+                                        <p:tav tm="0">
+                                          <p:val>
+                                            <p:strVal val="#ppt_y+.1"/>
+                                          </p:val>
+                                        </p:tav>
+                                        <p:tav tm="100000">
+                                          <p:val>
+                                            <p:strVal val="#ppt_y"/>
+                                          </p:val>
+                                        </p:tav>
+                                      </p:tavLst>
+                                    </p:anim>
+                                  </p:childTnLst>
+                                </p:cTn>
+                              </p:par>
+                            </p:childTnLst>
+                          </p:cTn>
+                        </p:par>
+                      </p:childTnLst>
+                    </p:cTn>
+                  </p:par>
+                  <p:par>
+                    <p:cTn id="10" fill="hold">
+                      <p:stCondLst>
+                        <p:cond delay="indefinite"/>
+                      </p:stCondLst>
+                      <p:childTnLst>
+                        <p:par>
+                          <p:cTn id="11" fill="hold">
+                            <p:stCondLst>
+                              <p:cond delay="0"/>
+                            </p:stCondLst>
+                            <p:childTnLst>
+                              <p:par>
+                                <p:cTn id="12" presetID="42" presetClass="entr" presetSubtype="0" fill="hold" grpId="0" nodeType="clickEffect">
+                                  <p:stCondLst>
+                                    <p:cond delay="0"/>
+                                  </p:stCondLst>
+                                  <p:childTnLst>
+                                    <p:set>
+                                      <p:cBhvr>
+                                        <p:cTn id="13" dur="1" fill="hold">
+                                          <p:stCondLst>
+                                            <p:cond delay="0"/>
+                                          </p:stCondLst>
+                                        </p:cTn>
+                                        <p:tgtEl>
+                                          <p:spTgt spid="6"/>
+                                        </p:tgtEl>
+                                        <p:attrNameLst>
+                                          <p:attrName>style.visibility</p:attrName>
+                                        </p:attrNameLst>
+                                      </p:cBhvr>
+                                      <p:to>
+                                        <p:strVal val="visible"/>
+                                      </p:to>
+                                    </p:set>
+                                    <p:animEffect transition="in" filter="fade">
+                                      <p:cBhvr>
+                                        <p:cTn id="14" dur="1000"/>
+                                        <p:tgtEl>
+                                          <p:spTgt spid="6"/>
+                                        </p:tgtEl>
+                                      </p:cBhvr>
+                                    </p:animEffect>
+                                    <p:anim calcmode="lin" valueType="num">
+                                      <p:cBhvr>
+                                        <p:cTn id="15" dur="1000" fill="hold"/>
+                                        <p:tgtEl>
+                                          <p:spTgt spid="6"/>
+                                        </p:tgtEl>
+                                        <p:attrNameLst>
+                                          <p:attrName>ppt_x</p:attrName>
+                                        </p:attrNameLst>
+                                      </p:cBhvr>
+                                      <p:tavLst>
+                                        <p:tav tm="0">
+                                          <p:val>
+                                            <p:strVal val="#ppt_x"/>
+                                          </p:val>
+                                        </p:tav>
+                                        <p:tav tm="100000">
+                                          <p:val>
+                                            <p:strVal val="#ppt_x"/>
+                                          </p:val>
+                                        </p:tav>
+                                      </p:tavLst>
+                                    </p:anim>
+                                    <p:anim calcmode="lin" valueType="num">
+                                      <p:cBhvr>
+                                        <p:cTn id="16" dur="1000" fill="hold"/>
+                                        <p:tgtEl>
+                                          <p:spTgt spid="6"/>
+                                        </p:tgtEl>
+                                        <p:attrNameLst>
+                                          <p:attrName>ppt_y</p:attrName>
+                                        </p:attrNameLst>
+                                      </p:cBhvr>
+                                      <p:tavLst>
+                                        <p:tav tm="0">
+                                          <p:val>
+                                            <p:strVal val="#ppt_y+.1"/>
+                                          </p:val>
+                                        </p:tav>
+                                        <p:tav tm="100000">
+                                          <p:val>
+                                            <p:strVal val="#ppt_y"/>
+                                          </p:val>
+                                        </p:tav>
+                                      </p:tavLst>
+                                    </p:anim>
+                                  </p:childTnLst>
+                                </p:cTn>
+                              </p:par>
+                            </p:childTnLst>
+                          </p:cTn>
+                        </p:par>
+                      </p:childTnLst>
+                    </p:cTn>
+                  </p:par>
+                  <p:par>
+                    <p:cTn id="17" fill="hold">
+                      <p:stCondLst>
+                        <p:cond delay="indefinite"/>
+                      </p:stCondLst>
+                      <p:childTnLst>
+                        <p:par>
+                          <p:cTn id="18" fill="hold">
+                            <p:stCondLst>
+                              <p:cond delay="0"/>
+                            </p:stCondLst>
+                            <p:childTnLst>
+                              <p:par>
+                                <p:cTn id="19" presetID="42" presetClass="entr" presetSubtype="0" fill="hold" grpId="0" nodeType="clickEffect">
+                                  <p:stCondLst>
+                                    <p:cond delay="0"/>
+                                  </p:stCondLst>
+                                  <p:childTnLst>
+                                    <p:set>
+                                      <p:cBhvr>
+                                        <p:cTn id="20" dur="1" fill="hold">
+                                          <p:stCondLst>
+                                            <p:cond delay="0"/>
+                                          </p:stCondLst>
+                                        </p:cTn>
+                                        <p:tgtEl>
+                                          <p:spTgt spid="8"/>
+                                        </p:tgtEl>
+                                        <p:attrNameLst>
+                                          <p:attrName>style.visibility</p:attrName>
+                                        </p:attrNameLst>
+                                      </p:cBhvr>
+                                      <p:to>
+                                        <p:strVal val="visible"/>
+                                      </p:to>
+                                    </p:set>
+                                    <p:animEffect transition="in" filter="fade">
+                                      <p:cBhvr>
+                                        <p:cTn id="21" dur="1000"/>
+                                        <p:tgtEl>
+                                          <p:spTgt spid="8"/>
+                                        </p:tgtEl>
+                                      </p:cBhvr>
+                                    </p:animEffect>
+                                    <p:anim calcmode="lin" valueType="num">
+                                      <p:cBhvr>
+                                        <p:cTn id="22" dur="1000" fill="hold"/>
+                                        <p:tgtEl>
+                                          <p:spTgt spid="8"/>
+                                        </p:tgtEl>
+                                        <p:attrNameLst>
+                                          <p:attrName>ppt_x</p:attrName>
+                                        </p:attrNameLst>
+                                      </p:cBhvr>
+                                      <p:tavLst>
+                                        <p:tav tm="0">
+                                          <p:val>
+                                            <p:strVal val="#ppt_x"/>
+                                          </p:val>
+                                        </p:tav>
+                                        <p:tav tm="100000">
+                                          <p:val>
+                                            <p:strVal val="#ppt_x"/>
+                                          </p:val>
+                                        </p:tav>
+                                      </p:tavLst>
+                                    </p:anim>
+                                    <p:anim calcmode="lin" valueType="num">
+                                      <p:cBhvr>
+                                        <p:cTn id="23" dur="1000" fill="hold"/>
+                                        <p:tgtEl>
+                                          <p:spTgt spid="8"/>
+                                        </p:tgtEl>
+                                        <p:attrNameLst>
+                                          <p:attrName>ppt_y</p:attrName>
+                                        </p:attrNameLst>
+                                      </p:cBhvr>
+                                      <p:tavLst>
+                                        <p:tav tm="0">
+                                          <p:val>
+                                            <p:strVal val="#ppt_y+.1"/>
+                                          </p:val>
+                                        </p:tav>
+                                        <p:tav tm="100000">
+                                          <p:val>
+                                            <p:strVal val="#ppt_y"/>
+                                          </p:val>
+                                        </p:tav>
+                                      </p:tavLst>
+                                    </p:anim>
+                                  </p:childTnLst>
+                                </p:cTn>
+                              </p:par>
+                            </p:childTnLst>
+                          </p:cTn>
+                        </p:par>
+                      </p:childTnLst>
+                    </p:cTn>
+                  </p:par>
+                </p:childTnLst>
+              </p:cTn>
+              <p:prevCondLst>
+                <p:cond evt="onPrev" delay="0">
+                  <p:tgtEl>
+                    <p:sldTgt/>
+                  </p:tgtEl>
+                </p:cond>
+              </p:prevCondLst>
+              <p:nextCondLst>
+                <p:cond evt="onNext" delay="0">
+                  <p:tgtEl>
+                    <p:sldTgt/>
+                  </p:tgtEl>
+                </p:cond>
+              </p:nextCondLst>
+            </p:seq>
+          </p:childTnLst>
+        </p:cTn>
+      </p:par>
+    </p:tnLst>
+    <p:bldLst>
+      <p:bldP spid="5" grpId="0"/>
+      <p:bldP spid="6" grpId="0"/>
+      <p:bldP spid="8" grpId="0"/>
+    </p:bldLst>
+  </p:timing>
+</p:sld>
+</file>
+
+<file path=ppt/slides/slide16.xml><?xml version="1.0" encoding="utf-8"?>
+<p:sld xmlns:a="http://schemas.openxmlformats.org/drawingml/2006/main" xmlns:r="http://schemas.openxmlformats.org/officeDocument/2006/relationships" xmlns:p="http://schemas.openxmlformats.org/presentationml/2006/main">
+  <p:cSld>
+    <p:spTree>
+      <p:nvGrpSpPr>
+        <p:cNvPr id="1" name=""/>
+        <p:cNvGrpSpPr/>
+        <p:nvPr/>
+      </p:nvGrpSpPr>
+      <p:grpSpPr>
+        <a:xfrm>
+          <a:off x="0" y="0"/>
+          <a:ext cx="0" cy="0"/>
+          <a:chOff x="0" y="0"/>
+          <a:chExt cx="0" cy="0"/>
+        </a:xfrm>
+      </p:grpSpPr>
+      <p:sp>
+        <p:nvSpPr>
+          <p:cNvPr id="3" name="文本框 2">
+            <a:extLst>
+              <a:ext uri="{FF2B5EF4-FFF2-40B4-BE49-F238E27FC236}">
+                <a16:creationId xmlns:a16="http://schemas.microsoft.com/office/drawing/2014/main" id="{6397C80F-7FDE-44FB-9892-51226FC8EA2B}"/>
+              </a:ext>
+            </a:extLst>
+          </p:cNvPr>
+          <p:cNvSpPr txBox="1"/>
+          <p:nvPr/>
+        </p:nvSpPr>
+        <p:spPr>
+          <a:xfrm>
+            <a:off x="1010412" y="768096"/>
+            <a:ext cx="4764024" cy="461665"/>
+          </a:xfrm>
+          <a:prstGeom prst="rect">
+            <a:avLst/>
+          </a:prstGeom>
+          <a:noFill/>
+        </p:spPr>
+        <p:txBody>
+          <a:bodyPr wrap="square" rtlCol="0">
+            <a:spAutoFit/>
+          </a:bodyPr>
+          <a:lstStyle/>
+          <a:p>
+            <a:r>
+              <a:rPr lang="en-US" altLang="zh-CN" sz="2400" b="1" dirty="0"/>
+              <a:t>LeetCode-1</a:t>
+            </a:r>
+            <a:r>
+              <a:rPr lang="zh-CN" altLang="en-US" sz="2400" b="1" dirty="0"/>
+              <a:t>：</a:t>
+            </a:r>
+            <a:r>
+              <a:rPr lang="en-US" altLang="zh-CN" sz="2400" b="1" dirty="0"/>
+              <a:t>two-sum/</a:t>
+            </a:r>
+            <a:r>
+              <a:rPr lang="zh-CN" altLang="en-US" sz="2400" b="1" dirty="0"/>
+              <a:t>两数之和</a:t>
+            </a:r>
+          </a:p>
+        </p:txBody>
+      </p:sp>
+      <p:sp>
+        <p:nvSpPr>
+          <p:cNvPr id="4" name="文本框 3">
+            <a:extLst>
+              <a:ext uri="{FF2B5EF4-FFF2-40B4-BE49-F238E27FC236}">
+                <a16:creationId xmlns:a16="http://schemas.microsoft.com/office/drawing/2014/main" id="{9FD9620D-D6B2-42FE-A3EF-F90BE2D76B9C}"/>
+              </a:ext>
+            </a:extLst>
+          </p:cNvPr>
+          <p:cNvSpPr txBox="1"/>
+          <p:nvPr/>
+        </p:nvSpPr>
+        <p:spPr>
+          <a:xfrm>
+            <a:off x="1444752" y="1975104"/>
+            <a:ext cx="9573768" cy="3139321"/>
+          </a:xfrm>
+          <a:prstGeom prst="rect">
+            <a:avLst/>
+          </a:prstGeom>
+          <a:noFill/>
+        </p:spPr>
+        <p:txBody>
+          <a:bodyPr wrap="square" rtlCol="0">
+            <a:spAutoFit/>
+          </a:bodyPr>
+          <a:lstStyle/>
+          <a:p>
+            <a:r>
+              <a:rPr lang="en-US" altLang="zh-CN" dirty="0">
+                <a:latin typeface="Consolas" panose="020B0609020204030204" pitchFamily="49" charset="0"/>
+              </a:rPr>
+              <a:t>// Java</a:t>
+            </a:r>
+            <a:r>
+              <a:rPr lang="zh-CN" altLang="en-US" dirty="0">
+                <a:latin typeface="Consolas" panose="020B0609020204030204" pitchFamily="49" charset="0"/>
+              </a:rPr>
+              <a:t>暴力解法</a:t>
+            </a:r>
+            <a:endParaRPr lang="en-US" altLang="zh-CN" dirty="0">
+              <a:latin typeface="Consolas" panose="020B0609020204030204" pitchFamily="49" charset="0"/>
+            </a:endParaRPr>
+          </a:p>
+          <a:p>
+            <a:r>
+              <a:rPr lang="en-US" altLang="zh-CN" dirty="0">
+                <a:latin typeface="Consolas" panose="020B0609020204030204" pitchFamily="49" charset="0"/>
+              </a:rPr>
+              <a:t>class Solution {</a:t>
+            </a:r>
+          </a:p>
+          <a:p>
+            <a:r>
+              <a:rPr lang="en-US" altLang="zh-CN" dirty="0">
+                <a:latin typeface="Consolas" panose="020B0609020204030204" pitchFamily="49" charset="0"/>
+              </a:rPr>
+              <a:t>    public int[] </a:t>
+            </a:r>
+            <a:r>
+              <a:rPr lang="en-US" altLang="zh-CN" dirty="0" err="1">
+                <a:latin typeface="Consolas" panose="020B0609020204030204" pitchFamily="49" charset="0"/>
+              </a:rPr>
+              <a:t>twoSum</a:t>
+            </a:r>
+            <a:r>
+              <a:rPr lang="en-US" altLang="zh-CN" dirty="0">
+                <a:latin typeface="Consolas" panose="020B0609020204030204" pitchFamily="49" charset="0"/>
+              </a:rPr>
+              <a:t>(int[] </a:t>
+            </a:r>
+            <a:r>
+              <a:rPr lang="en-US" altLang="zh-CN" dirty="0" err="1">
+                <a:latin typeface="Consolas" panose="020B0609020204030204" pitchFamily="49" charset="0"/>
+              </a:rPr>
+              <a:t>nums</a:t>
+            </a:r>
+            <a:r>
+              <a:rPr lang="en-US" altLang="zh-CN" dirty="0">
+                <a:latin typeface="Consolas" panose="020B0609020204030204" pitchFamily="49" charset="0"/>
+              </a:rPr>
+              <a:t>, int target) {</a:t>
+            </a:r>
+          </a:p>
+          <a:p>
+            <a:r>
+              <a:rPr lang="en-US" altLang="zh-CN" dirty="0">
+                <a:latin typeface="Consolas" panose="020B0609020204030204" pitchFamily="49" charset="0"/>
+              </a:rPr>
+              <a:t>        for (int </a:t>
+            </a:r>
+            <a:r>
+              <a:rPr lang="en-US" altLang="zh-CN" dirty="0" err="1">
+                <a:latin typeface="Consolas" panose="020B0609020204030204" pitchFamily="49" charset="0"/>
+              </a:rPr>
+              <a:t>i</a:t>
+            </a:r>
+            <a:r>
+              <a:rPr lang="en-US" altLang="zh-CN" dirty="0">
+                <a:latin typeface="Consolas" panose="020B0609020204030204" pitchFamily="49" charset="0"/>
+              </a:rPr>
+              <a:t> = 0; </a:t>
+            </a:r>
+            <a:r>
+              <a:rPr lang="en-US" altLang="zh-CN" dirty="0" err="1">
+                <a:latin typeface="Consolas" panose="020B0609020204030204" pitchFamily="49" charset="0"/>
+              </a:rPr>
+              <a:t>i</a:t>
+            </a:r>
+            <a:r>
+              <a:rPr lang="en-US" altLang="zh-CN" dirty="0">
+                <a:latin typeface="Consolas" panose="020B0609020204030204" pitchFamily="49" charset="0"/>
+              </a:rPr>
+              <a:t> &lt; </a:t>
+            </a:r>
+            <a:r>
+              <a:rPr lang="en-US" altLang="zh-CN" dirty="0" err="1">
+                <a:latin typeface="Consolas" panose="020B0609020204030204" pitchFamily="49" charset="0"/>
+              </a:rPr>
+              <a:t>nums.length</a:t>
+            </a:r>
+            <a:r>
+              <a:rPr lang="en-US" altLang="zh-CN" dirty="0">
+                <a:latin typeface="Consolas" panose="020B0609020204030204" pitchFamily="49" charset="0"/>
+              </a:rPr>
+              <a:t> - 1; </a:t>
+            </a:r>
+            <a:r>
+              <a:rPr lang="en-US" altLang="zh-CN" dirty="0" err="1">
+                <a:latin typeface="Consolas" panose="020B0609020204030204" pitchFamily="49" charset="0"/>
+              </a:rPr>
+              <a:t>i</a:t>
+            </a:r>
+            <a:r>
+              <a:rPr lang="en-US" altLang="zh-CN" dirty="0">
+                <a:latin typeface="Consolas" panose="020B0609020204030204" pitchFamily="49" charset="0"/>
+              </a:rPr>
+              <a:t>++) {</a:t>
+            </a:r>
+          </a:p>
+          <a:p>
+            <a:r>
+              <a:rPr lang="en-US" altLang="zh-CN" dirty="0">
+                <a:latin typeface="Consolas" panose="020B0609020204030204" pitchFamily="49" charset="0"/>
+              </a:rPr>
+              <a:t>            for (int j = </a:t>
+            </a:r>
+            <a:r>
+              <a:rPr lang="en-US" altLang="zh-CN" dirty="0" err="1">
+                <a:latin typeface="Consolas" panose="020B0609020204030204" pitchFamily="49" charset="0"/>
+              </a:rPr>
+              <a:t>i</a:t>
+            </a:r>
+            <a:r>
+              <a:rPr lang="en-US" altLang="zh-CN" dirty="0">
+                <a:latin typeface="Consolas" panose="020B0609020204030204" pitchFamily="49" charset="0"/>
+              </a:rPr>
+              <a:t> + 1; j &lt; </a:t>
+            </a:r>
+            <a:r>
+              <a:rPr lang="en-US" altLang="zh-CN" dirty="0" err="1">
+                <a:latin typeface="Consolas" panose="020B0609020204030204" pitchFamily="49" charset="0"/>
+              </a:rPr>
+              <a:t>nums.length</a:t>
+            </a:r>
+            <a:r>
+              <a:rPr lang="en-US" altLang="zh-CN" dirty="0">
+                <a:latin typeface="Consolas" panose="020B0609020204030204" pitchFamily="49" charset="0"/>
+              </a:rPr>
+              <a:t>; </a:t>
+            </a:r>
+            <a:r>
+              <a:rPr lang="en-US" altLang="zh-CN" dirty="0" err="1">
+                <a:latin typeface="Consolas" panose="020B0609020204030204" pitchFamily="49" charset="0"/>
+              </a:rPr>
+              <a:t>j++</a:t>
+            </a:r>
+            <a:r>
+              <a:rPr lang="en-US" altLang="zh-CN" dirty="0">
+                <a:latin typeface="Consolas" panose="020B0609020204030204" pitchFamily="49" charset="0"/>
+              </a:rPr>
+              <a:t>) {</a:t>
+            </a:r>
+          </a:p>
+          <a:p>
+            <a:r>
+              <a:rPr lang="en-US" altLang="zh-CN" dirty="0">
+                <a:latin typeface="Consolas" panose="020B0609020204030204" pitchFamily="49" charset="0"/>
+              </a:rPr>
+              <a:t>                if (</a:t>
+            </a:r>
+            <a:r>
+              <a:rPr lang="en-US" altLang="zh-CN" dirty="0" err="1">
+                <a:latin typeface="Consolas" panose="020B0609020204030204" pitchFamily="49" charset="0"/>
+              </a:rPr>
+              <a:t>nums</a:t>
+            </a:r>
+            <a:r>
+              <a:rPr lang="en-US" altLang="zh-CN" dirty="0">
+                <a:latin typeface="Consolas" panose="020B0609020204030204" pitchFamily="49" charset="0"/>
+              </a:rPr>
+              <a:t>[</a:t>
+            </a:r>
+            <a:r>
+              <a:rPr lang="en-US" altLang="zh-CN" dirty="0" err="1">
+                <a:latin typeface="Consolas" panose="020B0609020204030204" pitchFamily="49" charset="0"/>
+              </a:rPr>
+              <a:t>i</a:t>
+            </a:r>
+            <a:r>
+              <a:rPr lang="en-US" altLang="zh-CN" dirty="0">
+                <a:latin typeface="Consolas" panose="020B0609020204030204" pitchFamily="49" charset="0"/>
+              </a:rPr>
+              <a:t>] + </a:t>
+            </a:r>
+            <a:r>
+              <a:rPr lang="en-US" altLang="zh-CN" dirty="0" err="1">
+                <a:latin typeface="Consolas" panose="020B0609020204030204" pitchFamily="49" charset="0"/>
+              </a:rPr>
+              <a:t>nums</a:t>
+            </a:r>
+            <a:r>
+              <a:rPr lang="en-US" altLang="zh-CN" dirty="0">
+                <a:latin typeface="Consolas" panose="020B0609020204030204" pitchFamily="49" charset="0"/>
+              </a:rPr>
+              <a:t>[j] == target) return new int[]{</a:t>
+            </a:r>
+            <a:r>
+              <a:rPr lang="en-US" altLang="zh-CN" dirty="0" err="1">
+                <a:latin typeface="Consolas" panose="020B0609020204030204" pitchFamily="49" charset="0"/>
+              </a:rPr>
+              <a:t>i</a:t>
+            </a:r>
+            <a:r>
+              <a:rPr lang="en-US" altLang="zh-CN" dirty="0">
+                <a:latin typeface="Consolas" panose="020B0609020204030204" pitchFamily="49" charset="0"/>
+              </a:rPr>
+              <a:t>, j};</a:t>
+            </a:r>
+          </a:p>
+          <a:p>
+            <a:r>
+              <a:rPr lang="en-US" altLang="zh-CN" dirty="0">
+                <a:latin typeface="Consolas" panose="020B0609020204030204" pitchFamily="49" charset="0"/>
+              </a:rPr>
+              <a:t>            }</a:t>
+            </a:r>
+          </a:p>
+          <a:p>
+            <a:r>
+              <a:rPr lang="en-US" altLang="zh-CN" dirty="0">
+                <a:latin typeface="Consolas" panose="020B0609020204030204" pitchFamily="49" charset="0"/>
+              </a:rPr>
+              <a:t>        }</a:t>
+            </a:r>
+          </a:p>
+          <a:p>
+            <a:r>
+              <a:rPr lang="en-US" altLang="zh-CN" dirty="0">
+                <a:latin typeface="Consolas" panose="020B0609020204030204" pitchFamily="49" charset="0"/>
+              </a:rPr>
+              <a:t>        return new int[]{-1, -1};</a:t>
+            </a:r>
+          </a:p>
+          <a:p>
+            <a:r>
+              <a:rPr lang="en-US" altLang="zh-CN" dirty="0">
+                <a:latin typeface="Consolas" panose="020B0609020204030204" pitchFamily="49" charset="0"/>
+              </a:rPr>
+              <a:t>    }</a:t>
+            </a:r>
+          </a:p>
+          <a:p>
+            <a:r>
+              <a:rPr lang="en-US" altLang="zh-CN" dirty="0">
+                <a:latin typeface="Consolas" panose="020B0609020204030204" pitchFamily="49" charset="0"/>
+              </a:rPr>
+              <a:t>}</a:t>
+            </a:r>
+            <a:endParaRPr lang="zh-CN" altLang="en-US" dirty="0">
+              <a:latin typeface="Consolas" panose="020B0609020204030204" pitchFamily="49" charset="0"/>
+            </a:endParaRPr>
+          </a:p>
+        </p:txBody>
+      </p:sp>
+    </p:spTree>
+    <p:extLst>
+      <p:ext uri="{BB962C8B-B14F-4D97-AF65-F5344CB8AC3E}">
+        <p14:creationId xmlns:p14="http://schemas.microsoft.com/office/powerpoint/2010/main" val="3287751880"/>
+      </p:ext>
+    </p:extLst>
+  </p:cSld>
+  <p:clrMapOvr>
+    <a:masterClrMapping/>
+  </p:clrMapOvr>
+</p:sld>
+</file>
+
+<file path=ppt/slides/slide17.xml><?xml version="1.0" encoding="utf-8"?>
+<p:sld xmlns:a="http://schemas.openxmlformats.org/drawingml/2006/main" xmlns:r="http://schemas.openxmlformats.org/officeDocument/2006/relationships" xmlns:p="http://schemas.openxmlformats.org/presentationml/2006/main">
+  <p:cSld>
+    <p:spTree>
+      <p:nvGrpSpPr>
+        <p:cNvPr id="1" name=""/>
+        <p:cNvGrpSpPr/>
+        <p:nvPr/>
+      </p:nvGrpSpPr>
+      <p:grpSpPr>
+        <a:xfrm>
+          <a:off x="0" y="0"/>
+          <a:ext cx="0" cy="0"/>
+          <a:chOff x="0" y="0"/>
+          <a:chExt cx="0" cy="0"/>
+        </a:xfrm>
+      </p:grpSpPr>
+      <p:sp>
+        <p:nvSpPr>
+          <p:cNvPr id="3" name="文本框 2">
+            <a:extLst>
+              <a:ext uri="{FF2B5EF4-FFF2-40B4-BE49-F238E27FC236}">
+                <a16:creationId xmlns:a16="http://schemas.microsoft.com/office/drawing/2014/main" id="{8125CECA-6CED-42E1-A972-D1F307031E29}"/>
+              </a:ext>
+            </a:extLst>
+          </p:cNvPr>
+          <p:cNvSpPr txBox="1"/>
+          <p:nvPr/>
+        </p:nvSpPr>
+        <p:spPr>
+          <a:xfrm>
+            <a:off x="1010412" y="768096"/>
+            <a:ext cx="4764024" cy="461665"/>
+          </a:xfrm>
+          <a:prstGeom prst="rect">
+            <a:avLst/>
+          </a:prstGeom>
+          <a:noFill/>
+        </p:spPr>
+        <p:txBody>
+          <a:bodyPr wrap="square" rtlCol="0">
+            <a:spAutoFit/>
+          </a:bodyPr>
+          <a:lstStyle/>
+          <a:p>
+            <a:r>
+              <a:rPr lang="en-US" altLang="zh-CN" sz="2400" b="1" dirty="0"/>
+              <a:t>LeetCode-1</a:t>
+            </a:r>
+            <a:r>
+              <a:rPr lang="zh-CN" altLang="en-US" sz="2400" b="1" dirty="0"/>
+              <a:t>：</a:t>
+            </a:r>
+            <a:r>
+              <a:rPr lang="en-US" altLang="zh-CN" sz="2400" b="1" dirty="0"/>
+              <a:t>two-sum/</a:t>
+            </a:r>
+            <a:r>
+              <a:rPr lang="zh-CN" altLang="en-US" sz="2400" b="1" dirty="0"/>
+              <a:t>两数之和</a:t>
+            </a:r>
+          </a:p>
+        </p:txBody>
+      </p:sp>
+      <p:sp>
+        <p:nvSpPr>
+          <p:cNvPr id="5" name="文本框 4">
+            <a:extLst>
+              <a:ext uri="{FF2B5EF4-FFF2-40B4-BE49-F238E27FC236}">
+                <a16:creationId xmlns:a16="http://schemas.microsoft.com/office/drawing/2014/main" id="{BE4623D8-2BBB-4124-821D-641B0096038C}"/>
+              </a:ext>
+            </a:extLst>
+          </p:cNvPr>
+          <p:cNvSpPr txBox="1"/>
+          <p:nvPr/>
+        </p:nvSpPr>
+        <p:spPr>
+          <a:xfrm>
+            <a:off x="1444752" y="1975104"/>
+            <a:ext cx="9573768" cy="3970318"/>
+          </a:xfrm>
+          <a:prstGeom prst="rect">
+            <a:avLst/>
+          </a:prstGeom>
+          <a:noFill/>
+        </p:spPr>
+        <p:txBody>
+          <a:bodyPr wrap="square" rtlCol="0">
+            <a:spAutoFit/>
+          </a:bodyPr>
+          <a:lstStyle/>
+          <a:p>
+            <a:r>
+              <a:rPr lang="en-US" altLang="zh-CN" dirty="0">
+                <a:latin typeface="Consolas" panose="020B0609020204030204" pitchFamily="49" charset="0"/>
+              </a:rPr>
+              <a:t>// Java </a:t>
+            </a:r>
+            <a:r>
+              <a:rPr lang="zh-CN" altLang="en-US" dirty="0">
+                <a:latin typeface="Consolas" panose="020B0609020204030204" pitchFamily="49" charset="0"/>
+              </a:rPr>
+              <a:t>哈希表解法</a:t>
+            </a:r>
+            <a:r>
+              <a:rPr lang="en-US" altLang="zh-CN" dirty="0">
+                <a:latin typeface="Consolas" panose="020B0609020204030204" pitchFamily="49" charset="0"/>
+              </a:rPr>
+              <a:t> </a:t>
+            </a:r>
+          </a:p>
+          <a:p>
+            <a:r>
+              <a:rPr lang="en-US" altLang="zh-CN" dirty="0">
+                <a:latin typeface="Consolas" panose="020B0609020204030204" pitchFamily="49" charset="0"/>
+              </a:rPr>
+              <a:t>class Solution {</a:t>
+            </a:r>
+          </a:p>
+          <a:p>
+            <a:r>
+              <a:rPr lang="en-US" altLang="zh-CN" dirty="0">
+                <a:latin typeface="Consolas" panose="020B0609020204030204" pitchFamily="49" charset="0"/>
+              </a:rPr>
+              <a:t>    public int[] </a:t>
+            </a:r>
+            <a:r>
+              <a:rPr lang="en-US" altLang="zh-CN" dirty="0" err="1">
+                <a:latin typeface="Consolas" panose="020B0609020204030204" pitchFamily="49" charset="0"/>
+              </a:rPr>
+              <a:t>twoSum</a:t>
+            </a:r>
+            <a:r>
+              <a:rPr lang="en-US" altLang="zh-CN" dirty="0">
+                <a:latin typeface="Consolas" panose="020B0609020204030204" pitchFamily="49" charset="0"/>
+              </a:rPr>
+              <a:t>(int[] </a:t>
+            </a:r>
+            <a:r>
+              <a:rPr lang="en-US" altLang="zh-CN" dirty="0" err="1">
+                <a:latin typeface="Consolas" panose="020B0609020204030204" pitchFamily="49" charset="0"/>
+              </a:rPr>
+              <a:t>nums</a:t>
+            </a:r>
+            <a:r>
+              <a:rPr lang="en-US" altLang="zh-CN" dirty="0">
+                <a:latin typeface="Consolas" panose="020B0609020204030204" pitchFamily="49" charset="0"/>
+              </a:rPr>
+              <a:t>, int target) {</a:t>
+            </a:r>
+          </a:p>
+          <a:p>
+            <a:r>
+              <a:rPr lang="en-US" altLang="zh-CN" dirty="0">
+                <a:latin typeface="Consolas" panose="020B0609020204030204" pitchFamily="49" charset="0"/>
+              </a:rPr>
+              <a:t>        Map&lt;Integer, Integer&gt; </a:t>
+            </a:r>
+            <a:r>
+              <a:rPr lang="en-US" altLang="zh-CN" dirty="0" err="1">
+                <a:latin typeface="Consolas" panose="020B0609020204030204" pitchFamily="49" charset="0"/>
+              </a:rPr>
+              <a:t>cnt</a:t>
+            </a:r>
+            <a:r>
+              <a:rPr lang="en-US" altLang="zh-CN" dirty="0">
+                <a:latin typeface="Consolas" panose="020B0609020204030204" pitchFamily="49" charset="0"/>
+              </a:rPr>
+              <a:t> = new HashMap&lt;&gt;();</a:t>
+            </a:r>
+          </a:p>
+          <a:p>
+            <a:r>
+              <a:rPr lang="en-US" altLang="zh-CN" dirty="0">
+                <a:latin typeface="Consolas" panose="020B0609020204030204" pitchFamily="49" charset="0"/>
+              </a:rPr>
+              <a:t>        for (int </a:t>
+            </a:r>
+            <a:r>
+              <a:rPr lang="en-US" altLang="zh-CN" dirty="0" err="1">
+                <a:latin typeface="Consolas" panose="020B0609020204030204" pitchFamily="49" charset="0"/>
+              </a:rPr>
+              <a:t>i</a:t>
+            </a:r>
+            <a:r>
+              <a:rPr lang="en-US" altLang="zh-CN" dirty="0">
+                <a:latin typeface="Consolas" panose="020B0609020204030204" pitchFamily="49" charset="0"/>
+              </a:rPr>
+              <a:t> = 0; </a:t>
+            </a:r>
+            <a:r>
+              <a:rPr lang="en-US" altLang="zh-CN" dirty="0" err="1">
+                <a:latin typeface="Consolas" panose="020B0609020204030204" pitchFamily="49" charset="0"/>
+              </a:rPr>
+              <a:t>i</a:t>
+            </a:r>
+            <a:r>
+              <a:rPr lang="en-US" altLang="zh-CN" dirty="0">
+                <a:latin typeface="Consolas" panose="020B0609020204030204" pitchFamily="49" charset="0"/>
+              </a:rPr>
+              <a:t> &lt; </a:t>
+            </a:r>
+            <a:r>
+              <a:rPr lang="en-US" altLang="zh-CN" dirty="0" err="1">
+                <a:latin typeface="Consolas" panose="020B0609020204030204" pitchFamily="49" charset="0"/>
+              </a:rPr>
+              <a:t>nums.length</a:t>
+            </a:r>
+            <a:r>
+              <a:rPr lang="en-US" altLang="zh-CN" dirty="0">
+                <a:latin typeface="Consolas" panose="020B0609020204030204" pitchFamily="49" charset="0"/>
+              </a:rPr>
+              <a:t>; </a:t>
+            </a:r>
+            <a:r>
+              <a:rPr lang="en-US" altLang="zh-CN" dirty="0" err="1">
+                <a:latin typeface="Consolas" panose="020B0609020204030204" pitchFamily="49" charset="0"/>
+              </a:rPr>
+              <a:t>i</a:t>
+            </a:r>
+            <a:r>
+              <a:rPr lang="en-US" altLang="zh-CN" dirty="0">
+                <a:latin typeface="Consolas" panose="020B0609020204030204" pitchFamily="49" charset="0"/>
+              </a:rPr>
+              <a:t>++) {</a:t>
+            </a:r>
+          </a:p>
+          <a:p>
+            <a:r>
+              <a:rPr lang="en-US" altLang="zh-CN" dirty="0">
+                <a:latin typeface="Consolas" panose="020B0609020204030204" pitchFamily="49" charset="0"/>
+              </a:rPr>
+              <a:t>            int x = </a:t>
+            </a:r>
+            <a:r>
+              <a:rPr lang="en-US" altLang="zh-CN" dirty="0" err="1">
+                <a:latin typeface="Consolas" panose="020B0609020204030204" pitchFamily="49" charset="0"/>
+              </a:rPr>
+              <a:t>nums</a:t>
+            </a:r>
+            <a:r>
+              <a:rPr lang="en-US" altLang="zh-CN" dirty="0">
+                <a:latin typeface="Consolas" panose="020B0609020204030204" pitchFamily="49" charset="0"/>
+              </a:rPr>
+              <a:t>[</a:t>
+            </a:r>
+            <a:r>
+              <a:rPr lang="en-US" altLang="zh-CN" dirty="0" err="1">
+                <a:latin typeface="Consolas" panose="020B0609020204030204" pitchFamily="49" charset="0"/>
+              </a:rPr>
+              <a:t>i</a:t>
+            </a:r>
+            <a:r>
+              <a:rPr lang="en-US" altLang="zh-CN" dirty="0">
+                <a:latin typeface="Consolas" panose="020B0609020204030204" pitchFamily="49" charset="0"/>
+              </a:rPr>
+              <a:t>];</a:t>
+            </a:r>
+          </a:p>
+          <a:p>
+            <a:r>
+              <a:rPr lang="en-US" altLang="zh-CN" dirty="0">
+                <a:latin typeface="Consolas" panose="020B0609020204030204" pitchFamily="49" charset="0"/>
+              </a:rPr>
+              <a:t>            if (</a:t>
+            </a:r>
+            <a:r>
+              <a:rPr lang="en-US" altLang="zh-CN" dirty="0" err="1">
+                <a:latin typeface="Consolas" panose="020B0609020204030204" pitchFamily="49" charset="0"/>
+              </a:rPr>
+              <a:t>cnt.containsKey</a:t>
+            </a:r>
+            <a:r>
+              <a:rPr lang="en-US" altLang="zh-CN" dirty="0">
+                <a:latin typeface="Consolas" panose="020B0609020204030204" pitchFamily="49" charset="0"/>
+              </a:rPr>
+              <a:t>(target - x)) {</a:t>
+            </a:r>
+          </a:p>
+          <a:p>
+            <a:r>
+              <a:rPr lang="en-US" altLang="zh-CN" dirty="0">
+                <a:latin typeface="Consolas" panose="020B0609020204030204" pitchFamily="49" charset="0"/>
+              </a:rPr>
+              <a:t>                return new int[]{</a:t>
+            </a:r>
+            <a:r>
+              <a:rPr lang="en-US" altLang="zh-CN" dirty="0" err="1">
+                <a:latin typeface="Consolas" panose="020B0609020204030204" pitchFamily="49" charset="0"/>
+              </a:rPr>
+              <a:t>cnt.get</a:t>
+            </a:r>
+            <a:r>
+              <a:rPr lang="en-US" altLang="zh-CN" dirty="0">
+                <a:latin typeface="Consolas" panose="020B0609020204030204" pitchFamily="49" charset="0"/>
+              </a:rPr>
+              <a:t>(target - x), </a:t>
+            </a:r>
+            <a:r>
+              <a:rPr lang="en-US" altLang="zh-CN" dirty="0" err="1">
+                <a:latin typeface="Consolas" panose="020B0609020204030204" pitchFamily="49" charset="0"/>
+              </a:rPr>
+              <a:t>i</a:t>
+            </a:r>
+            <a:r>
+              <a:rPr lang="en-US" altLang="zh-CN" dirty="0">
+                <a:latin typeface="Consolas" panose="020B0609020204030204" pitchFamily="49" charset="0"/>
+              </a:rPr>
+              <a:t>};</a:t>
+            </a:r>
+          </a:p>
+          <a:p>
+            <a:r>
+              <a:rPr lang="en-US" altLang="zh-CN" dirty="0">
+                <a:latin typeface="Consolas" panose="020B0609020204030204" pitchFamily="49" charset="0"/>
+              </a:rPr>
+              <a:t>            }</a:t>
+            </a:r>
+          </a:p>
+          <a:p>
+            <a:r>
+              <a:rPr lang="en-US" altLang="zh-CN" dirty="0">
+                <a:latin typeface="Consolas" panose="020B0609020204030204" pitchFamily="49" charset="0"/>
+              </a:rPr>
+              <a:t>            </a:t>
+            </a:r>
+            <a:r>
+              <a:rPr lang="en-US" altLang="zh-CN" dirty="0" err="1">
+                <a:latin typeface="Consolas" panose="020B0609020204030204" pitchFamily="49" charset="0"/>
+              </a:rPr>
+              <a:t>cnt.put</a:t>
+            </a:r>
+            <a:r>
+              <a:rPr lang="en-US" altLang="zh-CN" dirty="0">
+                <a:latin typeface="Consolas" panose="020B0609020204030204" pitchFamily="49" charset="0"/>
+              </a:rPr>
+              <a:t>(x, </a:t>
+            </a:r>
+            <a:r>
+              <a:rPr lang="en-US" altLang="zh-CN" dirty="0" err="1">
+                <a:latin typeface="Consolas" panose="020B0609020204030204" pitchFamily="49" charset="0"/>
+              </a:rPr>
+              <a:t>i</a:t>
+            </a:r>
+            <a:r>
+              <a:rPr lang="en-US" altLang="zh-CN" dirty="0">
+                <a:latin typeface="Consolas" panose="020B0609020204030204" pitchFamily="49" charset="0"/>
+              </a:rPr>
+              <a:t>);</a:t>
+            </a:r>
+          </a:p>
+          <a:p>
+            <a:r>
+              <a:rPr lang="en-US" altLang="zh-CN" dirty="0">
+                <a:latin typeface="Consolas" panose="020B0609020204030204" pitchFamily="49" charset="0"/>
+              </a:rPr>
+              <a:t>        }</a:t>
+            </a:r>
+          </a:p>
+          <a:p>
+            <a:r>
+              <a:rPr lang="en-US" altLang="zh-CN" dirty="0">
+                <a:latin typeface="Consolas" panose="020B0609020204030204" pitchFamily="49" charset="0"/>
+              </a:rPr>
+              <a:t>        return new int[]{-1, -1};</a:t>
+            </a:r>
+          </a:p>
+          <a:p>
+            <a:r>
+              <a:rPr lang="en-US" altLang="zh-CN" dirty="0">
+                <a:latin typeface="Consolas" panose="020B0609020204030204" pitchFamily="49" charset="0"/>
+              </a:rPr>
+              <a:t>    }</a:t>
+            </a:r>
+          </a:p>
+          <a:p>
+            <a:r>
+              <a:rPr lang="en-US" altLang="zh-CN" dirty="0">
+                <a:latin typeface="Consolas" panose="020B0609020204030204" pitchFamily="49" charset="0"/>
+              </a:rPr>
+              <a:t>}</a:t>
+            </a:r>
+            <a:endParaRPr lang="zh-CN" altLang="en-US" dirty="0">
+              <a:latin typeface="Consolas" panose="020B0609020204030204" pitchFamily="49" charset="0"/>
+            </a:endParaRPr>
+          </a:p>
+        </p:txBody>
+      </p:sp>
+    </p:spTree>
+    <p:extLst>
+      <p:ext uri="{BB962C8B-B14F-4D97-AF65-F5344CB8AC3E}">
+        <p14:creationId xmlns:p14="http://schemas.microsoft.com/office/powerpoint/2010/main" val="2305770862"/>
+      </p:ext>
+    </p:extLst>
+  </p:cSld>
+  <p:clrMapOvr>
+    <a:masterClrMapping/>
+  </p:clrMapOvr>
+</p:sld>
+</file>
+
+<file path=ppt/slides/slide18.xml><?xml version="1.0" encoding="utf-8"?>
+<p:sld xmlns:a="http://schemas.openxmlformats.org/drawingml/2006/main" xmlns:r="http://schemas.openxmlformats.org/officeDocument/2006/relationships" xmlns:p="http://schemas.openxmlformats.org/presentationml/2006/main">
+  <p:cSld>
+    <p:spTree>
+      <p:nvGrpSpPr>
+        <p:cNvPr id="1" name=""/>
+        <p:cNvGrpSpPr/>
+        <p:nvPr/>
+      </p:nvGrpSpPr>
+      <p:grpSpPr>
+        <a:xfrm>
+          <a:off x="0" y="0"/>
+          <a:ext cx="0" cy="0"/>
+          <a:chOff x="0" y="0"/>
+          <a:chExt cx="0" cy="0"/>
+        </a:xfrm>
+      </p:grpSpPr>
+      <p:sp>
+        <p:nvSpPr>
+          <p:cNvPr id="7" name="文本框 6">
+            <a:extLst>
+              <a:ext uri="{FF2B5EF4-FFF2-40B4-BE49-F238E27FC236}">
+                <a16:creationId xmlns:a16="http://schemas.microsoft.com/office/drawing/2014/main" id="{4E5442F8-E802-40D4-AB3C-D2C146F95ECE}"/>
+              </a:ext>
+            </a:extLst>
+          </p:cNvPr>
+          <p:cNvSpPr txBox="1"/>
+          <p:nvPr/>
+        </p:nvSpPr>
+        <p:spPr>
+          <a:xfrm>
+            <a:off x="667512" y="197346"/>
+            <a:ext cx="11082528" cy="6463308"/>
+          </a:xfrm>
+          <a:prstGeom prst="rect">
+            <a:avLst/>
+          </a:prstGeom>
+          <a:noFill/>
+        </p:spPr>
+        <p:txBody>
+          <a:bodyPr wrap="square" rtlCol="0">
+            <a:spAutoFit/>
+          </a:bodyPr>
+          <a:lstStyle/>
+          <a:p>
+            <a:r>
+              <a:rPr lang="en-US" altLang="zh-CN" dirty="0">
+                <a:latin typeface="Consolas" panose="020B0609020204030204" pitchFamily="49" charset="0"/>
+              </a:rPr>
+              <a:t>// Java </a:t>
+            </a:r>
+            <a:r>
+              <a:rPr lang="zh-CN" altLang="en-US" dirty="0">
+                <a:latin typeface="Consolas" panose="020B0609020204030204" pitchFamily="49" charset="0"/>
+              </a:rPr>
+              <a:t>双指针解法</a:t>
+            </a:r>
+            <a:r>
+              <a:rPr lang="en-US" altLang="zh-CN" dirty="0">
+                <a:latin typeface="Consolas" panose="020B0609020204030204" pitchFamily="49" charset="0"/>
+              </a:rPr>
+              <a:t> </a:t>
+            </a:r>
+          </a:p>
+          <a:p>
+            <a:r>
+              <a:rPr lang="en-US" altLang="zh-CN" b="0" dirty="0">
+                <a:solidFill>
+                  <a:srgbClr val="0000FF"/>
+                </a:solidFill>
+                <a:effectLst/>
+                <a:latin typeface="Consolas" panose="020B0609020204030204" pitchFamily="49" charset="0"/>
+              </a:rPr>
+              <a:t>class</a:t>
+            </a:r>
+            <a:r>
+              <a:rPr lang="en-US" altLang="zh-CN" b="0" dirty="0">
+                <a:solidFill>
+                  <a:srgbClr val="000000"/>
+                </a:solidFill>
+                <a:effectLst/>
+                <a:latin typeface="Consolas" panose="020B0609020204030204" pitchFamily="49" charset="0"/>
+              </a:rPr>
+              <a:t> </a:t>
+            </a:r>
+            <a:r>
+              <a:rPr lang="en-US" altLang="zh-CN" b="0" dirty="0">
+                <a:solidFill>
+                  <a:srgbClr val="267F99"/>
+                </a:solidFill>
+                <a:effectLst/>
+                <a:latin typeface="Consolas" panose="020B0609020204030204" pitchFamily="49" charset="0"/>
+              </a:rPr>
+              <a:t>Solution</a:t>
+            </a:r>
+            <a:r>
+              <a:rPr lang="en-US" altLang="zh-CN" b="0" dirty="0">
+                <a:solidFill>
+                  <a:srgbClr val="000000"/>
+                </a:solidFill>
+                <a:effectLst/>
+                <a:latin typeface="Consolas" panose="020B0609020204030204" pitchFamily="49" charset="0"/>
+              </a:rPr>
+              <a:t> {</a:t>
+            </a:r>
+          </a:p>
+          <a:p>
+            <a:r>
+              <a:rPr lang="en-US" altLang="zh-CN" b="0" dirty="0">
+                <a:solidFill>
+                  <a:srgbClr val="000000"/>
+                </a:solidFill>
+                <a:effectLst/>
+                <a:latin typeface="Consolas" panose="020B0609020204030204" pitchFamily="49" charset="0"/>
+              </a:rPr>
+              <a:t>    </a:t>
+            </a:r>
+            <a:r>
+              <a:rPr lang="en-US" altLang="zh-CN" b="0" dirty="0">
+                <a:solidFill>
+                  <a:srgbClr val="0000FF"/>
+                </a:solidFill>
+                <a:effectLst/>
+                <a:latin typeface="Consolas" panose="020B0609020204030204" pitchFamily="49" charset="0"/>
+              </a:rPr>
+              <a:t>public</a:t>
+            </a:r>
+            <a:r>
+              <a:rPr lang="en-US" altLang="zh-CN" b="0" dirty="0">
+                <a:solidFill>
+                  <a:srgbClr val="000000"/>
+                </a:solidFill>
+                <a:effectLst/>
+                <a:latin typeface="Consolas" panose="020B0609020204030204" pitchFamily="49" charset="0"/>
+              </a:rPr>
+              <a:t> </a:t>
+            </a:r>
+            <a:r>
+              <a:rPr lang="en-US" altLang="zh-CN" b="0" dirty="0">
+                <a:solidFill>
+                  <a:srgbClr val="267F99"/>
+                </a:solidFill>
+                <a:effectLst/>
+                <a:latin typeface="Consolas" panose="020B0609020204030204" pitchFamily="49" charset="0"/>
+              </a:rPr>
+              <a:t>int</a:t>
+            </a:r>
+            <a:r>
+              <a:rPr lang="en-US" altLang="zh-CN" b="0" dirty="0">
+                <a:solidFill>
+                  <a:srgbClr val="000000"/>
+                </a:solidFill>
+                <a:effectLst/>
+                <a:latin typeface="Consolas" panose="020B0609020204030204" pitchFamily="49" charset="0"/>
+              </a:rPr>
+              <a:t>[] </a:t>
+            </a:r>
+            <a:r>
+              <a:rPr lang="en-US" altLang="zh-CN" b="0" dirty="0" err="1">
+                <a:solidFill>
+                  <a:srgbClr val="795E26"/>
+                </a:solidFill>
+                <a:effectLst/>
+                <a:latin typeface="Consolas" panose="020B0609020204030204" pitchFamily="49" charset="0"/>
+              </a:rPr>
+              <a:t>twoSum</a:t>
+            </a:r>
+            <a:r>
+              <a:rPr lang="en-US" altLang="zh-CN" b="0" dirty="0">
+                <a:solidFill>
+                  <a:srgbClr val="000000"/>
+                </a:solidFill>
+                <a:effectLst/>
+                <a:latin typeface="Consolas" panose="020B0609020204030204" pitchFamily="49" charset="0"/>
+              </a:rPr>
+              <a:t>(</a:t>
+            </a:r>
+            <a:r>
+              <a:rPr lang="en-US" altLang="zh-CN" b="0" dirty="0">
+                <a:solidFill>
+                  <a:srgbClr val="267F99"/>
+                </a:solidFill>
+                <a:effectLst/>
+                <a:latin typeface="Consolas" panose="020B0609020204030204" pitchFamily="49" charset="0"/>
+              </a:rPr>
+              <a:t>int</a:t>
+            </a:r>
+            <a:r>
+              <a:rPr lang="en-US" altLang="zh-CN" b="0" dirty="0">
+                <a:solidFill>
+                  <a:srgbClr val="000000"/>
+                </a:solidFill>
+                <a:effectLst/>
+                <a:latin typeface="Consolas" panose="020B0609020204030204" pitchFamily="49" charset="0"/>
+              </a:rPr>
+              <a:t>[] </a:t>
+            </a:r>
+            <a:r>
+              <a:rPr lang="en-US" altLang="zh-CN" b="0" dirty="0" err="1">
+                <a:solidFill>
+                  <a:srgbClr val="001080"/>
+                </a:solidFill>
+                <a:effectLst/>
+                <a:latin typeface="Consolas" panose="020B0609020204030204" pitchFamily="49" charset="0"/>
+              </a:rPr>
+              <a:t>nums</a:t>
+            </a:r>
+            <a:r>
+              <a:rPr lang="en-US" altLang="zh-CN" b="0" dirty="0">
+                <a:solidFill>
+                  <a:srgbClr val="000000"/>
+                </a:solidFill>
+                <a:effectLst/>
+                <a:latin typeface="Consolas" panose="020B0609020204030204" pitchFamily="49" charset="0"/>
+              </a:rPr>
+              <a:t>, </a:t>
+            </a:r>
+            <a:r>
+              <a:rPr lang="en-US" altLang="zh-CN" b="0" dirty="0">
+                <a:solidFill>
+                  <a:srgbClr val="267F99"/>
+                </a:solidFill>
+                <a:effectLst/>
+                <a:latin typeface="Consolas" panose="020B0609020204030204" pitchFamily="49" charset="0"/>
+              </a:rPr>
+              <a:t>int</a:t>
+            </a:r>
+            <a:r>
+              <a:rPr lang="en-US" altLang="zh-CN" b="0" dirty="0">
+                <a:solidFill>
+                  <a:srgbClr val="000000"/>
+                </a:solidFill>
+                <a:effectLst/>
+                <a:latin typeface="Consolas" panose="020B0609020204030204" pitchFamily="49" charset="0"/>
+              </a:rPr>
+              <a:t> </a:t>
+            </a:r>
+            <a:r>
+              <a:rPr lang="en-US" altLang="zh-CN" b="0" dirty="0">
+                <a:solidFill>
+                  <a:srgbClr val="001080"/>
+                </a:solidFill>
+                <a:effectLst/>
+                <a:latin typeface="Consolas" panose="020B0609020204030204" pitchFamily="49" charset="0"/>
+              </a:rPr>
+              <a:t>target</a:t>
+            </a:r>
+            <a:r>
+              <a:rPr lang="en-US" altLang="zh-CN" b="0" dirty="0">
+                <a:solidFill>
+                  <a:srgbClr val="000000"/>
+                </a:solidFill>
+                <a:effectLst/>
+                <a:latin typeface="Consolas" panose="020B0609020204030204" pitchFamily="49" charset="0"/>
+              </a:rPr>
+              <a:t>) {</a:t>
+            </a:r>
+          </a:p>
+          <a:p>
+            <a:r>
+              <a:rPr lang="en-US" altLang="zh-CN" b="0" dirty="0">
+                <a:solidFill>
+                  <a:srgbClr val="000000"/>
+                </a:solidFill>
+                <a:effectLst/>
+                <a:latin typeface="Consolas" panose="020B0609020204030204" pitchFamily="49" charset="0"/>
+              </a:rPr>
+              <a:t>        </a:t>
+            </a:r>
+            <a:r>
+              <a:rPr lang="en-US" altLang="zh-CN" b="0" dirty="0">
+                <a:solidFill>
+                  <a:srgbClr val="267F99"/>
+                </a:solidFill>
+                <a:effectLst/>
+                <a:latin typeface="Consolas" panose="020B0609020204030204" pitchFamily="49" charset="0"/>
+              </a:rPr>
+              <a:t>int</a:t>
+            </a:r>
+            <a:r>
+              <a:rPr lang="en-US" altLang="zh-CN" b="0" dirty="0">
+                <a:solidFill>
+                  <a:srgbClr val="000000"/>
+                </a:solidFill>
+                <a:effectLst/>
+                <a:latin typeface="Consolas" panose="020B0609020204030204" pitchFamily="49" charset="0"/>
+              </a:rPr>
+              <a:t> </a:t>
+            </a:r>
+            <a:r>
+              <a:rPr lang="en-US" altLang="zh-CN" b="0" dirty="0">
+                <a:solidFill>
+                  <a:srgbClr val="001080"/>
+                </a:solidFill>
+                <a:effectLst/>
+                <a:latin typeface="Consolas" panose="020B0609020204030204" pitchFamily="49" charset="0"/>
+              </a:rPr>
+              <a:t>n</a:t>
+            </a:r>
+            <a:r>
+              <a:rPr lang="en-US" altLang="zh-CN" b="0" dirty="0">
+                <a:solidFill>
+                  <a:srgbClr val="000000"/>
+                </a:solidFill>
+                <a:effectLst/>
+                <a:latin typeface="Consolas" panose="020B0609020204030204" pitchFamily="49" charset="0"/>
+              </a:rPr>
+              <a:t> = </a:t>
+            </a:r>
+            <a:r>
+              <a:rPr lang="en-US" altLang="zh-CN" b="0" dirty="0" err="1">
+                <a:solidFill>
+                  <a:srgbClr val="001080"/>
+                </a:solidFill>
+                <a:effectLst/>
+                <a:latin typeface="Consolas" panose="020B0609020204030204" pitchFamily="49" charset="0"/>
+              </a:rPr>
+              <a:t>nums</a:t>
+            </a:r>
+            <a:r>
+              <a:rPr lang="en-US" altLang="zh-CN" b="0" dirty="0" err="1">
+                <a:solidFill>
+                  <a:srgbClr val="000000"/>
+                </a:solidFill>
+                <a:effectLst/>
+                <a:latin typeface="Consolas" panose="020B0609020204030204" pitchFamily="49" charset="0"/>
+              </a:rPr>
+              <a:t>.</a:t>
+            </a:r>
+            <a:r>
+              <a:rPr lang="en-US" altLang="zh-CN" b="0" dirty="0" err="1">
+                <a:solidFill>
+                  <a:srgbClr val="001080"/>
+                </a:solidFill>
+                <a:effectLst/>
+                <a:latin typeface="Consolas" panose="020B0609020204030204" pitchFamily="49" charset="0"/>
+              </a:rPr>
+              <a:t>length</a:t>
+            </a:r>
+            <a:r>
+              <a:rPr lang="en-US" altLang="zh-CN" b="0" dirty="0">
+                <a:solidFill>
+                  <a:srgbClr val="000000"/>
+                </a:solidFill>
+                <a:effectLst/>
+                <a:latin typeface="Consolas" panose="020B0609020204030204" pitchFamily="49" charset="0"/>
+              </a:rPr>
+              <a:t>;</a:t>
+            </a:r>
+          </a:p>
+          <a:p>
+            <a:r>
+              <a:rPr lang="en-US" altLang="zh-CN" b="0" dirty="0">
+                <a:solidFill>
+                  <a:srgbClr val="000000"/>
+                </a:solidFill>
+                <a:effectLst/>
+                <a:latin typeface="Consolas" panose="020B0609020204030204" pitchFamily="49" charset="0"/>
+              </a:rPr>
+              <a:t>        </a:t>
+            </a:r>
+            <a:r>
+              <a:rPr lang="en-US" altLang="zh-CN" b="0" dirty="0">
+                <a:solidFill>
+                  <a:srgbClr val="267F99"/>
+                </a:solidFill>
+                <a:effectLst/>
+                <a:latin typeface="Consolas" panose="020B0609020204030204" pitchFamily="49" charset="0"/>
+              </a:rPr>
+              <a:t>Pair</a:t>
+            </a:r>
+            <a:r>
+              <a:rPr lang="en-US" altLang="zh-CN" b="0" dirty="0">
+                <a:solidFill>
+                  <a:srgbClr val="000000"/>
+                </a:solidFill>
+                <a:effectLst/>
+                <a:latin typeface="Consolas" panose="020B0609020204030204" pitchFamily="49" charset="0"/>
+              </a:rPr>
+              <a:t>[] </a:t>
+            </a:r>
+            <a:r>
+              <a:rPr lang="en-US" altLang="zh-CN" b="0" dirty="0">
+                <a:solidFill>
+                  <a:srgbClr val="001080"/>
+                </a:solidFill>
+                <a:effectLst/>
+                <a:latin typeface="Consolas" panose="020B0609020204030204" pitchFamily="49" charset="0"/>
+              </a:rPr>
+              <a:t>p</a:t>
+            </a:r>
+            <a:r>
+              <a:rPr lang="en-US" altLang="zh-CN" b="0" dirty="0">
+                <a:solidFill>
+                  <a:srgbClr val="000000"/>
+                </a:solidFill>
+                <a:effectLst/>
+                <a:latin typeface="Consolas" panose="020B0609020204030204" pitchFamily="49" charset="0"/>
+              </a:rPr>
+              <a:t> = </a:t>
+            </a:r>
+            <a:r>
+              <a:rPr lang="en-US" altLang="zh-CN" b="0" dirty="0">
+                <a:solidFill>
+                  <a:srgbClr val="AF00DB"/>
+                </a:solidFill>
+                <a:effectLst/>
+                <a:latin typeface="Consolas" panose="020B0609020204030204" pitchFamily="49" charset="0"/>
+              </a:rPr>
+              <a:t>new</a:t>
+            </a:r>
+            <a:r>
+              <a:rPr lang="en-US" altLang="zh-CN" b="0" dirty="0">
+                <a:solidFill>
+                  <a:srgbClr val="000000"/>
+                </a:solidFill>
+                <a:effectLst/>
+                <a:latin typeface="Consolas" panose="020B0609020204030204" pitchFamily="49" charset="0"/>
+              </a:rPr>
+              <a:t> </a:t>
+            </a:r>
+            <a:r>
+              <a:rPr lang="en-US" altLang="zh-CN" b="0" dirty="0">
+                <a:solidFill>
+                  <a:srgbClr val="267F99"/>
+                </a:solidFill>
+                <a:effectLst/>
+                <a:latin typeface="Consolas" panose="020B0609020204030204" pitchFamily="49" charset="0"/>
+              </a:rPr>
+              <a:t>Pair</a:t>
+            </a:r>
+            <a:r>
+              <a:rPr lang="en-US" altLang="zh-CN" b="0" dirty="0">
+                <a:solidFill>
+                  <a:srgbClr val="000000"/>
+                </a:solidFill>
+                <a:effectLst/>
+                <a:latin typeface="Consolas" panose="020B0609020204030204" pitchFamily="49" charset="0"/>
+              </a:rPr>
+              <a:t>[n];</a:t>
+            </a:r>
+          </a:p>
+          <a:p>
+            <a:r>
+              <a:rPr lang="en-US" altLang="zh-CN" b="0" dirty="0">
+                <a:solidFill>
+                  <a:srgbClr val="000000"/>
+                </a:solidFill>
+                <a:effectLst/>
+                <a:latin typeface="Consolas" panose="020B0609020204030204" pitchFamily="49" charset="0"/>
+              </a:rPr>
+              <a:t>        </a:t>
+            </a:r>
+            <a:r>
+              <a:rPr lang="en-US" altLang="zh-CN" b="0" dirty="0">
+                <a:solidFill>
+                  <a:srgbClr val="AF00DB"/>
+                </a:solidFill>
+                <a:effectLst/>
+                <a:latin typeface="Consolas" panose="020B0609020204030204" pitchFamily="49" charset="0"/>
+              </a:rPr>
+              <a:t>for</a:t>
+            </a:r>
+            <a:r>
+              <a:rPr lang="en-US" altLang="zh-CN" b="0" dirty="0">
+                <a:solidFill>
+                  <a:srgbClr val="000000"/>
+                </a:solidFill>
+                <a:effectLst/>
+                <a:latin typeface="Consolas" panose="020B0609020204030204" pitchFamily="49" charset="0"/>
+              </a:rPr>
+              <a:t> (</a:t>
+            </a:r>
+            <a:r>
+              <a:rPr lang="en-US" altLang="zh-CN" b="0" dirty="0">
+                <a:solidFill>
+                  <a:srgbClr val="267F99"/>
+                </a:solidFill>
+                <a:effectLst/>
+                <a:latin typeface="Consolas" panose="020B0609020204030204" pitchFamily="49" charset="0"/>
+              </a:rPr>
+              <a:t>int</a:t>
+            </a:r>
+            <a:r>
+              <a:rPr lang="en-US" altLang="zh-CN" b="0" dirty="0">
+                <a:solidFill>
+                  <a:srgbClr val="000000"/>
+                </a:solidFill>
+                <a:effectLst/>
+                <a:latin typeface="Consolas" panose="020B0609020204030204" pitchFamily="49" charset="0"/>
+              </a:rPr>
+              <a:t> </a:t>
+            </a:r>
+            <a:r>
+              <a:rPr lang="en-US" altLang="zh-CN" b="0" dirty="0" err="1">
+                <a:solidFill>
+                  <a:srgbClr val="001080"/>
+                </a:solidFill>
+                <a:effectLst/>
+                <a:latin typeface="Consolas" panose="020B0609020204030204" pitchFamily="49" charset="0"/>
+              </a:rPr>
+              <a:t>i</a:t>
+            </a:r>
+            <a:r>
+              <a:rPr lang="en-US" altLang="zh-CN" b="0" dirty="0">
+                <a:solidFill>
+                  <a:srgbClr val="000000"/>
+                </a:solidFill>
+                <a:effectLst/>
+                <a:latin typeface="Consolas" panose="020B0609020204030204" pitchFamily="49" charset="0"/>
+              </a:rPr>
+              <a:t> = </a:t>
+            </a:r>
+            <a:r>
+              <a:rPr lang="en-US" altLang="zh-CN" b="0" dirty="0">
+                <a:solidFill>
+                  <a:srgbClr val="098658"/>
+                </a:solidFill>
+                <a:effectLst/>
+                <a:latin typeface="Consolas" panose="020B0609020204030204" pitchFamily="49" charset="0"/>
+              </a:rPr>
+              <a:t>0</a:t>
+            </a:r>
+            <a:r>
+              <a:rPr lang="en-US" altLang="zh-CN" b="0" dirty="0">
+                <a:solidFill>
+                  <a:srgbClr val="000000"/>
+                </a:solidFill>
+                <a:effectLst/>
+                <a:latin typeface="Consolas" panose="020B0609020204030204" pitchFamily="49" charset="0"/>
+              </a:rPr>
+              <a:t>; </a:t>
+            </a:r>
+            <a:r>
+              <a:rPr lang="en-US" altLang="zh-CN" b="0" dirty="0" err="1">
+                <a:solidFill>
+                  <a:srgbClr val="000000"/>
+                </a:solidFill>
+                <a:effectLst/>
+                <a:latin typeface="Consolas" panose="020B0609020204030204" pitchFamily="49" charset="0"/>
+              </a:rPr>
+              <a:t>i</a:t>
+            </a:r>
+            <a:r>
+              <a:rPr lang="en-US" altLang="zh-CN" b="0" dirty="0">
+                <a:solidFill>
+                  <a:srgbClr val="000000"/>
+                </a:solidFill>
+                <a:effectLst/>
+                <a:latin typeface="Consolas" panose="020B0609020204030204" pitchFamily="49" charset="0"/>
+              </a:rPr>
+              <a:t> &lt; n; </a:t>
+            </a:r>
+            <a:r>
+              <a:rPr lang="en-US" altLang="zh-CN" b="0" dirty="0" err="1">
+                <a:solidFill>
+                  <a:srgbClr val="000000"/>
+                </a:solidFill>
+                <a:effectLst/>
+                <a:latin typeface="Consolas" panose="020B0609020204030204" pitchFamily="49" charset="0"/>
+              </a:rPr>
+              <a:t>i</a:t>
+            </a:r>
+            <a:r>
+              <a:rPr lang="en-US" altLang="zh-CN" b="0" dirty="0">
+                <a:solidFill>
+                  <a:srgbClr val="000000"/>
+                </a:solidFill>
+                <a:effectLst/>
+                <a:latin typeface="Consolas" panose="020B0609020204030204" pitchFamily="49" charset="0"/>
+              </a:rPr>
+              <a:t>++) p[</a:t>
+            </a:r>
+            <a:r>
+              <a:rPr lang="en-US" altLang="zh-CN" b="0" dirty="0" err="1">
+                <a:solidFill>
+                  <a:srgbClr val="000000"/>
+                </a:solidFill>
+                <a:effectLst/>
+                <a:latin typeface="Consolas" panose="020B0609020204030204" pitchFamily="49" charset="0"/>
+              </a:rPr>
+              <a:t>i</a:t>
+            </a:r>
+            <a:r>
+              <a:rPr lang="en-US" altLang="zh-CN" b="0" dirty="0">
+                <a:solidFill>
+                  <a:srgbClr val="000000"/>
+                </a:solidFill>
+                <a:effectLst/>
+                <a:latin typeface="Consolas" panose="020B0609020204030204" pitchFamily="49" charset="0"/>
+              </a:rPr>
+              <a:t>] = </a:t>
+            </a:r>
+            <a:r>
+              <a:rPr lang="en-US" altLang="zh-CN" b="0" dirty="0">
+                <a:solidFill>
+                  <a:srgbClr val="AF00DB"/>
+                </a:solidFill>
+                <a:effectLst/>
+                <a:latin typeface="Consolas" panose="020B0609020204030204" pitchFamily="49" charset="0"/>
+              </a:rPr>
+              <a:t>new</a:t>
+            </a:r>
+            <a:r>
+              <a:rPr lang="en-US" altLang="zh-CN" b="0" dirty="0">
+                <a:solidFill>
+                  <a:srgbClr val="000000"/>
+                </a:solidFill>
+                <a:effectLst/>
+                <a:latin typeface="Consolas" panose="020B0609020204030204" pitchFamily="49" charset="0"/>
+              </a:rPr>
+              <a:t> </a:t>
+            </a:r>
+            <a:r>
+              <a:rPr lang="en-US" altLang="zh-CN" b="0" dirty="0">
+                <a:solidFill>
+                  <a:srgbClr val="795E26"/>
+                </a:solidFill>
+                <a:effectLst/>
+                <a:latin typeface="Consolas" panose="020B0609020204030204" pitchFamily="49" charset="0"/>
+              </a:rPr>
+              <a:t>Pair</a:t>
+            </a:r>
+            <a:r>
+              <a:rPr lang="en-US" altLang="zh-CN" b="0" dirty="0">
+                <a:solidFill>
+                  <a:srgbClr val="000000"/>
+                </a:solidFill>
+                <a:effectLst/>
+                <a:latin typeface="Consolas" panose="020B0609020204030204" pitchFamily="49" charset="0"/>
+              </a:rPr>
+              <a:t>(</a:t>
+            </a:r>
+            <a:r>
+              <a:rPr lang="en-US" altLang="zh-CN" b="0" dirty="0" err="1">
+                <a:solidFill>
+                  <a:srgbClr val="000000"/>
+                </a:solidFill>
+                <a:effectLst/>
+                <a:latin typeface="Consolas" panose="020B0609020204030204" pitchFamily="49" charset="0"/>
+              </a:rPr>
+              <a:t>nums</a:t>
+            </a:r>
+            <a:r>
+              <a:rPr lang="en-US" altLang="zh-CN" b="0" dirty="0">
+                <a:solidFill>
+                  <a:srgbClr val="000000"/>
+                </a:solidFill>
+                <a:effectLst/>
+                <a:latin typeface="Consolas" panose="020B0609020204030204" pitchFamily="49" charset="0"/>
+              </a:rPr>
+              <a:t>[</a:t>
+            </a:r>
+            <a:r>
+              <a:rPr lang="en-US" altLang="zh-CN" b="0" dirty="0" err="1">
+                <a:solidFill>
+                  <a:srgbClr val="000000"/>
+                </a:solidFill>
+                <a:effectLst/>
+                <a:latin typeface="Consolas" panose="020B0609020204030204" pitchFamily="49" charset="0"/>
+              </a:rPr>
+              <a:t>i</a:t>
+            </a:r>
+            <a:r>
+              <a:rPr lang="en-US" altLang="zh-CN" b="0" dirty="0">
+                <a:solidFill>
+                  <a:srgbClr val="000000"/>
+                </a:solidFill>
+                <a:effectLst/>
+                <a:latin typeface="Consolas" panose="020B0609020204030204" pitchFamily="49" charset="0"/>
+              </a:rPr>
+              <a:t>], </a:t>
+            </a:r>
+            <a:r>
+              <a:rPr lang="en-US" altLang="zh-CN" b="0" dirty="0" err="1">
+                <a:solidFill>
+                  <a:srgbClr val="000000"/>
+                </a:solidFill>
+                <a:effectLst/>
+                <a:latin typeface="Consolas" panose="020B0609020204030204" pitchFamily="49" charset="0"/>
+              </a:rPr>
+              <a:t>i</a:t>
+            </a:r>
+            <a:r>
+              <a:rPr lang="en-US" altLang="zh-CN" b="0" dirty="0">
+                <a:solidFill>
+                  <a:srgbClr val="000000"/>
+                </a:solidFill>
+                <a:effectLst/>
+                <a:latin typeface="Consolas" panose="020B0609020204030204" pitchFamily="49" charset="0"/>
+              </a:rPr>
+              <a:t>);</a:t>
+            </a:r>
+          </a:p>
+          <a:p>
+            <a:r>
+              <a:rPr lang="en-US" altLang="zh-CN" b="0" dirty="0">
+                <a:solidFill>
+                  <a:srgbClr val="000000"/>
+                </a:solidFill>
+                <a:effectLst/>
+                <a:latin typeface="Consolas" panose="020B0609020204030204" pitchFamily="49" charset="0"/>
+              </a:rPr>
+              <a:t>        </a:t>
+            </a:r>
+            <a:r>
+              <a:rPr lang="en-US" altLang="zh-CN" b="0" dirty="0" err="1">
+                <a:solidFill>
+                  <a:srgbClr val="001080"/>
+                </a:solidFill>
+                <a:effectLst/>
+                <a:latin typeface="Consolas" panose="020B0609020204030204" pitchFamily="49" charset="0"/>
+              </a:rPr>
+              <a:t>Arrays</a:t>
+            </a:r>
+            <a:r>
+              <a:rPr lang="en-US" altLang="zh-CN" b="0" dirty="0" err="1">
+                <a:solidFill>
+                  <a:srgbClr val="000000"/>
+                </a:solidFill>
+                <a:effectLst/>
+                <a:latin typeface="Consolas" panose="020B0609020204030204" pitchFamily="49" charset="0"/>
+              </a:rPr>
+              <a:t>.</a:t>
+            </a:r>
+            <a:r>
+              <a:rPr lang="en-US" altLang="zh-CN" b="0" dirty="0" err="1">
+                <a:solidFill>
+                  <a:srgbClr val="795E26"/>
+                </a:solidFill>
+                <a:effectLst/>
+                <a:latin typeface="Consolas" panose="020B0609020204030204" pitchFamily="49" charset="0"/>
+              </a:rPr>
+              <a:t>sort</a:t>
+            </a:r>
+            <a:r>
+              <a:rPr lang="en-US" altLang="zh-CN" b="0" dirty="0">
+                <a:solidFill>
+                  <a:srgbClr val="000000"/>
+                </a:solidFill>
+                <a:effectLst/>
+                <a:latin typeface="Consolas" panose="020B0609020204030204" pitchFamily="49" charset="0"/>
+              </a:rPr>
+              <a:t>(p, (a, b) </a:t>
+            </a:r>
+            <a:r>
+              <a:rPr lang="en-US" altLang="zh-CN" b="0" dirty="0">
+                <a:solidFill>
+                  <a:srgbClr val="0000FF"/>
+                </a:solidFill>
+                <a:effectLst/>
+                <a:latin typeface="Consolas" panose="020B0609020204030204" pitchFamily="49" charset="0"/>
+              </a:rPr>
+              <a:t>-&gt;</a:t>
+            </a:r>
+            <a:r>
+              <a:rPr lang="en-US" altLang="zh-CN" b="0" dirty="0">
+                <a:solidFill>
+                  <a:srgbClr val="000000"/>
+                </a:solidFill>
+                <a:effectLst/>
+                <a:latin typeface="Consolas" panose="020B0609020204030204" pitchFamily="49" charset="0"/>
+              </a:rPr>
+              <a:t> </a:t>
+            </a:r>
+            <a:r>
+              <a:rPr lang="en-US" altLang="zh-CN" b="0" dirty="0" err="1">
+                <a:solidFill>
+                  <a:srgbClr val="001080"/>
+                </a:solidFill>
+                <a:effectLst/>
+                <a:latin typeface="Consolas" panose="020B0609020204030204" pitchFamily="49" charset="0"/>
+              </a:rPr>
+              <a:t>a</a:t>
+            </a:r>
+            <a:r>
+              <a:rPr lang="en-US" altLang="zh-CN" b="0" dirty="0" err="1">
+                <a:solidFill>
+                  <a:srgbClr val="000000"/>
+                </a:solidFill>
+                <a:effectLst/>
+                <a:latin typeface="Consolas" panose="020B0609020204030204" pitchFamily="49" charset="0"/>
+              </a:rPr>
+              <a:t>.</a:t>
+            </a:r>
+            <a:r>
+              <a:rPr lang="en-US" altLang="zh-CN" b="0" dirty="0" err="1">
+                <a:solidFill>
+                  <a:srgbClr val="001080"/>
+                </a:solidFill>
+                <a:effectLst/>
+                <a:latin typeface="Consolas" panose="020B0609020204030204" pitchFamily="49" charset="0"/>
+              </a:rPr>
+              <a:t>first</a:t>
+            </a:r>
+            <a:r>
+              <a:rPr lang="en-US" altLang="zh-CN" b="0" dirty="0">
+                <a:solidFill>
+                  <a:srgbClr val="000000"/>
+                </a:solidFill>
+                <a:effectLst/>
+                <a:latin typeface="Consolas" panose="020B0609020204030204" pitchFamily="49" charset="0"/>
+              </a:rPr>
+              <a:t> - </a:t>
+            </a:r>
+            <a:r>
+              <a:rPr lang="en-US" altLang="zh-CN" b="0" dirty="0" err="1">
+                <a:solidFill>
+                  <a:srgbClr val="001080"/>
+                </a:solidFill>
+                <a:effectLst/>
+                <a:latin typeface="Consolas" panose="020B0609020204030204" pitchFamily="49" charset="0"/>
+              </a:rPr>
+              <a:t>b</a:t>
+            </a:r>
+            <a:r>
+              <a:rPr lang="en-US" altLang="zh-CN" b="0" dirty="0" err="1">
+                <a:solidFill>
+                  <a:srgbClr val="000000"/>
+                </a:solidFill>
+                <a:effectLst/>
+                <a:latin typeface="Consolas" panose="020B0609020204030204" pitchFamily="49" charset="0"/>
+              </a:rPr>
+              <a:t>.</a:t>
+            </a:r>
+            <a:r>
+              <a:rPr lang="en-US" altLang="zh-CN" b="0" dirty="0" err="1">
+                <a:solidFill>
+                  <a:srgbClr val="001080"/>
+                </a:solidFill>
+                <a:effectLst/>
+                <a:latin typeface="Consolas" panose="020B0609020204030204" pitchFamily="49" charset="0"/>
+              </a:rPr>
+              <a:t>first</a:t>
+            </a:r>
+            <a:r>
+              <a:rPr lang="en-US" altLang="zh-CN" b="0" dirty="0">
+                <a:solidFill>
+                  <a:srgbClr val="000000"/>
+                </a:solidFill>
+                <a:effectLst/>
+                <a:latin typeface="Consolas" panose="020B0609020204030204" pitchFamily="49" charset="0"/>
+              </a:rPr>
+              <a:t>);</a:t>
+            </a:r>
+          </a:p>
+          <a:p>
+            <a:r>
+              <a:rPr lang="en-US" altLang="zh-CN" b="0" dirty="0">
+                <a:solidFill>
+                  <a:srgbClr val="000000"/>
+                </a:solidFill>
+                <a:effectLst/>
+                <a:latin typeface="Consolas" panose="020B0609020204030204" pitchFamily="49" charset="0"/>
+              </a:rPr>
+              <a:t>        </a:t>
+            </a:r>
+            <a:r>
+              <a:rPr lang="en-US" altLang="zh-CN" b="0" dirty="0">
+                <a:solidFill>
+                  <a:srgbClr val="AF00DB"/>
+                </a:solidFill>
+                <a:effectLst/>
+                <a:latin typeface="Consolas" panose="020B0609020204030204" pitchFamily="49" charset="0"/>
+              </a:rPr>
+              <a:t>for</a:t>
+            </a:r>
+            <a:r>
+              <a:rPr lang="en-US" altLang="zh-CN" b="0" dirty="0">
+                <a:solidFill>
+                  <a:srgbClr val="000000"/>
+                </a:solidFill>
+                <a:effectLst/>
+                <a:latin typeface="Consolas" panose="020B0609020204030204" pitchFamily="49" charset="0"/>
+              </a:rPr>
+              <a:t> (</a:t>
+            </a:r>
+            <a:r>
+              <a:rPr lang="en-US" altLang="zh-CN" b="0" dirty="0">
+                <a:solidFill>
+                  <a:srgbClr val="267F99"/>
+                </a:solidFill>
+                <a:effectLst/>
+                <a:latin typeface="Consolas" panose="020B0609020204030204" pitchFamily="49" charset="0"/>
+              </a:rPr>
+              <a:t>int</a:t>
+            </a:r>
+            <a:r>
+              <a:rPr lang="en-US" altLang="zh-CN" b="0" dirty="0">
+                <a:solidFill>
+                  <a:srgbClr val="000000"/>
+                </a:solidFill>
+                <a:effectLst/>
+                <a:latin typeface="Consolas" panose="020B0609020204030204" pitchFamily="49" charset="0"/>
+              </a:rPr>
+              <a:t> </a:t>
+            </a:r>
+            <a:r>
+              <a:rPr lang="en-US" altLang="zh-CN" b="0" dirty="0" err="1">
+                <a:solidFill>
+                  <a:srgbClr val="001080"/>
+                </a:solidFill>
+                <a:effectLst/>
+                <a:latin typeface="Consolas" panose="020B0609020204030204" pitchFamily="49" charset="0"/>
+              </a:rPr>
+              <a:t>i</a:t>
+            </a:r>
+            <a:r>
+              <a:rPr lang="en-US" altLang="zh-CN" b="0" dirty="0">
+                <a:solidFill>
+                  <a:srgbClr val="000000"/>
+                </a:solidFill>
+                <a:effectLst/>
+                <a:latin typeface="Consolas" panose="020B0609020204030204" pitchFamily="49" charset="0"/>
+              </a:rPr>
+              <a:t> = </a:t>
+            </a:r>
+            <a:r>
+              <a:rPr lang="en-US" altLang="zh-CN" b="0" dirty="0">
+                <a:solidFill>
+                  <a:srgbClr val="098658"/>
+                </a:solidFill>
+                <a:effectLst/>
+                <a:latin typeface="Consolas" panose="020B0609020204030204" pitchFamily="49" charset="0"/>
+              </a:rPr>
+              <a:t>0</a:t>
+            </a:r>
+            <a:r>
+              <a:rPr lang="en-US" altLang="zh-CN" b="0" dirty="0">
+                <a:solidFill>
+                  <a:srgbClr val="000000"/>
+                </a:solidFill>
+                <a:effectLst/>
+                <a:latin typeface="Consolas" panose="020B0609020204030204" pitchFamily="49" charset="0"/>
+              </a:rPr>
+              <a:t>, j = n - </a:t>
+            </a:r>
+            <a:r>
+              <a:rPr lang="en-US" altLang="zh-CN" b="0" dirty="0">
+                <a:solidFill>
+                  <a:srgbClr val="098658"/>
+                </a:solidFill>
+                <a:effectLst/>
+                <a:latin typeface="Consolas" panose="020B0609020204030204" pitchFamily="49" charset="0"/>
+              </a:rPr>
+              <a:t>1</a:t>
+            </a:r>
+            <a:r>
+              <a:rPr lang="en-US" altLang="zh-CN" b="0" dirty="0">
+                <a:solidFill>
+                  <a:srgbClr val="000000"/>
+                </a:solidFill>
+                <a:effectLst/>
+                <a:latin typeface="Consolas" panose="020B0609020204030204" pitchFamily="49" charset="0"/>
+              </a:rPr>
+              <a:t>; </a:t>
+            </a:r>
+            <a:r>
+              <a:rPr lang="en-US" altLang="zh-CN" b="0" dirty="0" err="1">
+                <a:solidFill>
+                  <a:srgbClr val="000000"/>
+                </a:solidFill>
+                <a:effectLst/>
+                <a:latin typeface="Consolas" panose="020B0609020204030204" pitchFamily="49" charset="0"/>
+              </a:rPr>
+              <a:t>i</a:t>
+            </a:r>
+            <a:r>
+              <a:rPr lang="en-US" altLang="zh-CN" b="0" dirty="0">
+                <a:solidFill>
+                  <a:srgbClr val="000000"/>
+                </a:solidFill>
+                <a:effectLst/>
+                <a:latin typeface="Consolas" panose="020B0609020204030204" pitchFamily="49" charset="0"/>
+              </a:rPr>
+              <a:t> &lt; j; </a:t>
+            </a:r>
+            <a:r>
+              <a:rPr lang="en-US" altLang="zh-CN" b="0" dirty="0" err="1">
+                <a:solidFill>
+                  <a:srgbClr val="000000"/>
+                </a:solidFill>
+                <a:effectLst/>
+                <a:latin typeface="Consolas" panose="020B0609020204030204" pitchFamily="49" charset="0"/>
+              </a:rPr>
+              <a:t>i</a:t>
+            </a:r>
+            <a:r>
+              <a:rPr lang="en-US" altLang="zh-CN" b="0" dirty="0">
+                <a:solidFill>
+                  <a:srgbClr val="000000"/>
+                </a:solidFill>
+                <a:effectLst/>
+                <a:latin typeface="Consolas" panose="020B0609020204030204" pitchFamily="49" charset="0"/>
+              </a:rPr>
+              <a:t>++) {</a:t>
+            </a:r>
+          </a:p>
+          <a:p>
+            <a:r>
+              <a:rPr lang="en-US" altLang="zh-CN" b="0" dirty="0">
+                <a:solidFill>
+                  <a:srgbClr val="000000"/>
+                </a:solidFill>
+                <a:effectLst/>
+                <a:latin typeface="Consolas" panose="020B0609020204030204" pitchFamily="49" charset="0"/>
+              </a:rPr>
+              <a:t>            </a:t>
+            </a:r>
+            <a:r>
+              <a:rPr lang="en-US" altLang="zh-CN" b="0" dirty="0">
+                <a:solidFill>
+                  <a:srgbClr val="267F99"/>
+                </a:solidFill>
+                <a:effectLst/>
+                <a:latin typeface="Consolas" panose="020B0609020204030204" pitchFamily="49" charset="0"/>
+              </a:rPr>
+              <a:t>int</a:t>
+            </a:r>
+            <a:r>
+              <a:rPr lang="en-US" altLang="zh-CN" b="0" dirty="0">
+                <a:solidFill>
+                  <a:srgbClr val="000000"/>
+                </a:solidFill>
+                <a:effectLst/>
+                <a:latin typeface="Consolas" panose="020B0609020204030204" pitchFamily="49" charset="0"/>
+              </a:rPr>
+              <a:t> </a:t>
+            </a:r>
+            <a:r>
+              <a:rPr lang="en-US" altLang="zh-CN" b="0" dirty="0">
+                <a:solidFill>
+                  <a:srgbClr val="001080"/>
+                </a:solidFill>
+                <a:effectLst/>
+                <a:latin typeface="Consolas" panose="020B0609020204030204" pitchFamily="49" charset="0"/>
+              </a:rPr>
+              <a:t>l</a:t>
+            </a:r>
+            <a:r>
+              <a:rPr lang="en-US" altLang="zh-CN" b="0" dirty="0">
+                <a:solidFill>
+                  <a:srgbClr val="000000"/>
+                </a:solidFill>
+                <a:effectLst/>
+                <a:latin typeface="Consolas" panose="020B0609020204030204" pitchFamily="49" charset="0"/>
+              </a:rPr>
+              <a:t> = p[</a:t>
+            </a:r>
+            <a:r>
+              <a:rPr lang="en-US" altLang="zh-CN" b="0" dirty="0" err="1">
+                <a:solidFill>
+                  <a:srgbClr val="000000"/>
+                </a:solidFill>
+                <a:effectLst/>
+                <a:latin typeface="Consolas" panose="020B0609020204030204" pitchFamily="49" charset="0"/>
+              </a:rPr>
+              <a:t>i</a:t>
+            </a:r>
+            <a:r>
+              <a:rPr lang="en-US" altLang="zh-CN" b="0" dirty="0">
+                <a:solidFill>
+                  <a:srgbClr val="000000"/>
+                </a:solidFill>
+                <a:effectLst/>
+                <a:latin typeface="Consolas" panose="020B0609020204030204" pitchFamily="49" charset="0"/>
+              </a:rPr>
+              <a:t>].</a:t>
+            </a:r>
+            <a:r>
+              <a:rPr lang="en-US" altLang="zh-CN" b="0" dirty="0">
+                <a:solidFill>
+                  <a:srgbClr val="001080"/>
+                </a:solidFill>
+                <a:effectLst/>
+                <a:latin typeface="Consolas" panose="020B0609020204030204" pitchFamily="49" charset="0"/>
+              </a:rPr>
+              <a:t>first</a:t>
+            </a:r>
+            <a:r>
+              <a:rPr lang="en-US" altLang="zh-CN" b="0" dirty="0">
+                <a:solidFill>
+                  <a:srgbClr val="000000"/>
+                </a:solidFill>
+                <a:effectLst/>
+                <a:latin typeface="Consolas" panose="020B0609020204030204" pitchFamily="49" charset="0"/>
+              </a:rPr>
+              <a:t>;</a:t>
+            </a:r>
+          </a:p>
+          <a:p>
+            <a:r>
+              <a:rPr lang="en-US" altLang="zh-CN" b="0" dirty="0">
+                <a:solidFill>
+                  <a:srgbClr val="000000"/>
+                </a:solidFill>
+                <a:effectLst/>
+                <a:latin typeface="Consolas" panose="020B0609020204030204" pitchFamily="49" charset="0"/>
+              </a:rPr>
+              <a:t>            </a:t>
+            </a:r>
+            <a:r>
+              <a:rPr lang="en-US" altLang="zh-CN" b="0" dirty="0">
+                <a:solidFill>
+                  <a:srgbClr val="AF00DB"/>
+                </a:solidFill>
+                <a:effectLst/>
+                <a:latin typeface="Consolas" panose="020B0609020204030204" pitchFamily="49" charset="0"/>
+              </a:rPr>
+              <a:t>while</a:t>
+            </a:r>
+            <a:r>
+              <a:rPr lang="en-US" altLang="zh-CN" b="0" dirty="0">
+                <a:solidFill>
+                  <a:srgbClr val="000000"/>
+                </a:solidFill>
+                <a:effectLst/>
+                <a:latin typeface="Consolas" panose="020B0609020204030204" pitchFamily="49" charset="0"/>
+              </a:rPr>
+              <a:t> (j &gt; </a:t>
+            </a:r>
+            <a:r>
+              <a:rPr lang="en-US" altLang="zh-CN" b="0" dirty="0" err="1">
+                <a:solidFill>
+                  <a:srgbClr val="000000"/>
+                </a:solidFill>
+                <a:effectLst/>
+                <a:latin typeface="Consolas" panose="020B0609020204030204" pitchFamily="49" charset="0"/>
+              </a:rPr>
+              <a:t>i</a:t>
+            </a:r>
+            <a:r>
+              <a:rPr lang="en-US" altLang="zh-CN" b="0" dirty="0">
+                <a:solidFill>
+                  <a:srgbClr val="000000"/>
+                </a:solidFill>
+                <a:effectLst/>
+                <a:latin typeface="Consolas" panose="020B0609020204030204" pitchFamily="49" charset="0"/>
+              </a:rPr>
+              <a:t> &amp;&amp; l + p[j].</a:t>
+            </a:r>
+            <a:r>
+              <a:rPr lang="en-US" altLang="zh-CN" b="0" dirty="0">
+                <a:solidFill>
+                  <a:srgbClr val="001080"/>
+                </a:solidFill>
+                <a:effectLst/>
+                <a:latin typeface="Consolas" panose="020B0609020204030204" pitchFamily="49" charset="0"/>
+              </a:rPr>
+              <a:t>first</a:t>
+            </a:r>
+            <a:r>
+              <a:rPr lang="en-US" altLang="zh-CN" b="0" dirty="0">
+                <a:solidFill>
+                  <a:srgbClr val="000000"/>
+                </a:solidFill>
+                <a:effectLst/>
+                <a:latin typeface="Consolas" panose="020B0609020204030204" pitchFamily="49" charset="0"/>
+              </a:rPr>
+              <a:t> &gt; target) j--;</a:t>
+            </a:r>
+          </a:p>
+          <a:p>
+            <a:r>
+              <a:rPr lang="en-US" altLang="zh-CN" b="0" dirty="0">
+                <a:solidFill>
+                  <a:srgbClr val="000000"/>
+                </a:solidFill>
+                <a:effectLst/>
+                <a:latin typeface="Consolas" panose="020B0609020204030204" pitchFamily="49" charset="0"/>
+              </a:rPr>
+              <a:t>            </a:t>
+            </a:r>
+            <a:r>
+              <a:rPr lang="en-US" altLang="zh-CN" b="0" dirty="0">
+                <a:solidFill>
+                  <a:srgbClr val="AF00DB"/>
+                </a:solidFill>
+                <a:effectLst/>
+                <a:latin typeface="Consolas" panose="020B0609020204030204" pitchFamily="49" charset="0"/>
+              </a:rPr>
+              <a:t>if</a:t>
+            </a:r>
+            <a:r>
+              <a:rPr lang="en-US" altLang="zh-CN" b="0" dirty="0">
+                <a:solidFill>
+                  <a:srgbClr val="000000"/>
+                </a:solidFill>
+                <a:effectLst/>
+                <a:latin typeface="Consolas" panose="020B0609020204030204" pitchFamily="49" charset="0"/>
+              </a:rPr>
+              <a:t> (l + p[j].</a:t>
+            </a:r>
+            <a:r>
+              <a:rPr lang="en-US" altLang="zh-CN" b="0" dirty="0">
+                <a:solidFill>
+                  <a:srgbClr val="001080"/>
+                </a:solidFill>
+                <a:effectLst/>
+                <a:latin typeface="Consolas" panose="020B0609020204030204" pitchFamily="49" charset="0"/>
+              </a:rPr>
+              <a:t>first</a:t>
+            </a:r>
+            <a:r>
+              <a:rPr lang="en-US" altLang="zh-CN" b="0" dirty="0">
+                <a:solidFill>
+                  <a:srgbClr val="000000"/>
+                </a:solidFill>
+                <a:effectLst/>
+                <a:latin typeface="Consolas" panose="020B0609020204030204" pitchFamily="49" charset="0"/>
+              </a:rPr>
+              <a:t> == target) </a:t>
+            </a:r>
+            <a:r>
+              <a:rPr lang="en-US" altLang="zh-CN" b="0" dirty="0">
+                <a:solidFill>
+                  <a:srgbClr val="AF00DB"/>
+                </a:solidFill>
+                <a:effectLst/>
+                <a:latin typeface="Consolas" panose="020B0609020204030204" pitchFamily="49" charset="0"/>
+              </a:rPr>
+              <a:t>return</a:t>
+            </a:r>
+            <a:r>
+              <a:rPr lang="en-US" altLang="zh-CN" b="0" dirty="0">
+                <a:solidFill>
+                  <a:srgbClr val="000000"/>
+                </a:solidFill>
+                <a:effectLst/>
+                <a:latin typeface="Consolas" panose="020B0609020204030204" pitchFamily="49" charset="0"/>
+              </a:rPr>
+              <a:t> </a:t>
+            </a:r>
+            <a:r>
+              <a:rPr lang="en-US" altLang="zh-CN" b="0" dirty="0">
+                <a:solidFill>
+                  <a:srgbClr val="AF00DB"/>
+                </a:solidFill>
+                <a:effectLst/>
+                <a:latin typeface="Consolas" panose="020B0609020204030204" pitchFamily="49" charset="0"/>
+              </a:rPr>
+              <a:t>new</a:t>
+            </a:r>
+            <a:r>
+              <a:rPr lang="en-US" altLang="zh-CN" b="0" dirty="0">
+                <a:solidFill>
+                  <a:srgbClr val="000000"/>
+                </a:solidFill>
+                <a:effectLst/>
+                <a:latin typeface="Consolas" panose="020B0609020204030204" pitchFamily="49" charset="0"/>
+              </a:rPr>
+              <a:t> </a:t>
+            </a:r>
+            <a:r>
+              <a:rPr lang="en-US" altLang="zh-CN" b="0" dirty="0">
+                <a:solidFill>
+                  <a:srgbClr val="267F99"/>
+                </a:solidFill>
+                <a:effectLst/>
+                <a:latin typeface="Consolas" panose="020B0609020204030204" pitchFamily="49" charset="0"/>
+              </a:rPr>
+              <a:t>int</a:t>
+            </a:r>
+            <a:r>
+              <a:rPr lang="en-US" altLang="zh-CN" b="0" dirty="0">
+                <a:solidFill>
+                  <a:srgbClr val="000000"/>
+                </a:solidFill>
+                <a:effectLst/>
+                <a:latin typeface="Consolas" panose="020B0609020204030204" pitchFamily="49" charset="0"/>
+              </a:rPr>
+              <a:t>[]{p[</a:t>
+            </a:r>
+            <a:r>
+              <a:rPr lang="en-US" altLang="zh-CN" b="0" dirty="0" err="1">
+                <a:solidFill>
+                  <a:srgbClr val="000000"/>
+                </a:solidFill>
+                <a:effectLst/>
+                <a:latin typeface="Consolas" panose="020B0609020204030204" pitchFamily="49" charset="0"/>
+              </a:rPr>
+              <a:t>i</a:t>
+            </a:r>
+            <a:r>
+              <a:rPr lang="en-US" altLang="zh-CN" b="0" dirty="0">
+                <a:solidFill>
+                  <a:srgbClr val="000000"/>
+                </a:solidFill>
+                <a:effectLst/>
+                <a:latin typeface="Consolas" panose="020B0609020204030204" pitchFamily="49" charset="0"/>
+              </a:rPr>
+              <a:t>].</a:t>
+            </a:r>
+            <a:r>
+              <a:rPr lang="en-US" altLang="zh-CN" b="0" dirty="0">
+                <a:solidFill>
+                  <a:srgbClr val="001080"/>
+                </a:solidFill>
+                <a:effectLst/>
+                <a:latin typeface="Consolas" panose="020B0609020204030204" pitchFamily="49" charset="0"/>
+              </a:rPr>
+              <a:t>second</a:t>
+            </a:r>
+            <a:r>
+              <a:rPr lang="en-US" altLang="zh-CN" b="0" dirty="0">
+                <a:solidFill>
+                  <a:srgbClr val="000000"/>
+                </a:solidFill>
+                <a:effectLst/>
+                <a:latin typeface="Consolas" panose="020B0609020204030204" pitchFamily="49" charset="0"/>
+              </a:rPr>
+              <a:t>, p[j].</a:t>
+            </a:r>
+            <a:r>
+              <a:rPr lang="en-US" altLang="zh-CN" b="0" dirty="0">
+                <a:solidFill>
+                  <a:srgbClr val="001080"/>
+                </a:solidFill>
+                <a:effectLst/>
+                <a:latin typeface="Consolas" panose="020B0609020204030204" pitchFamily="49" charset="0"/>
+              </a:rPr>
+              <a:t>second</a:t>
+            </a:r>
+            <a:r>
+              <a:rPr lang="en-US" altLang="zh-CN" b="0" dirty="0">
+                <a:solidFill>
+                  <a:srgbClr val="000000"/>
+                </a:solidFill>
+                <a:effectLst/>
+                <a:latin typeface="Consolas" panose="020B0609020204030204" pitchFamily="49" charset="0"/>
+              </a:rPr>
+              <a:t>};</a:t>
+            </a:r>
+          </a:p>
+          <a:p>
+            <a:r>
+              <a:rPr lang="en-US" altLang="zh-CN" b="0" dirty="0">
+                <a:solidFill>
+                  <a:srgbClr val="000000"/>
+                </a:solidFill>
+                <a:effectLst/>
+                <a:latin typeface="Consolas" panose="020B0609020204030204" pitchFamily="49" charset="0"/>
+              </a:rPr>
+              <a:t>        }</a:t>
+            </a:r>
+          </a:p>
+          <a:p>
+            <a:r>
+              <a:rPr lang="en-US" altLang="zh-CN" b="0" dirty="0">
+                <a:solidFill>
+                  <a:srgbClr val="000000"/>
+                </a:solidFill>
+                <a:effectLst/>
+                <a:latin typeface="Consolas" panose="020B0609020204030204" pitchFamily="49" charset="0"/>
+              </a:rPr>
+              <a:t>        </a:t>
+            </a:r>
+            <a:r>
+              <a:rPr lang="en-US" altLang="zh-CN" b="0" dirty="0">
+                <a:solidFill>
+                  <a:srgbClr val="AF00DB"/>
+                </a:solidFill>
+                <a:effectLst/>
+                <a:latin typeface="Consolas" panose="020B0609020204030204" pitchFamily="49" charset="0"/>
+              </a:rPr>
+              <a:t>return</a:t>
+            </a:r>
+            <a:r>
+              <a:rPr lang="en-US" altLang="zh-CN" b="0" dirty="0">
+                <a:solidFill>
+                  <a:srgbClr val="000000"/>
+                </a:solidFill>
+                <a:effectLst/>
+                <a:latin typeface="Consolas" panose="020B0609020204030204" pitchFamily="49" charset="0"/>
+              </a:rPr>
+              <a:t> </a:t>
+            </a:r>
+            <a:r>
+              <a:rPr lang="en-US" altLang="zh-CN" b="0" dirty="0">
+                <a:solidFill>
+                  <a:srgbClr val="AF00DB"/>
+                </a:solidFill>
+                <a:effectLst/>
+                <a:latin typeface="Consolas" panose="020B0609020204030204" pitchFamily="49" charset="0"/>
+              </a:rPr>
+              <a:t>new</a:t>
+            </a:r>
+            <a:r>
+              <a:rPr lang="en-US" altLang="zh-CN" b="0" dirty="0">
+                <a:solidFill>
+                  <a:srgbClr val="000000"/>
+                </a:solidFill>
+                <a:effectLst/>
+                <a:latin typeface="Consolas" panose="020B0609020204030204" pitchFamily="49" charset="0"/>
+              </a:rPr>
+              <a:t> </a:t>
+            </a:r>
+            <a:r>
+              <a:rPr lang="en-US" altLang="zh-CN" b="0" dirty="0">
+                <a:solidFill>
+                  <a:srgbClr val="267F99"/>
+                </a:solidFill>
+                <a:effectLst/>
+                <a:latin typeface="Consolas" panose="020B0609020204030204" pitchFamily="49" charset="0"/>
+              </a:rPr>
+              <a:t>int</a:t>
+            </a:r>
+            <a:r>
+              <a:rPr lang="en-US" altLang="zh-CN" b="0" dirty="0">
+                <a:solidFill>
+                  <a:srgbClr val="000000"/>
+                </a:solidFill>
+                <a:effectLst/>
+                <a:latin typeface="Consolas" panose="020B0609020204030204" pitchFamily="49" charset="0"/>
+              </a:rPr>
+              <a:t>[]{-</a:t>
+            </a:r>
+            <a:r>
+              <a:rPr lang="en-US" altLang="zh-CN" b="0" dirty="0">
+                <a:solidFill>
+                  <a:srgbClr val="098658"/>
+                </a:solidFill>
+                <a:effectLst/>
+                <a:latin typeface="Consolas" panose="020B0609020204030204" pitchFamily="49" charset="0"/>
+              </a:rPr>
+              <a:t>1</a:t>
+            </a:r>
+            <a:r>
+              <a:rPr lang="en-US" altLang="zh-CN" b="0" dirty="0">
+                <a:solidFill>
+                  <a:srgbClr val="000000"/>
+                </a:solidFill>
+                <a:effectLst/>
+                <a:latin typeface="Consolas" panose="020B0609020204030204" pitchFamily="49" charset="0"/>
+              </a:rPr>
+              <a:t>, -</a:t>
+            </a:r>
+            <a:r>
+              <a:rPr lang="en-US" altLang="zh-CN" b="0" dirty="0">
+                <a:solidFill>
+                  <a:srgbClr val="098658"/>
+                </a:solidFill>
+                <a:effectLst/>
+                <a:latin typeface="Consolas" panose="020B0609020204030204" pitchFamily="49" charset="0"/>
+              </a:rPr>
+              <a:t>1</a:t>
+            </a:r>
+            <a:r>
+              <a:rPr lang="en-US" altLang="zh-CN" b="0" dirty="0">
+                <a:solidFill>
+                  <a:srgbClr val="000000"/>
+                </a:solidFill>
+                <a:effectLst/>
+                <a:latin typeface="Consolas" panose="020B0609020204030204" pitchFamily="49" charset="0"/>
+              </a:rPr>
+              <a:t>};</a:t>
+            </a:r>
+          </a:p>
+          <a:p>
+            <a:r>
+              <a:rPr lang="en-US" altLang="zh-CN" b="0" dirty="0">
+                <a:solidFill>
+                  <a:srgbClr val="000000"/>
+                </a:solidFill>
+                <a:effectLst/>
+                <a:latin typeface="Consolas" panose="020B0609020204030204" pitchFamily="49" charset="0"/>
+              </a:rPr>
+              <a:t>    }</a:t>
+            </a:r>
+          </a:p>
+          <a:p>
+            <a:br>
+              <a:rPr lang="en-US" altLang="zh-CN" b="0" dirty="0">
+                <a:solidFill>
+                  <a:srgbClr val="000000"/>
+                </a:solidFill>
+                <a:effectLst/>
+                <a:latin typeface="Consolas" panose="020B0609020204030204" pitchFamily="49" charset="0"/>
+              </a:rPr>
+            </a:br>
+            <a:r>
+              <a:rPr lang="en-US" altLang="zh-CN" b="0" dirty="0">
+                <a:solidFill>
+                  <a:srgbClr val="000000"/>
+                </a:solidFill>
+                <a:effectLst/>
+                <a:latin typeface="Consolas" panose="020B0609020204030204" pitchFamily="49" charset="0"/>
+              </a:rPr>
+              <a:t>    </a:t>
+            </a:r>
+            <a:r>
+              <a:rPr lang="en-US" altLang="zh-CN" b="0" dirty="0">
+                <a:solidFill>
+                  <a:srgbClr val="0000FF"/>
+                </a:solidFill>
+                <a:effectLst/>
+                <a:latin typeface="Consolas" panose="020B0609020204030204" pitchFamily="49" charset="0"/>
+              </a:rPr>
+              <a:t>static</a:t>
+            </a:r>
+            <a:r>
+              <a:rPr lang="en-US" altLang="zh-CN" b="0" dirty="0">
+                <a:solidFill>
+                  <a:srgbClr val="000000"/>
+                </a:solidFill>
+                <a:effectLst/>
+                <a:latin typeface="Consolas" panose="020B0609020204030204" pitchFamily="49" charset="0"/>
+              </a:rPr>
+              <a:t> </a:t>
+            </a:r>
+            <a:r>
+              <a:rPr lang="en-US" altLang="zh-CN" b="0" dirty="0">
+                <a:solidFill>
+                  <a:srgbClr val="0000FF"/>
+                </a:solidFill>
+                <a:effectLst/>
+                <a:latin typeface="Consolas" panose="020B0609020204030204" pitchFamily="49" charset="0"/>
+              </a:rPr>
+              <a:t>class</a:t>
+            </a:r>
+            <a:r>
+              <a:rPr lang="en-US" altLang="zh-CN" b="0" dirty="0">
+                <a:solidFill>
+                  <a:srgbClr val="000000"/>
+                </a:solidFill>
+                <a:effectLst/>
+                <a:latin typeface="Consolas" panose="020B0609020204030204" pitchFamily="49" charset="0"/>
+              </a:rPr>
+              <a:t> </a:t>
+            </a:r>
+            <a:r>
+              <a:rPr lang="en-US" altLang="zh-CN" b="0" dirty="0">
+                <a:solidFill>
+                  <a:srgbClr val="267F99"/>
+                </a:solidFill>
+                <a:effectLst/>
+                <a:latin typeface="Consolas" panose="020B0609020204030204" pitchFamily="49" charset="0"/>
+              </a:rPr>
+              <a:t>Pair</a:t>
+            </a:r>
+            <a:r>
+              <a:rPr lang="en-US" altLang="zh-CN" b="0" dirty="0">
+                <a:solidFill>
+                  <a:srgbClr val="000000"/>
+                </a:solidFill>
+                <a:effectLst/>
+                <a:latin typeface="Consolas" panose="020B0609020204030204" pitchFamily="49" charset="0"/>
+              </a:rPr>
+              <a:t> {</a:t>
+            </a:r>
+          </a:p>
+          <a:p>
+            <a:r>
+              <a:rPr lang="en-US" altLang="zh-CN" b="0" dirty="0">
+                <a:solidFill>
+                  <a:srgbClr val="000000"/>
+                </a:solidFill>
+                <a:effectLst/>
+                <a:latin typeface="Consolas" panose="020B0609020204030204" pitchFamily="49" charset="0"/>
+              </a:rPr>
+              <a:t>        </a:t>
+            </a:r>
+            <a:r>
+              <a:rPr lang="en-US" altLang="zh-CN" b="0" dirty="0">
+                <a:solidFill>
+                  <a:srgbClr val="267F99"/>
+                </a:solidFill>
+                <a:effectLst/>
+                <a:latin typeface="Consolas" panose="020B0609020204030204" pitchFamily="49" charset="0"/>
+              </a:rPr>
+              <a:t>int</a:t>
+            </a:r>
+            <a:r>
+              <a:rPr lang="en-US" altLang="zh-CN" b="0" dirty="0">
+                <a:solidFill>
+                  <a:srgbClr val="000000"/>
+                </a:solidFill>
+                <a:effectLst/>
+                <a:latin typeface="Consolas" panose="020B0609020204030204" pitchFamily="49" charset="0"/>
+              </a:rPr>
+              <a:t> </a:t>
+            </a:r>
+            <a:r>
+              <a:rPr lang="en-US" altLang="zh-CN" b="0" dirty="0">
+                <a:solidFill>
+                  <a:srgbClr val="001080"/>
+                </a:solidFill>
+                <a:effectLst/>
+                <a:latin typeface="Consolas" panose="020B0609020204030204" pitchFamily="49" charset="0"/>
+              </a:rPr>
+              <a:t>first</a:t>
+            </a:r>
+            <a:r>
+              <a:rPr lang="en-US" altLang="zh-CN" dirty="0">
+                <a:solidFill>
+                  <a:srgbClr val="001080"/>
+                </a:solidFill>
+                <a:latin typeface="Consolas" panose="020B0609020204030204" pitchFamily="49" charset="0"/>
+              </a:rPr>
+              <a:t>,</a:t>
+            </a:r>
+            <a:r>
+              <a:rPr lang="zh-CN" altLang="en-US" dirty="0">
+                <a:solidFill>
+                  <a:srgbClr val="001080"/>
+                </a:solidFill>
+                <a:latin typeface="Consolas" panose="020B0609020204030204" pitchFamily="49" charset="0"/>
+              </a:rPr>
+              <a:t> </a:t>
+            </a:r>
+            <a:r>
+              <a:rPr lang="en-US" altLang="zh-CN" b="0" dirty="0">
+                <a:solidFill>
+                  <a:srgbClr val="001080"/>
+                </a:solidFill>
+                <a:effectLst/>
+                <a:latin typeface="Consolas" panose="020B0609020204030204" pitchFamily="49" charset="0"/>
+              </a:rPr>
+              <a:t>second</a:t>
+            </a:r>
+            <a:r>
+              <a:rPr lang="en-US" altLang="zh-CN" b="0" dirty="0">
+                <a:solidFill>
+                  <a:srgbClr val="000000"/>
+                </a:solidFill>
+                <a:effectLst/>
+                <a:latin typeface="Consolas" panose="020B0609020204030204" pitchFamily="49" charset="0"/>
+              </a:rPr>
+              <a:t>;</a:t>
+            </a:r>
+            <a:br>
+              <a:rPr lang="en-US" altLang="zh-CN" b="0" dirty="0">
+                <a:solidFill>
+                  <a:srgbClr val="000000"/>
+                </a:solidFill>
+                <a:effectLst/>
+                <a:latin typeface="Consolas" panose="020B0609020204030204" pitchFamily="49" charset="0"/>
+              </a:rPr>
+            </a:br>
+            <a:r>
+              <a:rPr lang="en-US" altLang="zh-CN" b="0" dirty="0">
+                <a:solidFill>
+                  <a:srgbClr val="000000"/>
+                </a:solidFill>
+                <a:effectLst/>
+                <a:latin typeface="Consolas" panose="020B0609020204030204" pitchFamily="49" charset="0"/>
+              </a:rPr>
+              <a:t>        </a:t>
+            </a:r>
+            <a:r>
+              <a:rPr lang="en-US" altLang="zh-CN" b="0" dirty="0">
+                <a:solidFill>
+                  <a:srgbClr val="0000FF"/>
+                </a:solidFill>
+                <a:effectLst/>
+                <a:latin typeface="Consolas" panose="020B0609020204030204" pitchFamily="49" charset="0"/>
+              </a:rPr>
+              <a:t>public</a:t>
+            </a:r>
+            <a:r>
+              <a:rPr lang="en-US" altLang="zh-CN" b="0" dirty="0">
+                <a:solidFill>
+                  <a:srgbClr val="000000"/>
+                </a:solidFill>
+                <a:effectLst/>
+                <a:latin typeface="Consolas" panose="020B0609020204030204" pitchFamily="49" charset="0"/>
+              </a:rPr>
+              <a:t> </a:t>
+            </a:r>
+            <a:r>
+              <a:rPr lang="en-US" altLang="zh-CN" b="0" dirty="0">
+                <a:solidFill>
+                  <a:srgbClr val="795E26"/>
+                </a:solidFill>
+                <a:effectLst/>
+                <a:latin typeface="Consolas" panose="020B0609020204030204" pitchFamily="49" charset="0"/>
+              </a:rPr>
+              <a:t>Pair</a:t>
+            </a:r>
+            <a:r>
+              <a:rPr lang="en-US" altLang="zh-CN" b="0" dirty="0">
+                <a:solidFill>
+                  <a:srgbClr val="000000"/>
+                </a:solidFill>
+                <a:effectLst/>
+                <a:latin typeface="Consolas" panose="020B0609020204030204" pitchFamily="49" charset="0"/>
+              </a:rPr>
+              <a:t>(</a:t>
+            </a:r>
+            <a:r>
+              <a:rPr lang="en-US" altLang="zh-CN" b="0" dirty="0">
+                <a:solidFill>
+                  <a:srgbClr val="267F99"/>
+                </a:solidFill>
+                <a:effectLst/>
+                <a:latin typeface="Consolas" panose="020B0609020204030204" pitchFamily="49" charset="0"/>
+              </a:rPr>
+              <a:t>int</a:t>
+            </a:r>
+            <a:r>
+              <a:rPr lang="en-US" altLang="zh-CN" b="0" dirty="0">
+                <a:solidFill>
+                  <a:srgbClr val="000000"/>
+                </a:solidFill>
+                <a:effectLst/>
+                <a:latin typeface="Consolas" panose="020B0609020204030204" pitchFamily="49" charset="0"/>
+              </a:rPr>
+              <a:t> </a:t>
+            </a:r>
+            <a:r>
+              <a:rPr lang="en-US" altLang="zh-CN" b="0" dirty="0">
+                <a:solidFill>
+                  <a:srgbClr val="001080"/>
+                </a:solidFill>
+                <a:effectLst/>
+                <a:latin typeface="Consolas" panose="020B0609020204030204" pitchFamily="49" charset="0"/>
+              </a:rPr>
+              <a:t>first</a:t>
+            </a:r>
+            <a:r>
+              <a:rPr lang="en-US" altLang="zh-CN" b="0" dirty="0">
+                <a:solidFill>
+                  <a:srgbClr val="000000"/>
+                </a:solidFill>
+                <a:effectLst/>
+                <a:latin typeface="Consolas" panose="020B0609020204030204" pitchFamily="49" charset="0"/>
+              </a:rPr>
+              <a:t>, </a:t>
+            </a:r>
+            <a:r>
+              <a:rPr lang="en-US" altLang="zh-CN" b="0" dirty="0">
+                <a:solidFill>
+                  <a:srgbClr val="267F99"/>
+                </a:solidFill>
+                <a:effectLst/>
+                <a:latin typeface="Consolas" panose="020B0609020204030204" pitchFamily="49" charset="0"/>
+              </a:rPr>
+              <a:t>int</a:t>
+            </a:r>
+            <a:r>
+              <a:rPr lang="en-US" altLang="zh-CN" b="0" dirty="0">
+                <a:solidFill>
+                  <a:srgbClr val="000000"/>
+                </a:solidFill>
+                <a:effectLst/>
+                <a:latin typeface="Consolas" panose="020B0609020204030204" pitchFamily="49" charset="0"/>
+              </a:rPr>
+              <a:t> </a:t>
+            </a:r>
+            <a:r>
+              <a:rPr lang="en-US" altLang="zh-CN" b="0" dirty="0">
+                <a:solidFill>
+                  <a:srgbClr val="001080"/>
+                </a:solidFill>
+                <a:effectLst/>
+                <a:latin typeface="Consolas" panose="020B0609020204030204" pitchFamily="49" charset="0"/>
+              </a:rPr>
+              <a:t>second</a:t>
+            </a:r>
+            <a:r>
+              <a:rPr lang="en-US" altLang="zh-CN" b="0" dirty="0">
+                <a:solidFill>
+                  <a:srgbClr val="000000"/>
+                </a:solidFill>
+                <a:effectLst/>
+                <a:latin typeface="Consolas" panose="020B0609020204030204" pitchFamily="49" charset="0"/>
+              </a:rPr>
+              <a:t>) {</a:t>
+            </a:r>
+          </a:p>
+          <a:p>
+            <a:r>
+              <a:rPr lang="en-US" altLang="zh-CN" b="0" dirty="0">
+                <a:solidFill>
+                  <a:srgbClr val="000000"/>
+                </a:solidFill>
+                <a:effectLst/>
+                <a:latin typeface="Consolas" panose="020B0609020204030204" pitchFamily="49" charset="0"/>
+              </a:rPr>
+              <a:t>            </a:t>
+            </a:r>
+            <a:r>
+              <a:rPr lang="en-US" altLang="zh-CN" b="0" dirty="0" err="1">
+                <a:solidFill>
+                  <a:srgbClr val="0000FF"/>
+                </a:solidFill>
+                <a:effectLst/>
+                <a:latin typeface="Consolas" panose="020B0609020204030204" pitchFamily="49" charset="0"/>
+              </a:rPr>
+              <a:t>this</a:t>
+            </a:r>
+            <a:r>
+              <a:rPr lang="en-US" altLang="zh-CN" b="0" dirty="0" err="1">
+                <a:solidFill>
+                  <a:srgbClr val="000000"/>
+                </a:solidFill>
+                <a:effectLst/>
+                <a:latin typeface="Consolas" panose="020B0609020204030204" pitchFamily="49" charset="0"/>
+              </a:rPr>
+              <a:t>.</a:t>
+            </a:r>
+            <a:r>
+              <a:rPr lang="en-US" altLang="zh-CN" b="0" dirty="0" err="1">
+                <a:solidFill>
+                  <a:srgbClr val="001080"/>
+                </a:solidFill>
+                <a:effectLst/>
+                <a:latin typeface="Consolas" panose="020B0609020204030204" pitchFamily="49" charset="0"/>
+              </a:rPr>
+              <a:t>first</a:t>
+            </a:r>
+            <a:r>
+              <a:rPr lang="en-US" altLang="zh-CN" b="0" dirty="0">
+                <a:solidFill>
+                  <a:srgbClr val="000000"/>
+                </a:solidFill>
+                <a:effectLst/>
+                <a:latin typeface="Consolas" panose="020B0609020204030204" pitchFamily="49" charset="0"/>
+              </a:rPr>
+              <a:t> = first;</a:t>
+            </a:r>
+          </a:p>
+          <a:p>
+            <a:r>
+              <a:rPr lang="en-US" altLang="zh-CN" b="0" dirty="0">
+                <a:solidFill>
+                  <a:srgbClr val="000000"/>
+                </a:solidFill>
+                <a:effectLst/>
+                <a:latin typeface="Consolas" panose="020B0609020204030204" pitchFamily="49" charset="0"/>
+              </a:rPr>
+              <a:t>            </a:t>
+            </a:r>
+            <a:r>
+              <a:rPr lang="en-US" altLang="zh-CN" b="0" dirty="0" err="1">
+                <a:solidFill>
+                  <a:srgbClr val="0000FF"/>
+                </a:solidFill>
+                <a:effectLst/>
+                <a:latin typeface="Consolas" panose="020B0609020204030204" pitchFamily="49" charset="0"/>
+              </a:rPr>
+              <a:t>this</a:t>
+            </a:r>
+            <a:r>
+              <a:rPr lang="en-US" altLang="zh-CN" b="0" dirty="0" err="1">
+                <a:solidFill>
+                  <a:srgbClr val="000000"/>
+                </a:solidFill>
+                <a:effectLst/>
+                <a:latin typeface="Consolas" panose="020B0609020204030204" pitchFamily="49" charset="0"/>
+              </a:rPr>
+              <a:t>.</a:t>
+            </a:r>
+            <a:r>
+              <a:rPr lang="en-US" altLang="zh-CN" b="0" dirty="0" err="1">
+                <a:solidFill>
+                  <a:srgbClr val="001080"/>
+                </a:solidFill>
+                <a:effectLst/>
+                <a:latin typeface="Consolas" panose="020B0609020204030204" pitchFamily="49" charset="0"/>
+              </a:rPr>
+              <a:t>second</a:t>
+            </a:r>
+            <a:r>
+              <a:rPr lang="en-US" altLang="zh-CN" b="0" dirty="0">
+                <a:solidFill>
+                  <a:srgbClr val="000000"/>
+                </a:solidFill>
+                <a:effectLst/>
+                <a:latin typeface="Consolas" panose="020B0609020204030204" pitchFamily="49" charset="0"/>
+              </a:rPr>
+              <a:t> = second;</a:t>
+            </a:r>
+          </a:p>
+          <a:p>
+            <a:r>
+              <a:rPr lang="en-US" altLang="zh-CN" b="0" dirty="0">
+                <a:solidFill>
+                  <a:srgbClr val="000000"/>
+                </a:solidFill>
+                <a:effectLst/>
+                <a:latin typeface="Consolas" panose="020B0609020204030204" pitchFamily="49" charset="0"/>
+              </a:rPr>
+              <a:t>        }</a:t>
+            </a:r>
+          </a:p>
+          <a:p>
+            <a:r>
+              <a:rPr lang="en-US" altLang="zh-CN" b="0" dirty="0">
+                <a:solidFill>
+                  <a:srgbClr val="000000"/>
+                </a:solidFill>
+                <a:effectLst/>
+                <a:latin typeface="Consolas" panose="020B0609020204030204" pitchFamily="49" charset="0"/>
+              </a:rPr>
+              <a:t>    }</a:t>
+            </a:r>
+          </a:p>
+          <a:p>
+            <a:r>
+              <a:rPr lang="en-US" altLang="zh-CN" b="0" dirty="0">
+                <a:solidFill>
+                  <a:srgbClr val="000000"/>
+                </a:solidFill>
+                <a:effectLst/>
+                <a:latin typeface="Consolas" panose="020B0609020204030204" pitchFamily="49" charset="0"/>
+              </a:rPr>
+              <a:t>}</a:t>
+            </a:r>
+          </a:p>
+        </p:txBody>
+      </p:sp>
+    </p:spTree>
+    <p:extLst>
+      <p:ext uri="{BB962C8B-B14F-4D97-AF65-F5344CB8AC3E}">
+        <p14:creationId xmlns:p14="http://schemas.microsoft.com/office/powerpoint/2010/main" val="1455845972"/>
       </p:ext>
     </p:extLst>
   </p:cSld>
